--- a/doc/presentation/presentacion.pptx
+++ b/doc/presentation/presentacion.pptx
@@ -265,8 +265,8 @@
         </c:dLbls>
         <c:marker val="1"/>
         <c:smooth val="0"/>
-        <c:axId val="58632832"/>
-        <c:axId val="70926720"/>
+        <c:axId val="36667776"/>
+        <c:axId val="36669312"/>
       </c:lineChart>
       <c:lineChart>
         <c:grouping val="standard"/>
@@ -384,11 +384,11 @@
         </c:dLbls>
         <c:marker val="1"/>
         <c:smooth val="0"/>
-        <c:axId val="83231488"/>
-        <c:axId val="82372480"/>
+        <c:axId val="36681600"/>
+        <c:axId val="36679680"/>
       </c:lineChart>
       <c:catAx>
-        <c:axId val="58632832"/>
+        <c:axId val="36667776"/>
         <c:scaling>
           <c:orientation val="minMax"/>
         </c:scaling>
@@ -408,7 +408,7 @@
             <a:endParaRPr lang="es-ES"/>
           </a:p>
         </c:txPr>
-        <c:crossAx val="70926720"/>
+        <c:crossAx val="36669312"/>
         <c:crosses val="autoZero"/>
         <c:auto val="1"/>
         <c:lblAlgn val="ctr"/>
@@ -416,7 +416,7 @@
         <c:noMultiLvlLbl val="0"/>
       </c:catAx>
       <c:valAx>
-        <c:axId val="70926720"/>
+        <c:axId val="36669312"/>
         <c:scaling>
           <c:orientation val="minMax"/>
         </c:scaling>
@@ -427,7 +427,7 @@
         <c:majorTickMark val="out"/>
         <c:minorTickMark val="none"/>
         <c:tickLblPos val="nextTo"/>
-        <c:crossAx val="58632832"/>
+        <c:crossAx val="36667776"/>
         <c:crosses val="autoZero"/>
         <c:crossBetween val="between"/>
         <c:dispUnits>
@@ -435,7 +435,7 @@
         </c:dispUnits>
       </c:valAx>
       <c:valAx>
-        <c:axId val="82372480"/>
+        <c:axId val="36679680"/>
         <c:scaling>
           <c:orientation val="minMax"/>
         </c:scaling>
@@ -445,7 +445,7 @@
         <c:majorTickMark val="out"/>
         <c:minorTickMark val="none"/>
         <c:tickLblPos val="nextTo"/>
-        <c:crossAx val="83231488"/>
+        <c:crossAx val="36681600"/>
         <c:crosses val="max"/>
         <c:crossBetween val="between"/>
         <c:dispUnits>
@@ -453,7 +453,7 @@
         </c:dispUnits>
       </c:valAx>
       <c:catAx>
-        <c:axId val="83231488"/>
+        <c:axId val="36681600"/>
         <c:scaling>
           <c:orientation val="minMax"/>
         </c:scaling>
@@ -463,7 +463,7 @@
         <c:majorTickMark val="out"/>
         <c:minorTickMark val="none"/>
         <c:tickLblPos val="nextTo"/>
-        <c:crossAx val="82372480"/>
+        <c:crossAx val="36679680"/>
         <c:crosses val="autoZero"/>
         <c:auto val="1"/>
         <c:lblAlgn val="ctr"/>
@@ -1401,10 +1401,24 @@
     <dgm:pt modelId="{29E2770B-FFFE-4160-BBF3-EE1BDBBCDB0A}" type="pres">
       <dgm:prSet presAssocID="{56369F9C-7B2D-401A-9FD4-A4E835E43CFD}" presName="gear1srcNode" presStyleLbl="node1" presStyleIdx="0" presStyleCnt="3"/>
       <dgm:spPr/>
+      <dgm:t>
+        <a:bodyPr/>
+        <a:lstStyle/>
+        <a:p>
+          <a:endParaRPr lang="es-ES"/>
+        </a:p>
+      </dgm:t>
     </dgm:pt>
     <dgm:pt modelId="{20BE6506-114B-42D4-933C-3B2EAEE9F1FD}" type="pres">
       <dgm:prSet presAssocID="{56369F9C-7B2D-401A-9FD4-A4E835E43CFD}" presName="gear1dstNode" presStyleLbl="node1" presStyleIdx="0" presStyleCnt="3"/>
       <dgm:spPr/>
+      <dgm:t>
+        <a:bodyPr/>
+        <a:lstStyle/>
+        <a:p>
+          <a:endParaRPr lang="es-ES"/>
+        </a:p>
+      </dgm:t>
     </dgm:pt>
     <dgm:pt modelId="{EDDC776F-4333-4A03-AB2B-F2335E197510}" type="pres">
       <dgm:prSet presAssocID="{299605EE-797F-437E-922B-5D31050FD03C}" presName="gear2" presStyleLbl="node1" presStyleIdx="1" presStyleCnt="3">
@@ -1414,14 +1428,35 @@
         </dgm:presLayoutVars>
       </dgm:prSet>
       <dgm:spPr/>
+      <dgm:t>
+        <a:bodyPr/>
+        <a:lstStyle/>
+        <a:p>
+          <a:endParaRPr lang="es-ES"/>
+        </a:p>
+      </dgm:t>
     </dgm:pt>
     <dgm:pt modelId="{48AE71A2-E873-484B-89CF-1C580517EADA}" type="pres">
       <dgm:prSet presAssocID="{299605EE-797F-437E-922B-5D31050FD03C}" presName="gear2srcNode" presStyleLbl="node1" presStyleIdx="1" presStyleCnt="3"/>
       <dgm:spPr/>
+      <dgm:t>
+        <a:bodyPr/>
+        <a:lstStyle/>
+        <a:p>
+          <a:endParaRPr lang="es-ES"/>
+        </a:p>
+      </dgm:t>
     </dgm:pt>
     <dgm:pt modelId="{C400A4E6-5B77-43C3-8A8D-3D85246EA0FF}" type="pres">
       <dgm:prSet presAssocID="{299605EE-797F-437E-922B-5D31050FD03C}" presName="gear2dstNode" presStyleLbl="node1" presStyleIdx="1" presStyleCnt="3"/>
       <dgm:spPr/>
+      <dgm:t>
+        <a:bodyPr/>
+        <a:lstStyle/>
+        <a:p>
+          <a:endParaRPr lang="es-ES"/>
+        </a:p>
+      </dgm:t>
     </dgm:pt>
     <dgm:pt modelId="{2E9D88A6-7C36-4835-ACBD-D7C08795F759}" type="pres">
       <dgm:prSet presAssocID="{797885BA-B508-4FB9-8073-ADE012BC425E}" presName="gear3" presStyleLbl="node1" presStyleIdx="2" presStyleCnt="3"/>
@@ -1453,42 +1488,77 @@
     <dgm:pt modelId="{5061B04A-9114-4C36-9B3C-3D395F37D892}" type="pres">
       <dgm:prSet presAssocID="{797885BA-B508-4FB9-8073-ADE012BC425E}" presName="gear3srcNode" presStyleLbl="node1" presStyleIdx="2" presStyleCnt="3"/>
       <dgm:spPr/>
+      <dgm:t>
+        <a:bodyPr/>
+        <a:lstStyle/>
+        <a:p>
+          <a:endParaRPr lang="es-ES"/>
+        </a:p>
+      </dgm:t>
     </dgm:pt>
     <dgm:pt modelId="{FAD620AD-447E-482F-A41D-A7AB083414F6}" type="pres">
       <dgm:prSet presAssocID="{797885BA-B508-4FB9-8073-ADE012BC425E}" presName="gear3dstNode" presStyleLbl="node1" presStyleIdx="2" presStyleCnt="3"/>
       <dgm:spPr/>
+      <dgm:t>
+        <a:bodyPr/>
+        <a:lstStyle/>
+        <a:p>
+          <a:endParaRPr lang="es-ES"/>
+        </a:p>
+      </dgm:t>
     </dgm:pt>
     <dgm:pt modelId="{EFA445AA-D007-4BA5-9D6A-7EB2E68B8451}" type="pres">
       <dgm:prSet presAssocID="{19EC5316-5378-447C-A5E7-58FD69DCED32}" presName="connector1" presStyleLbl="sibTrans2D1" presStyleIdx="0" presStyleCnt="3"/>
       <dgm:spPr/>
+      <dgm:t>
+        <a:bodyPr/>
+        <a:lstStyle/>
+        <a:p>
+          <a:endParaRPr lang="es-ES"/>
+        </a:p>
+      </dgm:t>
     </dgm:pt>
     <dgm:pt modelId="{25F0B9E6-65E8-4266-86BF-30FA4DC64571}" type="pres">
       <dgm:prSet presAssocID="{A0563BE8-4B17-44D0-9142-1476A4E58545}" presName="connector2" presStyleLbl="sibTrans2D1" presStyleIdx="1" presStyleCnt="3"/>
       <dgm:spPr/>
+      <dgm:t>
+        <a:bodyPr/>
+        <a:lstStyle/>
+        <a:p>
+          <a:endParaRPr lang="es-ES"/>
+        </a:p>
+      </dgm:t>
     </dgm:pt>
     <dgm:pt modelId="{E31D4B9E-F2B4-421F-A7F1-E9AA182AE15B}" type="pres">
       <dgm:prSet presAssocID="{BF573CFE-B576-4381-AB40-9A7D87BA3D12}" presName="connector3" presStyleLbl="sibTrans2D1" presStyleIdx="2" presStyleCnt="3"/>
       <dgm:spPr/>
+      <dgm:t>
+        <a:bodyPr/>
+        <a:lstStyle/>
+        <a:p>
+          <a:endParaRPr lang="es-ES"/>
+        </a:p>
+      </dgm:t>
     </dgm:pt>
   </dgm:ptLst>
   <dgm:cxnLst>
+    <dgm:cxn modelId="{AB06F86A-3E3D-4F9E-9A4C-9231C0E82D58}" type="presOf" srcId="{797885BA-B508-4FB9-8073-ADE012BC425E}" destId="{2E9D88A6-7C36-4835-ACBD-D7C08795F759}" srcOrd="0" destOrd="0" presId="urn:microsoft.com/office/officeart/2005/8/layout/gear1"/>
+    <dgm:cxn modelId="{EE6A3B59-FF99-4642-A9E3-ABB6104BFC84}" type="presOf" srcId="{797885BA-B508-4FB9-8073-ADE012BC425E}" destId="{FAD620AD-447E-482F-A41D-A7AB083414F6}" srcOrd="3" destOrd="0" presId="urn:microsoft.com/office/officeart/2005/8/layout/gear1"/>
+    <dgm:cxn modelId="{D07A33E2-8439-4216-9E57-B1A8F4CA8BF4}" type="presOf" srcId="{797885BA-B508-4FB9-8073-ADE012BC425E}" destId="{AE81CDC9-FFAA-4896-B0A3-E3592B7CBDA9}" srcOrd="1" destOrd="0" presId="urn:microsoft.com/office/officeart/2005/8/layout/gear1"/>
     <dgm:cxn modelId="{35B5E548-1CA8-408F-95D6-A3BC949A3213}" type="presOf" srcId="{299605EE-797F-437E-922B-5D31050FD03C}" destId="{48AE71A2-E873-484B-89CF-1C580517EADA}" srcOrd="1" destOrd="0" presId="urn:microsoft.com/office/officeart/2005/8/layout/gear1"/>
+    <dgm:cxn modelId="{938EAF95-A8E8-438F-9832-5752ED6FA1D6}" srcId="{D402DF7D-4306-458A-9954-DD7913F51DD2}" destId="{797885BA-B508-4FB9-8073-ADE012BC425E}" srcOrd="2" destOrd="0" parTransId="{7D2B3C93-A0F7-4B95-812A-BA6F7BA8D9A1}" sibTransId="{BF573CFE-B576-4381-AB40-9A7D87BA3D12}"/>
+    <dgm:cxn modelId="{B5E5FBB7-C957-482E-9038-E6A512AF283C}" type="presOf" srcId="{56369F9C-7B2D-401A-9FD4-A4E835E43CFD}" destId="{D970E6FB-A79C-492F-B624-D521D8F37516}" srcOrd="0" destOrd="0" presId="urn:microsoft.com/office/officeart/2005/8/layout/gear1"/>
+    <dgm:cxn modelId="{C6CE783F-0A1B-4176-8F3E-988D396270A6}" type="presOf" srcId="{56369F9C-7B2D-401A-9FD4-A4E835E43CFD}" destId="{29E2770B-FFFE-4160-BBF3-EE1BDBBCDB0A}" srcOrd="1" destOrd="0" presId="urn:microsoft.com/office/officeart/2005/8/layout/gear1"/>
+    <dgm:cxn modelId="{82C50CB2-F617-4126-A8F0-9EC000F6632D}" type="presOf" srcId="{56369F9C-7B2D-401A-9FD4-A4E835E43CFD}" destId="{20BE6506-114B-42D4-933C-3B2EAEE9F1FD}" srcOrd="2" destOrd="0" presId="urn:microsoft.com/office/officeart/2005/8/layout/gear1"/>
+    <dgm:cxn modelId="{4CF9DCEF-1F77-4D93-A9C2-874E9F17DB16}" type="presOf" srcId="{797885BA-B508-4FB9-8073-ADE012BC425E}" destId="{5061B04A-9114-4C36-9B3C-3D395F37D892}" srcOrd="2" destOrd="0" presId="urn:microsoft.com/office/officeart/2005/8/layout/gear1"/>
     <dgm:cxn modelId="{349EB3BA-4741-464B-B386-6876F094749E}" type="presOf" srcId="{299605EE-797F-437E-922B-5D31050FD03C}" destId="{C400A4E6-5B77-43C3-8A8D-3D85246EA0FF}" srcOrd="2" destOrd="0" presId="urn:microsoft.com/office/officeart/2005/8/layout/gear1"/>
+    <dgm:cxn modelId="{70A58C1A-9619-4035-A0AA-D9CD9268F57D}" type="presOf" srcId="{299605EE-797F-437E-922B-5D31050FD03C}" destId="{EDDC776F-4333-4A03-AB2B-F2335E197510}" srcOrd="0" destOrd="0" presId="urn:microsoft.com/office/officeart/2005/8/layout/gear1"/>
+    <dgm:cxn modelId="{213954B6-7781-41CC-9627-441F4913F5C4}" srcId="{D402DF7D-4306-458A-9954-DD7913F51DD2}" destId="{299605EE-797F-437E-922B-5D31050FD03C}" srcOrd="1" destOrd="0" parTransId="{BA6B7860-4BC6-41DB-AF24-34D3582CE5A1}" sibTransId="{A0563BE8-4B17-44D0-9142-1476A4E58545}"/>
+    <dgm:cxn modelId="{FF7AAE67-F2E5-44BB-BCE7-8E794FA5E653}" type="presOf" srcId="{19EC5316-5378-447C-A5E7-58FD69DCED32}" destId="{EFA445AA-D007-4BA5-9D6A-7EB2E68B8451}" srcOrd="0" destOrd="0" presId="urn:microsoft.com/office/officeart/2005/8/layout/gear1"/>
     <dgm:cxn modelId="{64188317-DE45-45C9-A82E-FD2EAE2ADEF2}" srcId="{D402DF7D-4306-458A-9954-DD7913F51DD2}" destId="{56369F9C-7B2D-401A-9FD4-A4E835E43CFD}" srcOrd="0" destOrd="0" parTransId="{E8063D02-FC9A-4189-81EA-8FDE8A097F43}" sibTransId="{19EC5316-5378-447C-A5E7-58FD69DCED32}"/>
     <dgm:cxn modelId="{D1090D21-6BCD-44B1-8EDC-B78EAF150286}" type="presOf" srcId="{D402DF7D-4306-458A-9954-DD7913F51DD2}" destId="{E24AE83C-68D6-49EF-8B89-8E94232F15E1}" srcOrd="0" destOrd="0" presId="urn:microsoft.com/office/officeart/2005/8/layout/gear1"/>
-    <dgm:cxn modelId="{938EAF95-A8E8-438F-9832-5752ED6FA1D6}" srcId="{D402DF7D-4306-458A-9954-DD7913F51DD2}" destId="{797885BA-B508-4FB9-8073-ADE012BC425E}" srcOrd="2" destOrd="0" parTransId="{7D2B3C93-A0F7-4B95-812A-BA6F7BA8D9A1}" sibTransId="{BF573CFE-B576-4381-AB40-9A7D87BA3D12}"/>
-    <dgm:cxn modelId="{B5E5FBB7-C957-482E-9038-E6A512AF283C}" type="presOf" srcId="{56369F9C-7B2D-401A-9FD4-A4E835E43CFD}" destId="{D970E6FB-A79C-492F-B624-D521D8F37516}" srcOrd="0" destOrd="0" presId="urn:microsoft.com/office/officeart/2005/8/layout/gear1"/>
-    <dgm:cxn modelId="{FF7AAE67-F2E5-44BB-BCE7-8E794FA5E653}" type="presOf" srcId="{19EC5316-5378-447C-A5E7-58FD69DCED32}" destId="{EFA445AA-D007-4BA5-9D6A-7EB2E68B8451}" srcOrd="0" destOrd="0" presId="urn:microsoft.com/office/officeart/2005/8/layout/gear1"/>
-    <dgm:cxn modelId="{C6CE783F-0A1B-4176-8F3E-988D396270A6}" type="presOf" srcId="{56369F9C-7B2D-401A-9FD4-A4E835E43CFD}" destId="{29E2770B-FFFE-4160-BBF3-EE1BDBBCDB0A}" srcOrd="1" destOrd="0" presId="urn:microsoft.com/office/officeart/2005/8/layout/gear1"/>
-    <dgm:cxn modelId="{4CF9DCEF-1F77-4D93-A9C2-874E9F17DB16}" type="presOf" srcId="{797885BA-B508-4FB9-8073-ADE012BC425E}" destId="{5061B04A-9114-4C36-9B3C-3D395F37D892}" srcOrd="2" destOrd="0" presId="urn:microsoft.com/office/officeart/2005/8/layout/gear1"/>
-    <dgm:cxn modelId="{213954B6-7781-41CC-9627-441F4913F5C4}" srcId="{D402DF7D-4306-458A-9954-DD7913F51DD2}" destId="{299605EE-797F-437E-922B-5D31050FD03C}" srcOrd="1" destOrd="0" parTransId="{BA6B7860-4BC6-41DB-AF24-34D3582CE5A1}" sibTransId="{A0563BE8-4B17-44D0-9142-1476A4E58545}"/>
-    <dgm:cxn modelId="{D07A33E2-8439-4216-9E57-B1A8F4CA8BF4}" type="presOf" srcId="{797885BA-B508-4FB9-8073-ADE012BC425E}" destId="{AE81CDC9-FFAA-4896-B0A3-E3592B7CBDA9}" srcOrd="1" destOrd="0" presId="urn:microsoft.com/office/officeart/2005/8/layout/gear1"/>
-    <dgm:cxn modelId="{70A58C1A-9619-4035-A0AA-D9CD9268F57D}" type="presOf" srcId="{299605EE-797F-437E-922B-5D31050FD03C}" destId="{EDDC776F-4333-4A03-AB2B-F2335E197510}" srcOrd="0" destOrd="0" presId="urn:microsoft.com/office/officeart/2005/8/layout/gear1"/>
-    <dgm:cxn modelId="{AB06F86A-3E3D-4F9E-9A4C-9231C0E82D58}" type="presOf" srcId="{797885BA-B508-4FB9-8073-ADE012BC425E}" destId="{2E9D88A6-7C36-4835-ACBD-D7C08795F759}" srcOrd="0" destOrd="0" presId="urn:microsoft.com/office/officeart/2005/8/layout/gear1"/>
+    <dgm:cxn modelId="{02C0A90E-6D41-4081-A592-9A8FE3C39392}" type="presOf" srcId="{A0563BE8-4B17-44D0-9142-1476A4E58545}" destId="{25F0B9E6-65E8-4266-86BF-30FA4DC64571}" srcOrd="0" destOrd="0" presId="urn:microsoft.com/office/officeart/2005/8/layout/gear1"/>
     <dgm:cxn modelId="{AD817D48-705D-4612-98C4-1CCCBD0ABC46}" type="presOf" srcId="{BF573CFE-B576-4381-AB40-9A7D87BA3D12}" destId="{E31D4B9E-F2B4-421F-A7F1-E9AA182AE15B}" srcOrd="0" destOrd="0" presId="urn:microsoft.com/office/officeart/2005/8/layout/gear1"/>
-    <dgm:cxn modelId="{82C50CB2-F617-4126-A8F0-9EC000F6632D}" type="presOf" srcId="{56369F9C-7B2D-401A-9FD4-A4E835E43CFD}" destId="{20BE6506-114B-42D4-933C-3B2EAEE9F1FD}" srcOrd="2" destOrd="0" presId="urn:microsoft.com/office/officeart/2005/8/layout/gear1"/>
-    <dgm:cxn modelId="{EE6A3B59-FF99-4642-A9E3-ABB6104BFC84}" type="presOf" srcId="{797885BA-B508-4FB9-8073-ADE012BC425E}" destId="{FAD620AD-447E-482F-A41D-A7AB083414F6}" srcOrd="3" destOrd="0" presId="urn:microsoft.com/office/officeart/2005/8/layout/gear1"/>
-    <dgm:cxn modelId="{02C0A90E-6D41-4081-A592-9A8FE3C39392}" type="presOf" srcId="{A0563BE8-4B17-44D0-9142-1476A4E58545}" destId="{25F0B9E6-65E8-4266-86BF-30FA4DC64571}" srcOrd="0" destOrd="0" presId="urn:microsoft.com/office/officeart/2005/8/layout/gear1"/>
     <dgm:cxn modelId="{67343AE7-9B05-4DB5-A5DE-D177AC23678D}" type="presParOf" srcId="{E24AE83C-68D6-49EF-8B89-8E94232F15E1}" destId="{D970E6FB-A79C-492F-B624-D521D8F37516}" srcOrd="0" destOrd="0" presId="urn:microsoft.com/office/officeart/2005/8/layout/gear1"/>
     <dgm:cxn modelId="{1388F0A7-1FF4-4EA0-9D42-5C14CAF33F0E}" type="presParOf" srcId="{E24AE83C-68D6-49EF-8B89-8E94232F15E1}" destId="{29E2770B-FFFE-4160-BBF3-EE1BDBBCDB0A}" srcOrd="1" destOrd="0" presId="urn:microsoft.com/office/officeart/2005/8/layout/gear1"/>
     <dgm:cxn modelId="{E8616470-739B-4C80-A43C-DB91976BE79D}" type="presParOf" srcId="{E24AE83C-68D6-49EF-8B89-8E94232F15E1}" destId="{20BE6506-114B-42D4-933C-3B2EAEE9F1FD}" srcOrd="2" destOrd="0" presId="urn:microsoft.com/office/officeart/2005/8/layout/gear1"/>
@@ -9746,13 +9816,13 @@
   <p:clrMapOvr>
     <a:masterClrMapping/>
   </p:clrMapOvr>
-  <mc:AlternateContent xmlns:mc="http://schemas.openxmlformats.org/markup-compatibility/2006">
-    <mc:Choice xmlns:p14="http://schemas.microsoft.com/office/powerpoint/2010/main" Requires="p14">
+  <mc:AlternateContent xmlns:mc="http://schemas.openxmlformats.org/markup-compatibility/2006" xmlns:p14="http://schemas.microsoft.com/office/powerpoint/2010/main">
+    <mc:Choice Requires="p14">
       <p:transition spd="med" p14:dur="700">
         <p:fade/>
       </p:transition>
     </mc:Choice>
-    <mc:Fallback>
+    <mc:Fallback xmlns="">
       <p:transition spd="med">
         <p:fade/>
       </p:transition>
@@ -9981,13 +10051,13 @@
   <p:clrMapOvr>
     <a:masterClrMapping/>
   </p:clrMapOvr>
-  <mc:AlternateContent xmlns:mc="http://schemas.openxmlformats.org/markup-compatibility/2006">
-    <mc:Choice xmlns:p14="http://schemas.microsoft.com/office/powerpoint/2010/main" Requires="p14">
+  <mc:AlternateContent xmlns:mc="http://schemas.openxmlformats.org/markup-compatibility/2006" xmlns:p14="http://schemas.microsoft.com/office/powerpoint/2010/main">
+    <mc:Choice Requires="p14">
       <p:transition spd="med" p14:dur="700">
         <p:fade/>
       </p:transition>
     </mc:Choice>
-    <mc:Fallback>
+    <mc:Fallback xmlns="">
       <p:transition spd="med">
         <p:fade/>
       </p:transition>
@@ -10793,13 +10863,13 @@
   <p:clrMapOvr>
     <a:masterClrMapping/>
   </p:clrMapOvr>
-  <mc:AlternateContent xmlns:mc="http://schemas.openxmlformats.org/markup-compatibility/2006">
-    <mc:Choice xmlns:p14="http://schemas.microsoft.com/office/powerpoint/2010/main" Requires="p14">
+  <mc:AlternateContent xmlns:mc="http://schemas.openxmlformats.org/markup-compatibility/2006" xmlns:p14="http://schemas.microsoft.com/office/powerpoint/2010/main">
+    <mc:Choice Requires="p14">
       <p:transition spd="med" p14:dur="700">
         <p:fade/>
       </p:transition>
     </mc:Choice>
-    <mc:Fallback>
+    <mc:Fallback xmlns="">
       <p:transition spd="med">
         <p:fade/>
       </p:transition>
@@ -11566,13 +11636,13 @@
   <p:clrMapOvr>
     <a:masterClrMapping/>
   </p:clrMapOvr>
-  <mc:AlternateContent xmlns:mc="http://schemas.openxmlformats.org/markup-compatibility/2006">
-    <mc:Choice xmlns:p14="http://schemas.microsoft.com/office/powerpoint/2010/main" Requires="p14">
+  <mc:AlternateContent xmlns:mc="http://schemas.openxmlformats.org/markup-compatibility/2006" xmlns:p14="http://schemas.microsoft.com/office/powerpoint/2010/main">
+    <mc:Choice Requires="p14">
       <p:transition spd="med" p14:dur="700">
         <p:fade/>
       </p:transition>
     </mc:Choice>
-    <mc:Fallback>
+    <mc:Fallback xmlns="">
       <p:transition spd="med">
         <p:fade/>
       </p:transition>
@@ -11862,13 +11932,13 @@
   <p:clrMapOvr>
     <a:masterClrMapping/>
   </p:clrMapOvr>
-  <mc:AlternateContent xmlns:mc="http://schemas.openxmlformats.org/markup-compatibility/2006">
-    <mc:Choice xmlns:p14="http://schemas.microsoft.com/office/powerpoint/2010/main" Requires="p14">
+  <mc:AlternateContent xmlns:mc="http://schemas.openxmlformats.org/markup-compatibility/2006" xmlns:p14="http://schemas.microsoft.com/office/powerpoint/2010/main">
+    <mc:Choice Requires="p14">
       <p:transition spd="med" p14:dur="700">
         <p:fade/>
       </p:transition>
     </mc:Choice>
-    <mc:Fallback>
+    <mc:Fallback xmlns="">
       <p:transition spd="med">
         <p:fade/>
       </p:transition>
@@ -12565,13 +12635,13 @@
   <p:clrMapOvr>
     <a:masterClrMapping/>
   </p:clrMapOvr>
-  <mc:AlternateContent xmlns:mc="http://schemas.openxmlformats.org/markup-compatibility/2006">
-    <mc:Choice xmlns:p14="http://schemas.microsoft.com/office/powerpoint/2010/main" Requires="p14">
+  <mc:AlternateContent xmlns:mc="http://schemas.openxmlformats.org/markup-compatibility/2006" xmlns:p14="http://schemas.microsoft.com/office/powerpoint/2010/main">
+    <mc:Choice Requires="p14">
       <p:transition spd="med" p14:dur="700">
         <p:fade/>
       </p:transition>
     </mc:Choice>
-    <mc:Fallback>
+    <mc:Fallback xmlns="">
       <p:transition spd="med">
         <p:fade/>
       </p:transition>
@@ -12942,13 +13012,13 @@
   <p:clrMapOvr>
     <a:masterClrMapping/>
   </p:clrMapOvr>
-  <mc:AlternateContent xmlns:mc="http://schemas.openxmlformats.org/markup-compatibility/2006">
-    <mc:Choice xmlns:p14="http://schemas.microsoft.com/office/powerpoint/2010/main" Requires="p14">
+  <mc:AlternateContent xmlns:mc="http://schemas.openxmlformats.org/markup-compatibility/2006" xmlns:p14="http://schemas.microsoft.com/office/powerpoint/2010/main">
+    <mc:Choice Requires="p14">
       <p:transition spd="med" p14:dur="700">
         <p:fade/>
       </p:transition>
     </mc:Choice>
-    <mc:Fallback>
+    <mc:Fallback xmlns="">
       <p:transition spd="med">
         <p:fade/>
       </p:transition>
@@ -13333,13 +13403,13 @@
   <p:clrMapOvr>
     <a:masterClrMapping/>
   </p:clrMapOvr>
-  <mc:AlternateContent xmlns:mc="http://schemas.openxmlformats.org/markup-compatibility/2006">
-    <mc:Choice xmlns:p14="http://schemas.microsoft.com/office/powerpoint/2010/main" Requires="p14">
+  <mc:AlternateContent xmlns:mc="http://schemas.openxmlformats.org/markup-compatibility/2006" xmlns:p14="http://schemas.microsoft.com/office/powerpoint/2010/main">
+    <mc:Choice Requires="p14">
       <p:transition spd="med" p14:dur="700">
         <p:fade/>
       </p:transition>
     </mc:Choice>
-    <mc:Fallback>
+    <mc:Fallback xmlns="">
       <p:transition spd="med">
         <p:fade/>
       </p:transition>
@@ -13766,13 +13836,13 @@
   <p:clrMapOvr>
     <a:masterClrMapping/>
   </p:clrMapOvr>
-  <mc:AlternateContent xmlns:mc="http://schemas.openxmlformats.org/markup-compatibility/2006">
-    <mc:Choice xmlns:p14="http://schemas.microsoft.com/office/powerpoint/2010/main" Requires="p14">
+  <mc:AlternateContent xmlns:mc="http://schemas.openxmlformats.org/markup-compatibility/2006" xmlns:p14="http://schemas.microsoft.com/office/powerpoint/2010/main">
+    <mc:Choice Requires="p14">
       <p:transition spd="med" p14:dur="700">
         <p:fade/>
       </p:transition>
     </mc:Choice>
-    <mc:Fallback>
+    <mc:Fallback xmlns="">
       <p:transition spd="med">
         <p:fade/>
       </p:transition>
@@ -14313,13 +14383,13 @@
   <p:clrMapOvr>
     <a:masterClrMapping/>
   </p:clrMapOvr>
-  <mc:AlternateContent xmlns:mc="http://schemas.openxmlformats.org/markup-compatibility/2006">
-    <mc:Choice xmlns:p14="http://schemas.microsoft.com/office/powerpoint/2010/main" Requires="p14">
+  <mc:AlternateContent xmlns:mc="http://schemas.openxmlformats.org/markup-compatibility/2006" xmlns:p14="http://schemas.microsoft.com/office/powerpoint/2010/main">
+    <mc:Choice Requires="p14">
       <p:transition spd="med" p14:dur="700">
         <p:fade/>
       </p:transition>
     </mc:Choice>
-    <mc:Fallback>
+    <mc:Fallback xmlns="">
       <p:transition spd="med">
         <p:fade/>
       </p:transition>
@@ -14639,13 +14709,13 @@
   <p:clrMapOvr>
     <a:masterClrMapping/>
   </p:clrMapOvr>
-  <mc:AlternateContent xmlns:mc="http://schemas.openxmlformats.org/markup-compatibility/2006">
-    <mc:Choice xmlns:p14="http://schemas.microsoft.com/office/powerpoint/2010/main" Requires="p14">
+  <mc:AlternateContent xmlns:mc="http://schemas.openxmlformats.org/markup-compatibility/2006" xmlns:p14="http://schemas.microsoft.com/office/powerpoint/2010/main">
+    <mc:Choice Requires="p14">
       <p:transition spd="med" p14:dur="700">
         <p:fade/>
       </p:transition>
     </mc:Choice>
-    <mc:Fallback>
+    <mc:Fallback xmlns="">
       <p:transition spd="med">
         <p:fade/>
       </p:transition>
@@ -14991,7 +15061,11 @@
           <a:p>
             <a:r>
               <a:rPr lang="es-ES" dirty="0" smtClean="0"/>
-              <a:t>Perú 2012 - Inundaciones</a:t>
+              <a:t>Perú </a:t>
+            </a:r>
+            <a:r>
+              <a:rPr lang="es-ES" dirty="0" smtClean="0"/>
+              <a:t>2012</a:t>
             </a:r>
             <a:endParaRPr lang="es-ES" dirty="0"/>
           </a:p>
@@ -15002,13 +15076,13 @@
   <p:clrMapOvr>
     <a:masterClrMapping/>
   </p:clrMapOvr>
-  <mc:AlternateContent xmlns:mc="http://schemas.openxmlformats.org/markup-compatibility/2006">
-    <mc:Choice xmlns:p14="http://schemas.microsoft.com/office/powerpoint/2010/main" Requires="p14">
+  <mc:AlternateContent xmlns:mc="http://schemas.openxmlformats.org/markup-compatibility/2006" xmlns:p14="http://schemas.microsoft.com/office/powerpoint/2010/main">
+    <mc:Choice Requires="p14">
       <p:transition spd="med" p14:dur="700">
         <p:fade/>
       </p:transition>
     </mc:Choice>
-    <mc:Fallback>
+    <mc:Fallback xmlns="">
       <p:transition spd="med">
         <p:fade/>
       </p:transition>
@@ -15240,13 +15314,13 @@
   <p:clrMapOvr>
     <a:masterClrMapping/>
   </p:clrMapOvr>
-  <mc:AlternateContent xmlns:mc="http://schemas.openxmlformats.org/markup-compatibility/2006">
-    <mc:Choice xmlns:p14="http://schemas.microsoft.com/office/powerpoint/2010/main" Requires="p14">
+  <mc:AlternateContent xmlns:mc="http://schemas.openxmlformats.org/markup-compatibility/2006" xmlns:p14="http://schemas.microsoft.com/office/powerpoint/2010/main">
+    <mc:Choice Requires="p14">
       <p:transition spd="med" p14:dur="700">
         <p:fade/>
       </p:transition>
     </mc:Choice>
-    <mc:Fallback>
+    <mc:Fallback xmlns="">
       <p:transition spd="med">
         <p:fade/>
       </p:transition>
@@ -15625,13 +15699,13 @@
   <p:clrMapOvr>
     <a:masterClrMapping/>
   </p:clrMapOvr>
-  <mc:AlternateContent xmlns:mc="http://schemas.openxmlformats.org/markup-compatibility/2006">
-    <mc:Choice xmlns:p14="http://schemas.microsoft.com/office/powerpoint/2010/main" Requires="p14">
+  <mc:AlternateContent xmlns:mc="http://schemas.openxmlformats.org/markup-compatibility/2006" xmlns:p14="http://schemas.microsoft.com/office/powerpoint/2010/main">
+    <mc:Choice Requires="p14">
       <p:transition spd="med" p14:dur="700">
         <p:fade/>
       </p:transition>
     </mc:Choice>
-    <mc:Fallback>
+    <mc:Fallback xmlns="">
       <p:transition spd="med">
         <p:fade/>
       </p:transition>
@@ -16042,13 +16116,13 @@
   <p:clrMapOvr>
     <a:masterClrMapping/>
   </p:clrMapOvr>
-  <mc:AlternateContent xmlns:mc="http://schemas.openxmlformats.org/markup-compatibility/2006">
-    <mc:Choice xmlns:p14="http://schemas.microsoft.com/office/powerpoint/2010/main" Requires="p14">
+  <mc:AlternateContent xmlns:mc="http://schemas.openxmlformats.org/markup-compatibility/2006" xmlns:p14="http://schemas.microsoft.com/office/powerpoint/2010/main">
+    <mc:Choice Requires="p14">
       <p:transition spd="med" p14:dur="700">
         <p:fade/>
       </p:transition>
     </mc:Choice>
-    <mc:Fallback>
+    <mc:Fallback xmlns="">
       <p:transition spd="med">
         <p:fade/>
       </p:transition>
@@ -16630,13 +16704,13 @@
   <p:clrMapOvr>
     <a:masterClrMapping/>
   </p:clrMapOvr>
-  <mc:AlternateContent xmlns:mc="http://schemas.openxmlformats.org/markup-compatibility/2006">
-    <mc:Choice xmlns:p14="http://schemas.microsoft.com/office/powerpoint/2010/main" Requires="p14">
+  <mc:AlternateContent xmlns:mc="http://schemas.openxmlformats.org/markup-compatibility/2006" xmlns:p14="http://schemas.microsoft.com/office/powerpoint/2010/main">
+    <mc:Choice Requires="p14">
       <p:transition spd="med" p14:dur="700">
         <p:fade/>
       </p:transition>
     </mc:Choice>
-    <mc:Fallback>
+    <mc:Fallback xmlns="">
       <p:transition spd="med">
         <p:fade/>
       </p:transition>
@@ -16929,13 +17003,13 @@
   <p:clrMapOvr>
     <a:masterClrMapping/>
   </p:clrMapOvr>
-  <mc:AlternateContent xmlns:mc="http://schemas.openxmlformats.org/markup-compatibility/2006">
-    <mc:Choice xmlns:p14="http://schemas.microsoft.com/office/powerpoint/2010/main" Requires="p14">
+  <mc:AlternateContent xmlns:mc="http://schemas.openxmlformats.org/markup-compatibility/2006" xmlns:p14="http://schemas.microsoft.com/office/powerpoint/2010/main">
+    <mc:Choice Requires="p14">
       <p:transition spd="med" p14:dur="700">
         <p:fade/>
       </p:transition>
     </mc:Choice>
-    <mc:Fallback>
+    <mc:Fallback xmlns="">
       <p:transition spd="med">
         <p:fade/>
       </p:transition>
@@ -16970,36 +17044,6 @@
       </p:grpSpPr>
       <p:sp>
         <p:nvSpPr>
-          <p:cNvPr id="43" name="TextShape 1"/>
-          <p:cNvSpPr txBox="1"/>
-          <p:nvPr/>
-        </p:nvSpPr>
-        <p:spPr>
-          <a:xfrm>
-            <a:off x="504000" y="301320"/>
-            <a:ext cx="9071640" cy="1262160"/>
-          </a:xfrm>
-          <a:prstGeom prst="rect">
-            <a:avLst/>
-          </a:prstGeom>
-        </p:spPr>
-        <p:txBody>
-          <a:bodyPr lIns="0" tIns="0" rIns="0" bIns="0" anchor="ctr"/>
-          <a:lstStyle/>
-          <a:p>
-            <a:pPr algn="ctr"/>
-            <a:r>
-              <a:rPr lang="en-US" sz="4400">
-                <a:latin typeface="Arial"/>
-              </a:rPr>
-              <a:t>Filipinas 2013 - Haiyan</a:t>
-            </a:r>
-            <a:endParaRPr/>
-          </a:p>
-        </p:txBody>
-      </p:sp>
-      <p:sp>
-        <p:nvSpPr>
           <p:cNvPr id="44" name="TextShape 2"/>
           <p:cNvSpPr txBox="1"/>
           <p:nvPr/>
@@ -17021,18 +17065,87 @@
           </a:p>
         </p:txBody>
       </p:sp>
+      <p:sp>
+        <p:nvSpPr>
+          <p:cNvPr id="4" name="Título 3"/>
+          <p:cNvSpPr>
+            <a:spLocks noGrp="1"/>
+          </p:cNvSpPr>
+          <p:nvPr>
+            <p:ph type="title"/>
+          </p:nvPr>
+        </p:nvSpPr>
+        <p:spPr>
+          <a:xfrm>
+            <a:off x="504031" y="431659"/>
+            <a:ext cx="9072563" cy="1259946"/>
+          </a:xfrm>
+        </p:spPr>
+        <p:txBody>
+          <a:bodyPr/>
+          <a:lstStyle/>
+          <a:p>
+            <a:r>
+              <a:rPr lang="es-ES" dirty="0" smtClean="0"/>
+              <a:t>Haití 2013</a:t>
+            </a:r>
+            <a:endParaRPr lang="es-ES" dirty="0"/>
+          </a:p>
+        </p:txBody>
+      </p:sp>
+      <p:pic>
+        <p:nvPicPr>
+          <p:cNvPr id="7" name="Picture 6" descr="C:\Users\Macu\Downloads\women in shop.jpg"/>
+          <p:cNvPicPr>
+            <a:picLocks noChangeAspect="1" noChangeArrowheads="1"/>
+          </p:cNvPicPr>
+          <p:nvPr/>
+        </p:nvPicPr>
+        <p:blipFill>
+          <a:blip r:embed="rId2">
+            <a:extLst>
+              <a:ext uri="{28A0092B-C50C-407E-A947-70E740481C1C}">
+                <a14:useLocalDpi xmlns:a14="http://schemas.microsoft.com/office/drawing/2010/main" val="0"/>
+              </a:ext>
+            </a:extLst>
+          </a:blip>
+          <a:srcRect/>
+          <a:stretch>
+            <a:fillRect/>
+          </a:stretch>
+        </p:blipFill>
+        <p:spPr bwMode="auto">
+          <a:xfrm>
+            <a:off x="468312" y="2024855"/>
+            <a:ext cx="9144000" cy="4059238"/>
+          </a:xfrm>
+          <a:prstGeom prst="rect">
+            <a:avLst/>
+          </a:prstGeom>
+          <a:noFill/>
+          <a:extLst>
+            <a:ext uri="{909E8E84-426E-40DD-AFC4-6F175D3DCCD1}">
+              <a14:hiddenFill xmlns:a14="http://schemas.microsoft.com/office/drawing/2010/main">
+                <a:solidFill>
+                  <a:srgbClr val="FFFFFF"/>
+                </a:solidFill>
+              </a14:hiddenFill>
+            </a:ext>
+          </a:extLst>
+        </p:spPr>
+      </p:pic>
     </p:spTree>
   </p:cSld>
   <p:clrMapOvr>
     <a:masterClrMapping/>
   </p:clrMapOvr>
-  <mc:AlternateContent xmlns:mc="http://schemas.openxmlformats.org/markup-compatibility/2006">
-    <mc:Choice xmlns:p14="http://schemas.microsoft.com/office/powerpoint/2010/main" Requires="p14">
+  <mc:AlternateContent xmlns:mc="http://schemas.openxmlformats.org/markup-compatibility/2006" xmlns:p14="http://schemas.microsoft.com/office/powerpoint/2010/main">
+    <mc:Choice Requires="p14">
       <p:transition spd="med" p14:dur="700">
         <p:fade/>
       </p:transition>
     </mc:Choice>
-    <mc:Fallback>
+    <mc:Fallback xmlns="">
       <p:transition spd="med">
         <p:fade/>
       </p:transition>
@@ -17041,7 +17154,83 @@
   <p:timing>
     <p:tnLst>
       <p:par>
-        <p:cTn id="1" dur="indefinite" restart="never" nodeType="tmRoot"/>
+        <p:cTn id="1" dur="indefinite" restart="never" nodeType="tmRoot">
+          <p:childTnLst>
+            <p:seq concurrent="1" nextAc="seek">
+              <p:cTn id="2" dur="indefinite" nodeType="mainSeq">
+                <p:childTnLst>
+                  <p:par>
+                    <p:cTn id="3" fill="hold">
+                      <p:stCondLst>
+                        <p:cond delay="indefinite"/>
+                      </p:stCondLst>
+                      <p:childTnLst>
+                        <p:par>
+                          <p:cTn id="4" fill="hold">
+                            <p:stCondLst>
+                              <p:cond delay="0"/>
+                            </p:stCondLst>
+                            <p:childTnLst>
+                              <p:par>
+                                <p:cTn id="5" presetID="10" presetClass="entr" presetSubtype="0" fill="hold" nodeType="clickEffect">
+                                  <p:stCondLst>
+                                    <p:cond delay="0"/>
+                                  </p:stCondLst>
+                                  <p:childTnLst>
+                                    <p:set>
+                                      <p:cBhvr>
+                                        <p:cTn id="6" dur="1" fill="hold">
+                                          <p:stCondLst>
+                                            <p:cond delay="0"/>
+                                          </p:stCondLst>
+                                        </p:cTn>
+                                        <p:tgtEl>
+                                          <p:spTgt spid="7"/>
+                                        </p:tgtEl>
+                                        <p:attrNameLst>
+                                          <p:attrName>style.visibility</p:attrName>
+                                        </p:attrNameLst>
+                                      </p:cBhvr>
+                                      <p:to>
+                                        <p:strVal val="visible"/>
+                                      </p:to>
+                                    </p:set>
+                                    <p:animEffect transition="in" filter="fade">
+                                      <p:cBhvr>
+                                        <p:cTn id="7" dur="500"/>
+                                        <p:tgtEl>
+                                          <p:spTgt spid="7"/>
+                                        </p:tgtEl>
+                                      </p:cBhvr>
+                                    </p:animEffect>
+                                  </p:childTnLst>
+                                </p:cTn>
+                              </p:par>
+                            </p:childTnLst>
+                          </p:cTn>
+                        </p:par>
+                      </p:childTnLst>
+                    </p:cTn>
+                  </p:par>
+                </p:childTnLst>
+              </p:cTn>
+              <p:prevCondLst>
+                <p:cond evt="onPrev" delay="0">
+                  <p:tgtEl>
+                    <p:sldTgt/>
+                  </p:tgtEl>
+                </p:cond>
+              </p:prevCondLst>
+              <p:nextCondLst>
+                <p:cond evt="onNext" delay="0">
+                  <p:tgtEl>
+                    <p:sldTgt/>
+                  </p:tgtEl>
+                </p:cond>
+              </p:nextCondLst>
+            </p:seq>
+          </p:childTnLst>
+        </p:cTn>
       </p:par>
     </p:tnLst>
   </p:timing>
@@ -17170,13 +17359,13 @@
   <p:clrMapOvr>
     <a:masterClrMapping/>
   </p:clrMapOvr>
-  <mc:AlternateContent xmlns:mc="http://schemas.openxmlformats.org/markup-compatibility/2006">
-    <mc:Choice xmlns:p14="http://schemas.microsoft.com/office/powerpoint/2010/main" Requires="p14">
+  <mc:AlternateContent xmlns:mc="http://schemas.openxmlformats.org/markup-compatibility/2006" xmlns:p14="http://schemas.microsoft.com/office/powerpoint/2010/main">
+    <mc:Choice Requires="p14">
       <p:transition spd="med" p14:dur="700">
         <p:fade/>
       </p:transition>
     </mc:Choice>
-    <mc:Fallback>
+    <mc:Fallback xmlns="">
       <p:transition spd="med">
         <p:fade/>
       </p:transition>
@@ -17911,13 +18100,13 @@
   <p:clrMapOvr>
     <a:masterClrMapping/>
   </p:clrMapOvr>
-  <mc:AlternateContent xmlns:mc="http://schemas.openxmlformats.org/markup-compatibility/2006">
-    <mc:Choice xmlns:p14="http://schemas.microsoft.com/office/powerpoint/2010/main" Requires="p14">
+  <mc:AlternateContent xmlns:mc="http://schemas.openxmlformats.org/markup-compatibility/2006" xmlns:p14="http://schemas.microsoft.com/office/powerpoint/2010/main">
+    <mc:Choice Requires="p14">
       <p:transition spd="med" p14:dur="700">
         <p:fade/>
       </p:transition>
     </mc:Choice>
-    <mc:Fallback>
+    <mc:Fallback xmlns="">
       <p:transition spd="med">
         <p:fade/>
       </p:transition>
@@ -18830,13 +19019,13 @@
   <p:clrMapOvr>
     <a:masterClrMapping/>
   </p:clrMapOvr>
-  <mc:AlternateContent xmlns:mc="http://schemas.openxmlformats.org/markup-compatibility/2006">
-    <mc:Choice xmlns:p14="http://schemas.microsoft.com/office/powerpoint/2010/main" Requires="p14">
+  <mc:AlternateContent xmlns:mc="http://schemas.openxmlformats.org/markup-compatibility/2006" xmlns:p14="http://schemas.microsoft.com/office/powerpoint/2010/main">
+    <mc:Choice Requires="p14">
       <p:transition spd="med" p14:dur="700">
         <p:fade/>
       </p:transition>
     </mc:Choice>
-    <mc:Fallback>
+    <mc:Fallback xmlns="">
       <p:transition spd="med">
         <p:fade/>
       </p:transition>
@@ -19437,13 +19626,13 @@
   <p:clrMapOvr>
     <a:masterClrMapping/>
   </p:clrMapOvr>
-  <mc:AlternateContent xmlns:mc="http://schemas.openxmlformats.org/markup-compatibility/2006">
-    <mc:Choice xmlns:p14="http://schemas.microsoft.com/office/powerpoint/2010/main" Requires="p14">
+  <mc:AlternateContent xmlns:mc="http://schemas.openxmlformats.org/markup-compatibility/2006" xmlns:p14="http://schemas.microsoft.com/office/powerpoint/2010/main">
+    <mc:Choice Requires="p14">
       <p:transition spd="med" p14:dur="700">
         <p:fade/>
       </p:transition>
     </mc:Choice>
-    <mc:Fallback>
+    <mc:Fallback xmlns="">
       <p:transition spd="med">
         <p:fade/>
       </p:transition>
@@ -20057,13 +20246,13 @@
   <p:clrMapOvr>
     <a:masterClrMapping/>
   </p:clrMapOvr>
-  <mc:AlternateContent xmlns:mc="http://schemas.openxmlformats.org/markup-compatibility/2006">
-    <mc:Choice xmlns:p14="http://schemas.microsoft.com/office/powerpoint/2010/main" Requires="p14">
+  <mc:AlternateContent xmlns:mc="http://schemas.openxmlformats.org/markup-compatibility/2006" xmlns:p14="http://schemas.microsoft.com/office/powerpoint/2010/main">
+    <mc:Choice Requires="p14">
       <p:transition spd="med" p14:dur="700">
         <p:fade/>
       </p:transition>
     </mc:Choice>
-    <mc:Fallback>
+    <mc:Fallback xmlns="">
       <p:transition spd="med">
         <p:fade/>
       </p:transition>
@@ -20396,13 +20585,13 @@
   <p:clrMapOvr>
     <a:masterClrMapping/>
   </p:clrMapOvr>
-  <mc:AlternateContent xmlns:mc="http://schemas.openxmlformats.org/markup-compatibility/2006">
-    <mc:Choice xmlns:p14="http://schemas.microsoft.com/office/powerpoint/2010/main" Requires="p14">
+  <mc:AlternateContent xmlns:mc="http://schemas.openxmlformats.org/markup-compatibility/2006" xmlns:p14="http://schemas.microsoft.com/office/powerpoint/2010/main">
+    <mc:Choice Requires="p14">
       <p:transition spd="med" p14:dur="700">
         <p:fade/>
       </p:transition>
     </mc:Choice>
-    <mc:Fallback>
+    <mc:Fallback xmlns="">
       <p:transition spd="med">
         <p:fade/>
       </p:transition>

--- a/doc/presentation/presentacion.pptx
+++ b/doc/presentation/presentacion.pptx
@@ -7,7 +7,7 @@
     <p:sldMasterId id="2147483702" r:id="rId3"/>
   </p:sldMasterIdLst>
   <p:sldIdLst>
-    <p:sldId id="281" r:id="rId4"/>
+    <p:sldId id="283" r:id="rId4"/>
     <p:sldId id="256" r:id="rId5"/>
     <p:sldId id="258" r:id="rId6"/>
     <p:sldId id="259" r:id="rId7"/>
@@ -265,8 +265,8 @@
         </c:dLbls>
         <c:marker val="1"/>
         <c:smooth val="0"/>
-        <c:axId val="36667776"/>
-        <c:axId val="36669312"/>
+        <c:axId val="39449344"/>
+        <c:axId val="39450880"/>
       </c:lineChart>
       <c:lineChart>
         <c:grouping val="standard"/>
@@ -384,11 +384,11 @@
         </c:dLbls>
         <c:marker val="1"/>
         <c:smooth val="0"/>
-        <c:axId val="36681600"/>
-        <c:axId val="36679680"/>
+        <c:axId val="42076416"/>
+        <c:axId val="42074496"/>
       </c:lineChart>
       <c:catAx>
-        <c:axId val="36667776"/>
+        <c:axId val="39449344"/>
         <c:scaling>
           <c:orientation val="minMax"/>
         </c:scaling>
@@ -408,7 +408,7 @@
             <a:endParaRPr lang="es-ES"/>
           </a:p>
         </c:txPr>
-        <c:crossAx val="36669312"/>
+        <c:crossAx val="39450880"/>
         <c:crosses val="autoZero"/>
         <c:auto val="1"/>
         <c:lblAlgn val="ctr"/>
@@ -416,7 +416,7 @@
         <c:noMultiLvlLbl val="0"/>
       </c:catAx>
       <c:valAx>
-        <c:axId val="36669312"/>
+        <c:axId val="39450880"/>
         <c:scaling>
           <c:orientation val="minMax"/>
         </c:scaling>
@@ -427,7 +427,7 @@
         <c:majorTickMark val="out"/>
         <c:minorTickMark val="none"/>
         <c:tickLblPos val="nextTo"/>
-        <c:crossAx val="36667776"/>
+        <c:crossAx val="39449344"/>
         <c:crosses val="autoZero"/>
         <c:crossBetween val="between"/>
         <c:dispUnits>
@@ -435,7 +435,7 @@
         </c:dispUnits>
       </c:valAx>
       <c:valAx>
-        <c:axId val="36679680"/>
+        <c:axId val="42074496"/>
         <c:scaling>
           <c:orientation val="minMax"/>
         </c:scaling>
@@ -445,7 +445,7 @@
         <c:majorTickMark val="out"/>
         <c:minorTickMark val="none"/>
         <c:tickLblPos val="nextTo"/>
-        <c:crossAx val="36681600"/>
+        <c:crossAx val="42076416"/>
         <c:crosses val="max"/>
         <c:crossBetween val="between"/>
         <c:dispUnits>
@@ -453,7 +453,7 @@
         </c:dispUnits>
       </c:valAx>
       <c:catAx>
-        <c:axId val="36681600"/>
+        <c:axId val="42076416"/>
         <c:scaling>
           <c:orientation val="minMax"/>
         </c:scaling>
@@ -463,7 +463,7 @@
         <c:majorTickMark val="out"/>
         <c:minorTickMark val="none"/>
         <c:tickLblPos val="nextTo"/>
-        <c:crossAx val="36679680"/>
+        <c:crossAx val="42074496"/>
         <c:crosses val="autoZero"/>
         <c:auto val="1"/>
         <c:lblAlgn val="ctr"/>
@@ -1542,23 +1542,23 @@
     </dgm:pt>
   </dgm:ptLst>
   <dgm:cxnLst>
-    <dgm:cxn modelId="{AB06F86A-3E3D-4F9E-9A4C-9231C0E82D58}" type="presOf" srcId="{797885BA-B508-4FB9-8073-ADE012BC425E}" destId="{2E9D88A6-7C36-4835-ACBD-D7C08795F759}" srcOrd="0" destOrd="0" presId="urn:microsoft.com/office/officeart/2005/8/layout/gear1"/>
-    <dgm:cxn modelId="{EE6A3B59-FF99-4642-A9E3-ABB6104BFC84}" type="presOf" srcId="{797885BA-B508-4FB9-8073-ADE012BC425E}" destId="{FAD620AD-447E-482F-A41D-A7AB083414F6}" srcOrd="3" destOrd="0" presId="urn:microsoft.com/office/officeart/2005/8/layout/gear1"/>
-    <dgm:cxn modelId="{D07A33E2-8439-4216-9E57-B1A8F4CA8BF4}" type="presOf" srcId="{797885BA-B508-4FB9-8073-ADE012BC425E}" destId="{AE81CDC9-FFAA-4896-B0A3-E3592B7CBDA9}" srcOrd="1" destOrd="0" presId="urn:microsoft.com/office/officeart/2005/8/layout/gear1"/>
     <dgm:cxn modelId="{35B5E548-1CA8-408F-95D6-A3BC949A3213}" type="presOf" srcId="{299605EE-797F-437E-922B-5D31050FD03C}" destId="{48AE71A2-E873-484B-89CF-1C580517EADA}" srcOrd="1" destOrd="0" presId="urn:microsoft.com/office/officeart/2005/8/layout/gear1"/>
+    <dgm:cxn modelId="{349EB3BA-4741-464B-B386-6876F094749E}" type="presOf" srcId="{299605EE-797F-437E-922B-5D31050FD03C}" destId="{C400A4E6-5B77-43C3-8A8D-3D85246EA0FF}" srcOrd="2" destOrd="0" presId="urn:microsoft.com/office/officeart/2005/8/layout/gear1"/>
+    <dgm:cxn modelId="{64188317-DE45-45C9-A82E-FD2EAE2ADEF2}" srcId="{D402DF7D-4306-458A-9954-DD7913F51DD2}" destId="{56369F9C-7B2D-401A-9FD4-A4E835E43CFD}" srcOrd="0" destOrd="0" parTransId="{E8063D02-FC9A-4189-81EA-8FDE8A097F43}" sibTransId="{19EC5316-5378-447C-A5E7-58FD69DCED32}"/>
+    <dgm:cxn modelId="{D1090D21-6BCD-44B1-8EDC-B78EAF150286}" type="presOf" srcId="{D402DF7D-4306-458A-9954-DD7913F51DD2}" destId="{E24AE83C-68D6-49EF-8B89-8E94232F15E1}" srcOrd="0" destOrd="0" presId="urn:microsoft.com/office/officeart/2005/8/layout/gear1"/>
     <dgm:cxn modelId="{938EAF95-A8E8-438F-9832-5752ED6FA1D6}" srcId="{D402DF7D-4306-458A-9954-DD7913F51DD2}" destId="{797885BA-B508-4FB9-8073-ADE012BC425E}" srcOrd="2" destOrd="0" parTransId="{7D2B3C93-A0F7-4B95-812A-BA6F7BA8D9A1}" sibTransId="{BF573CFE-B576-4381-AB40-9A7D87BA3D12}"/>
     <dgm:cxn modelId="{B5E5FBB7-C957-482E-9038-E6A512AF283C}" type="presOf" srcId="{56369F9C-7B2D-401A-9FD4-A4E835E43CFD}" destId="{D970E6FB-A79C-492F-B624-D521D8F37516}" srcOrd="0" destOrd="0" presId="urn:microsoft.com/office/officeart/2005/8/layout/gear1"/>
     <dgm:cxn modelId="{C6CE783F-0A1B-4176-8F3E-988D396270A6}" type="presOf" srcId="{56369F9C-7B2D-401A-9FD4-A4E835E43CFD}" destId="{29E2770B-FFFE-4160-BBF3-EE1BDBBCDB0A}" srcOrd="1" destOrd="0" presId="urn:microsoft.com/office/officeart/2005/8/layout/gear1"/>
+    <dgm:cxn modelId="{FF7AAE67-F2E5-44BB-BCE7-8E794FA5E653}" type="presOf" srcId="{19EC5316-5378-447C-A5E7-58FD69DCED32}" destId="{EFA445AA-D007-4BA5-9D6A-7EB2E68B8451}" srcOrd="0" destOrd="0" presId="urn:microsoft.com/office/officeart/2005/8/layout/gear1"/>
+    <dgm:cxn modelId="{4CF9DCEF-1F77-4D93-A9C2-874E9F17DB16}" type="presOf" srcId="{797885BA-B508-4FB9-8073-ADE012BC425E}" destId="{5061B04A-9114-4C36-9B3C-3D395F37D892}" srcOrd="2" destOrd="0" presId="urn:microsoft.com/office/officeart/2005/8/layout/gear1"/>
+    <dgm:cxn modelId="{213954B6-7781-41CC-9627-441F4913F5C4}" srcId="{D402DF7D-4306-458A-9954-DD7913F51DD2}" destId="{299605EE-797F-437E-922B-5D31050FD03C}" srcOrd="1" destOrd="0" parTransId="{BA6B7860-4BC6-41DB-AF24-34D3582CE5A1}" sibTransId="{A0563BE8-4B17-44D0-9142-1476A4E58545}"/>
+    <dgm:cxn modelId="{D07A33E2-8439-4216-9E57-B1A8F4CA8BF4}" type="presOf" srcId="{797885BA-B508-4FB9-8073-ADE012BC425E}" destId="{AE81CDC9-FFAA-4896-B0A3-E3592B7CBDA9}" srcOrd="1" destOrd="0" presId="urn:microsoft.com/office/officeart/2005/8/layout/gear1"/>
+    <dgm:cxn modelId="{70A58C1A-9619-4035-A0AA-D9CD9268F57D}" type="presOf" srcId="{299605EE-797F-437E-922B-5D31050FD03C}" destId="{EDDC776F-4333-4A03-AB2B-F2335E197510}" srcOrd="0" destOrd="0" presId="urn:microsoft.com/office/officeart/2005/8/layout/gear1"/>
+    <dgm:cxn modelId="{AB06F86A-3E3D-4F9E-9A4C-9231C0E82D58}" type="presOf" srcId="{797885BA-B508-4FB9-8073-ADE012BC425E}" destId="{2E9D88A6-7C36-4835-ACBD-D7C08795F759}" srcOrd="0" destOrd="0" presId="urn:microsoft.com/office/officeart/2005/8/layout/gear1"/>
+    <dgm:cxn modelId="{AD817D48-705D-4612-98C4-1CCCBD0ABC46}" type="presOf" srcId="{BF573CFE-B576-4381-AB40-9A7D87BA3D12}" destId="{E31D4B9E-F2B4-421F-A7F1-E9AA182AE15B}" srcOrd="0" destOrd="0" presId="urn:microsoft.com/office/officeart/2005/8/layout/gear1"/>
     <dgm:cxn modelId="{82C50CB2-F617-4126-A8F0-9EC000F6632D}" type="presOf" srcId="{56369F9C-7B2D-401A-9FD4-A4E835E43CFD}" destId="{20BE6506-114B-42D4-933C-3B2EAEE9F1FD}" srcOrd="2" destOrd="0" presId="urn:microsoft.com/office/officeart/2005/8/layout/gear1"/>
-    <dgm:cxn modelId="{4CF9DCEF-1F77-4D93-A9C2-874E9F17DB16}" type="presOf" srcId="{797885BA-B508-4FB9-8073-ADE012BC425E}" destId="{5061B04A-9114-4C36-9B3C-3D395F37D892}" srcOrd="2" destOrd="0" presId="urn:microsoft.com/office/officeart/2005/8/layout/gear1"/>
-    <dgm:cxn modelId="{349EB3BA-4741-464B-B386-6876F094749E}" type="presOf" srcId="{299605EE-797F-437E-922B-5D31050FD03C}" destId="{C400A4E6-5B77-43C3-8A8D-3D85246EA0FF}" srcOrd="2" destOrd="0" presId="urn:microsoft.com/office/officeart/2005/8/layout/gear1"/>
-    <dgm:cxn modelId="{70A58C1A-9619-4035-A0AA-D9CD9268F57D}" type="presOf" srcId="{299605EE-797F-437E-922B-5D31050FD03C}" destId="{EDDC776F-4333-4A03-AB2B-F2335E197510}" srcOrd="0" destOrd="0" presId="urn:microsoft.com/office/officeart/2005/8/layout/gear1"/>
-    <dgm:cxn modelId="{213954B6-7781-41CC-9627-441F4913F5C4}" srcId="{D402DF7D-4306-458A-9954-DD7913F51DD2}" destId="{299605EE-797F-437E-922B-5D31050FD03C}" srcOrd="1" destOrd="0" parTransId="{BA6B7860-4BC6-41DB-AF24-34D3582CE5A1}" sibTransId="{A0563BE8-4B17-44D0-9142-1476A4E58545}"/>
-    <dgm:cxn modelId="{FF7AAE67-F2E5-44BB-BCE7-8E794FA5E653}" type="presOf" srcId="{19EC5316-5378-447C-A5E7-58FD69DCED32}" destId="{EFA445AA-D007-4BA5-9D6A-7EB2E68B8451}" srcOrd="0" destOrd="0" presId="urn:microsoft.com/office/officeart/2005/8/layout/gear1"/>
-    <dgm:cxn modelId="{64188317-DE45-45C9-A82E-FD2EAE2ADEF2}" srcId="{D402DF7D-4306-458A-9954-DD7913F51DD2}" destId="{56369F9C-7B2D-401A-9FD4-A4E835E43CFD}" srcOrd="0" destOrd="0" parTransId="{E8063D02-FC9A-4189-81EA-8FDE8A097F43}" sibTransId="{19EC5316-5378-447C-A5E7-58FD69DCED32}"/>
-    <dgm:cxn modelId="{D1090D21-6BCD-44B1-8EDC-B78EAF150286}" type="presOf" srcId="{D402DF7D-4306-458A-9954-DD7913F51DD2}" destId="{E24AE83C-68D6-49EF-8B89-8E94232F15E1}" srcOrd="0" destOrd="0" presId="urn:microsoft.com/office/officeart/2005/8/layout/gear1"/>
+    <dgm:cxn modelId="{EE6A3B59-FF99-4642-A9E3-ABB6104BFC84}" type="presOf" srcId="{797885BA-B508-4FB9-8073-ADE012BC425E}" destId="{FAD620AD-447E-482F-A41D-A7AB083414F6}" srcOrd="3" destOrd="0" presId="urn:microsoft.com/office/officeart/2005/8/layout/gear1"/>
     <dgm:cxn modelId="{02C0A90E-6D41-4081-A592-9A8FE3C39392}" type="presOf" srcId="{A0563BE8-4B17-44D0-9142-1476A4E58545}" destId="{25F0B9E6-65E8-4266-86BF-30FA4DC64571}" srcOrd="0" destOrd="0" presId="urn:microsoft.com/office/officeart/2005/8/layout/gear1"/>
-    <dgm:cxn modelId="{AD817D48-705D-4612-98C4-1CCCBD0ABC46}" type="presOf" srcId="{BF573CFE-B576-4381-AB40-9A7D87BA3D12}" destId="{E31D4B9E-F2B4-421F-A7F1-E9AA182AE15B}" srcOrd="0" destOrd="0" presId="urn:microsoft.com/office/officeart/2005/8/layout/gear1"/>
     <dgm:cxn modelId="{67343AE7-9B05-4DB5-A5DE-D177AC23678D}" type="presParOf" srcId="{E24AE83C-68D6-49EF-8B89-8E94232F15E1}" destId="{D970E6FB-A79C-492F-B624-D521D8F37516}" srcOrd="0" destOrd="0" presId="urn:microsoft.com/office/officeart/2005/8/layout/gear1"/>
     <dgm:cxn modelId="{1388F0A7-1FF4-4EA0-9D42-5C14CAF33F0E}" type="presParOf" srcId="{E24AE83C-68D6-49EF-8B89-8E94232F15E1}" destId="{29E2770B-FFFE-4160-BBF3-EE1BDBBCDB0A}" srcOrd="1" destOrd="0" presId="urn:microsoft.com/office/officeart/2005/8/layout/gear1"/>
     <dgm:cxn modelId="{E8616470-739B-4C80-A43C-DB91976BE79D}" type="presParOf" srcId="{E24AE83C-68D6-49EF-8B89-8E94232F15E1}" destId="{20BE6506-114B-42D4-933C-3B2EAEE9F1FD}" srcOrd="2" destOrd="0" presId="urn:microsoft.com/office/officeart/2005/8/layout/gear1"/>
@@ -9809,7 +9809,7 @@
     </p:spTree>
     <p:extLst>
       <p:ext uri="{BB962C8B-B14F-4D97-AF65-F5344CB8AC3E}">
-        <p14:creationId xmlns:p14="http://schemas.microsoft.com/office/powerpoint/2010/main" val="77951560"/>
+        <p14:creationId xmlns:p14="http://schemas.microsoft.com/office/powerpoint/2010/main" val="1132742534"/>
       </p:ext>
     </p:extLst>
   </p:cSld>
@@ -10858,6 +10858,44 @@
           </a:ln>
         </p:spPr>
       </p:pic>
+      <p:sp>
+        <p:nvSpPr>
+          <p:cNvPr id="12" name="CaixaDeTexto 11"/>
+          <p:cNvSpPr txBox="1"/>
+          <p:nvPr/>
+        </p:nvSpPr>
+        <p:spPr>
+          <a:xfrm>
+            <a:off x="6840512" y="3059757"/>
+            <a:ext cx="1410643" cy="369332"/>
+          </a:xfrm>
+          <a:prstGeom prst="rect">
+            <a:avLst/>
+          </a:prstGeom>
+          <a:noFill/>
+        </p:spPr>
+        <p:txBody>
+          <a:bodyPr wrap="none" rtlCol="0">
+            <a:spAutoFit/>
+          </a:bodyPr>
+          <a:lstStyle/>
+          <a:p>
+            <a:r>
+              <a:rPr lang="es-ES" b="1" dirty="0" err="1" smtClean="0"/>
+              <a:t>Allure</a:t>
+            </a:r>
+            <a:r>
+              <a:rPr lang="es-ES" b="1" dirty="0" smtClean="0"/>
+              <a:t> </a:t>
+            </a:r>
+            <a:r>
+              <a:rPr lang="es-ES" b="1" dirty="0" err="1" smtClean="0"/>
+              <a:t>report</a:t>
+            </a:r>
+            <a:endParaRPr lang="es-ES" b="1" dirty="0"/>
+          </a:p>
+        </p:txBody>
+      </p:sp>
     </p:spTree>
   </p:cSld>
   <p:clrMapOvr>
@@ -11368,39 +11406,21 @@
                                   </p:childTnLst>
                                 </p:cTn>
                               </p:par>
-                            </p:childTnLst>
-                          </p:cTn>
-                        </p:par>
-                      </p:childTnLst>
-                    </p:cTn>
-                  </p:par>
-                  <p:par>
-                    <p:cTn id="50" fill="hold">
-                      <p:stCondLst>
-                        <p:cond delay="indefinite"/>
-                      </p:stCondLst>
-                      <p:childTnLst>
-                        <p:par>
-                          <p:cTn id="51" fill="hold">
-                            <p:stCondLst>
-                              <p:cond delay="0"/>
-                            </p:stCondLst>
-                            <p:childTnLst>
                               <p:par>
-                                <p:cTn id="52" presetID="10" presetClass="entr" presetSubtype="0" fill="hold" nodeType="clickEffect">
+                                <p:cTn id="50" presetID="10" presetClass="entr" presetSubtype="0" fill="hold" grpId="0" nodeType="withEffect">
                                   <p:stCondLst>
                                     <p:cond delay="0"/>
                                   </p:stCondLst>
                                   <p:childTnLst>
                                     <p:set>
                                       <p:cBhvr>
-                                        <p:cTn id="53" dur="1" fill="hold">
+                                        <p:cTn id="51" dur="1" fill="hold">
                                           <p:stCondLst>
                                             <p:cond delay="0"/>
                                           </p:stCondLst>
                                         </p:cTn>
                                         <p:tgtEl>
-                                          <p:spTgt spid="68"/>
+                                          <p:spTgt spid="12"/>
                                         </p:tgtEl>
                                         <p:attrNameLst>
                                           <p:attrName>style.visibility</p:attrName>
@@ -11412,9 +11432,9 @@
                                     </p:set>
                                     <p:animEffect transition="in" filter="fade">
                                       <p:cBhvr>
-                                        <p:cTn id="54" dur="500"/>
-                                        <p:tgtEl>
-                                          <p:spTgt spid="68"/>
+                                        <p:cTn id="52" dur="500"/>
+                                        <p:tgtEl>
+                                          <p:spTgt spid="12"/>
                                         </p:tgtEl>
                                       </p:cBhvr>
                                     </p:animEffect>
@@ -11428,26 +11448,79 @@
                     </p:cTn>
                   </p:par>
                   <p:par>
-                    <p:cTn id="55" fill="hold">
+                    <p:cTn id="53" fill="hold">
                       <p:stCondLst>
                         <p:cond delay="indefinite"/>
                       </p:stCondLst>
                       <p:childTnLst>
                         <p:par>
-                          <p:cTn id="56" fill="hold">
+                          <p:cTn id="54" fill="hold">
                             <p:stCondLst>
                               <p:cond delay="0"/>
                             </p:stCondLst>
                             <p:childTnLst>
                               <p:par>
-                                <p:cTn id="57" presetID="6" presetClass="emph" presetSubtype="0" fill="hold" nodeType="clickEffect">
+                                <p:cTn id="55" presetID="10" presetClass="entr" presetSubtype="0" fill="hold" nodeType="clickEffect">
+                                  <p:stCondLst>
+                                    <p:cond delay="0"/>
+                                  </p:stCondLst>
+                                  <p:childTnLst>
+                                    <p:set>
+                                      <p:cBhvr>
+                                        <p:cTn id="56" dur="1" fill="hold">
+                                          <p:stCondLst>
+                                            <p:cond delay="0"/>
+                                          </p:stCondLst>
+                                        </p:cTn>
+                                        <p:tgtEl>
+                                          <p:spTgt spid="68"/>
+                                        </p:tgtEl>
+                                        <p:attrNameLst>
+                                          <p:attrName>style.visibility</p:attrName>
+                                        </p:attrNameLst>
+                                      </p:cBhvr>
+                                      <p:to>
+                                        <p:strVal val="visible"/>
+                                      </p:to>
+                                    </p:set>
+                                    <p:animEffect transition="in" filter="fade">
+                                      <p:cBhvr>
+                                        <p:cTn id="57" dur="500"/>
+                                        <p:tgtEl>
+                                          <p:spTgt spid="68"/>
+                                        </p:tgtEl>
+                                      </p:cBhvr>
+                                    </p:animEffect>
+                                  </p:childTnLst>
+                                </p:cTn>
+                              </p:par>
+                            </p:childTnLst>
+                          </p:cTn>
+                        </p:par>
+                      </p:childTnLst>
+                    </p:cTn>
+                  </p:par>
+                  <p:par>
+                    <p:cTn id="58" fill="hold">
+                      <p:stCondLst>
+                        <p:cond delay="indefinite"/>
+                      </p:stCondLst>
+                      <p:childTnLst>
+                        <p:par>
+                          <p:cTn id="59" fill="hold">
+                            <p:stCondLst>
+                              <p:cond delay="0"/>
+                            </p:stCondLst>
+                            <p:childTnLst>
+                              <p:par>
+                                <p:cTn id="60" presetID="6" presetClass="emph" presetSubtype="0" fill="hold" nodeType="clickEffect">
                                   <p:stCondLst>
                                     <p:cond delay="0"/>
                                   </p:stCondLst>
                                   <p:childTnLst>
                                     <p:animScale>
                                       <p:cBhvr>
-                                        <p:cTn id="58" dur="500" fill="hold"/>
+                                        <p:cTn id="61" dur="500" fill="hold"/>
                                         <p:tgtEl>
                                           <p:spTgt spid="68"/>
                                         </p:tgtEl>
@@ -11458,14 +11531,14 @@
                                 </p:cTn>
                               </p:par>
                               <p:par>
-                                <p:cTn id="59" presetID="42" presetClass="path" presetSubtype="0" fill="hold" nodeType="withEffect">
+                                <p:cTn id="62" presetID="42" presetClass="path" presetSubtype="0" fill="hold" nodeType="withEffect">
                                   <p:stCondLst>
                                     <p:cond delay="0"/>
                                   </p:stCondLst>
                                   <p:childTnLst>
                                     <p:animMotion origin="layout" path="M -8.73603E-7 1.16474E-6 L 0.06548 0.00336 " pathEditMode="relative" rAng="0" ptsTypes="AA">
                                       <p:cBhvr>
-                                        <p:cTn id="60" dur="500" fill="hold"/>
+                                        <p:cTn id="63" dur="500" fill="hold"/>
                                         <p:tgtEl>
                                           <p:spTgt spid="68"/>
                                         </p:tgtEl>
@@ -11480,14 +11553,14 @@
                                 </p:cTn>
                               </p:par>
                               <p:par>
-                                <p:cTn id="61" presetID="9" presetClass="emph" presetSubtype="0" nodeType="withEffect">
+                                <p:cTn id="64" presetID="9" presetClass="emph" presetSubtype="0" nodeType="withEffect">
                                   <p:stCondLst>
                                     <p:cond delay="0"/>
                                   </p:stCondLst>
                                   <p:childTnLst>
                                     <p:set>
                                       <p:cBhvr rctx="PPT">
-                                        <p:cTn id="62" dur="indefinite"/>
+                                        <p:cTn id="65" dur="indefinite"/>
                                         <p:tgtEl>
                                           <p:spTgt spid="68"/>
                                         </p:tgtEl>
@@ -11501,7 +11574,7 @@
                                     </p:set>
                                     <p:animEffect filter="image" prLst="opacity: 0.5">
                                       <p:cBhvr rctx="IE">
-                                        <p:cTn id="63" dur="indefinite"/>
+                                        <p:cTn id="66" dur="indefinite"/>
                                         <p:tgtEl>
                                           <p:spTgt spid="68"/>
                                         </p:tgtEl>
@@ -11540,6 +11613,7 @@
     <p:bldLst>
       <p:bldP spid="3" grpId="0"/>
       <p:bldP spid="11" grpId="0"/>
+      <p:bldP spid="12" grpId="0"/>
     </p:bldLst>
   </p:timing>
 </p:sld>
@@ -11860,7 +11934,7 @@
         <p:spPr>
           <a:xfrm>
             <a:off x="504031" y="2267983"/>
-            <a:ext cx="4452276" cy="3672094"/>
+            <a:ext cx="4452276" cy="2447958"/>
           </a:xfrm>
         </p:spPr>
         <p:txBody>
@@ -11875,15 +11949,13 @@
           <a:p>
             <a:r>
               <a:rPr lang="es-ES" dirty="0" smtClean="0"/>
-              <a:t>Experiencia de usuario</a:t>
-            </a:r>
-          </a:p>
-          <a:p>
+              <a:t>Experiencia de </a:t>
+            </a:r>
             <a:r>
               <a:rPr lang="es-ES" dirty="0" smtClean="0"/>
-              <a:t>No es un objetivo principal del proyecto</a:t>
-            </a:r>
-            <a:endParaRPr lang="es-ES" dirty="0"/>
+              <a:t>usuario</a:t>
+            </a:r>
+            <a:endParaRPr lang="es-ES" dirty="0" smtClean="0"/>
           </a:p>
         </p:txBody>
       </p:sp>
@@ -11900,7 +11972,7 @@
         <p:spPr>
           <a:xfrm>
             <a:off x="5124318" y="2267669"/>
-            <a:ext cx="4452276" cy="3456070"/>
+            <a:ext cx="4452276" cy="1728192"/>
           </a:xfrm>
         </p:spPr>
         <p:txBody>
@@ -11917,13 +11989,73 @@
               <a:rPr lang="es-ES" dirty="0" smtClean="0"/>
               <a:t>Performance</a:t>
             </a:r>
+            <a:endParaRPr lang="es-ES" dirty="0" smtClean="0"/>
+          </a:p>
+        </p:txBody>
+      </p:sp>
+      <p:sp>
+        <p:nvSpPr>
+          <p:cNvPr id="5" name="CaixaDeTexto 4"/>
+          <p:cNvSpPr txBox="1"/>
+          <p:nvPr/>
+        </p:nvSpPr>
+        <p:spPr>
+          <a:xfrm>
+            <a:off x="425367" y="4643933"/>
+            <a:ext cx="4373521" cy="1477328"/>
+          </a:xfrm>
+          <a:prstGeom prst="rect">
+            <a:avLst/>
+          </a:prstGeom>
+          <a:noFill/>
+        </p:spPr>
+        <p:txBody>
+          <a:bodyPr wrap="square" rtlCol="0">
+            <a:spAutoFit/>
+          </a:bodyPr>
+          <a:lstStyle/>
+          <a:p>
+            <a:r>
+              <a:rPr lang="es-ES" sz="3600" b="1" dirty="0"/>
+              <a:t>No es un objetivo principal del proyecto</a:t>
+            </a:r>
           </a:p>
           <a:p>
-            <a:r>
-              <a:rPr lang="es-ES" dirty="0" smtClean="0"/>
-              <a:t>No considerados en el proyecto</a:t>
-            </a:r>
             <a:endParaRPr lang="es-ES" dirty="0"/>
+          </a:p>
+        </p:txBody>
+      </p:sp>
+      <p:sp>
+        <p:nvSpPr>
+          <p:cNvPr id="6" name="CaixaDeTexto 5"/>
+          <p:cNvSpPr txBox="1"/>
+          <p:nvPr/>
+        </p:nvSpPr>
+        <p:spPr>
+          <a:xfrm>
+            <a:off x="5184328" y="4182268"/>
+            <a:ext cx="3377776" cy="1200329"/>
+          </a:xfrm>
+          <a:prstGeom prst="rect">
+            <a:avLst/>
+          </a:prstGeom>
+          <a:noFill/>
+        </p:spPr>
+        <p:txBody>
+          <a:bodyPr wrap="square" rtlCol="0">
+            <a:spAutoFit/>
+          </a:bodyPr>
+          <a:lstStyle/>
+          <a:p>
+            <a:r>
+              <a:rPr lang="es-ES" sz="3600" b="1" dirty="0"/>
+              <a:t>No considerados en el </a:t>
+            </a:r>
+            <a:r>
+              <a:rPr lang="es-ES" sz="3600" b="1" dirty="0"/>
+              <a:t>proyecto</a:t>
+            </a:r>
+            <a:endParaRPr lang="es-ES" sz="3600" b="1" dirty="0"/>
           </a:p>
         </p:txBody>
       </p:sp>
@@ -12241,11 +12373,7 @@
                                           </p:stCondLst>
                                         </p:cTn>
                                         <p:tgtEl>
-                                          <p:spTgt spid="3">
-                                            <p:txEl>
-                                              <p:pRg st="2" end="2"/>
-                                            </p:txEl>
-                                          </p:spTgt>
+                                          <p:spTgt spid="5"/>
                                         </p:tgtEl>
                                         <p:attrNameLst>
                                           <p:attrName>style.visibility</p:attrName>
@@ -12259,11 +12387,7 @@
                                       <p:cBhvr>
                                         <p:cTn id="30" dur="500"/>
                                         <p:tgtEl>
-                                          <p:spTgt spid="3">
-                                            <p:txEl>
-                                              <p:pRg st="2" end="2"/>
-                                            </p:txEl>
-                                          </p:spTgt>
+                                          <p:spTgt spid="5"/>
                                         </p:tgtEl>
                                       </p:cBhvr>
                                     </p:animEffect>
@@ -12424,11 +12548,7 @@
                                           </p:stCondLst>
                                         </p:cTn>
                                         <p:tgtEl>
-                                          <p:spTgt spid="4">
-                                            <p:txEl>
-                                              <p:pRg st="2" end="2"/>
-                                            </p:txEl>
-                                          </p:spTgt>
+                                          <p:spTgt spid="6"/>
                                         </p:tgtEl>
                                         <p:attrNameLst>
                                           <p:attrName>style.visibility</p:attrName>
@@ -12442,11 +12562,7 @@
                                       <p:cBhvr>
                                         <p:cTn id="45" dur="500"/>
                                         <p:tgtEl>
-                                          <p:spTgt spid="4">
-                                            <p:txEl>
-                                              <p:pRg st="2" end="2"/>
-                                            </p:txEl>
-                                          </p:spTgt>
+                                          <p:spTgt spid="6"/>
                                         </p:tgtEl>
                                       </p:cBhvr>
                                     </p:animEffect>
@@ -12483,8 +12599,10 @@
     <p:bldLst>
       <p:bldP spid="9" grpId="0" animBg="1"/>
       <p:bldP spid="9" grpId="1" animBg="1"/>
-      <p:bldP spid="3" grpId="0" build="p"/>
-      <p:bldP spid="4" grpId="0" build="p"/>
+      <p:bldP spid="3" grpId="0" uiExpand="1" build="p"/>
+      <p:bldP spid="4" grpId="0" uiExpand="1" build="p"/>
+      <p:bldP spid="5" grpId="0"/>
+      <p:bldP spid="6" grpId="0"/>
     </p:bldLst>
   </p:timing>
 </p:sld>
@@ -15061,11 +15179,7 @@
           <a:p>
             <a:r>
               <a:rPr lang="es-ES" dirty="0" smtClean="0"/>
-              <a:t>Perú </a:t>
-            </a:r>
-            <a:r>
-              <a:rPr lang="es-ES" dirty="0" smtClean="0"/>
-              <a:t>2012</a:t>
+              <a:t>Perú 2012</a:t>
             </a:r>
             <a:endParaRPr lang="es-ES" dirty="0"/>
           </a:p>
@@ -16058,31 +16172,34 @@
             <p:ph sz="half" idx="1"/>
           </p:nvPr>
         </p:nvSpPr>
-        <p:spPr/>
+        <p:spPr>
+          <a:xfrm>
+            <a:off x="504031" y="1763927"/>
+            <a:ext cx="3960217" cy="4989036"/>
+          </a:xfrm>
+        </p:spPr>
         <p:txBody>
           <a:bodyPr>
-            <a:normAutofit fontScale="92500" lnSpcReduction="10000"/>
+            <a:normAutofit/>
           </a:bodyPr>
           <a:lstStyle/>
           <a:p>
             <a:r>
               <a:rPr lang="es-ES" dirty="0" smtClean="0"/>
-              <a:t>Esfuerzo en la escalabilidad.</a:t>
-            </a:r>
+              <a:t>Sistema escalable.</a:t>
+            </a:r>
+            <a:endParaRPr lang="es-ES" dirty="0" smtClean="0"/>
           </a:p>
           <a:p>
             <a:r>
               <a:rPr lang="es-ES" dirty="0" smtClean="0"/>
-              <a:t>Guía nuevos </a:t>
-            </a:r>
-            <a:r>
-              <a:rPr lang="es-ES" dirty="0" err="1" smtClean="0"/>
-              <a:t>steps</a:t>
+              <a:t>Guía </a:t>
             </a:r>
             <a:r>
               <a:rPr lang="es-ES" dirty="0" smtClean="0"/>
-              <a:t>.</a:t>
-            </a:r>
+              <a:t>desarrollo.</a:t>
+            </a:r>
+            <a:endParaRPr lang="es-ES" dirty="0" smtClean="0"/>
           </a:p>
           <a:p>
             <a:r>
@@ -16093,21 +16210,15 @@
           <a:p>
             <a:r>
               <a:rPr lang="es-ES" dirty="0" smtClean="0"/>
-              <a:t>Metodologías ágiles y orientadas a resultado.</a:t>
-            </a:r>
+              <a:t>Entorno de testeo creado.</a:t>
+            </a:r>
+            <a:endParaRPr lang="es-ES" dirty="0" smtClean="0"/>
           </a:p>
           <a:p>
             <a:r>
               <a:rPr lang="es-ES" dirty="0" smtClean="0"/>
-              <a:t>Proceso de testeo sólido.</a:t>
-            </a:r>
-          </a:p>
-          <a:p>
-            <a:r>
-              <a:rPr lang="es-ES" dirty="0" smtClean="0"/>
-              <a:t>Futuro: testeo asociado al cuadrante 4</a:t>
-            </a:r>
-            <a:endParaRPr lang="es-ES" dirty="0"/>
+              <a:t>Software funcional.</a:t>
+            </a:r>
           </a:p>
         </p:txBody>
       </p:sp>
@@ -16502,67 +16613,6 @@
                                           <p:spTgt spid="3">
                                             <p:txEl>
                                               <p:pRg st="4" end="4"/>
-                                            </p:txEl>
-                                          </p:spTgt>
-                                        </p:tgtEl>
-                                      </p:cBhvr>
-                                    </p:animEffect>
-                                  </p:childTnLst>
-                                </p:cTn>
-                              </p:par>
-                            </p:childTnLst>
-                          </p:cTn>
-                        </p:par>
-                      </p:childTnLst>
-                    </p:cTn>
-                  </p:par>
-                  <p:par>
-                    <p:cTn id="35" fill="hold">
-                      <p:stCondLst>
-                        <p:cond delay="indefinite"/>
-                      </p:stCondLst>
-                      <p:childTnLst>
-                        <p:par>
-                          <p:cTn id="36" fill="hold">
-                            <p:stCondLst>
-                              <p:cond delay="0"/>
-                            </p:stCondLst>
-                            <p:childTnLst>
-                              <p:par>
-                                <p:cTn id="37" presetID="10" presetClass="entr" presetSubtype="0" fill="hold" grpId="0" nodeType="clickEffect">
-                                  <p:stCondLst>
-                                    <p:cond delay="0"/>
-                                  </p:stCondLst>
-                                  <p:childTnLst>
-                                    <p:set>
-                                      <p:cBhvr>
-                                        <p:cTn id="38" dur="1" fill="hold">
-                                          <p:stCondLst>
-                                            <p:cond delay="0"/>
-                                          </p:stCondLst>
-                                        </p:cTn>
-                                        <p:tgtEl>
-                                          <p:spTgt spid="3">
-                                            <p:txEl>
-                                              <p:pRg st="5" end="5"/>
-                                            </p:txEl>
-                                          </p:spTgt>
-                                        </p:tgtEl>
-                                        <p:attrNameLst>
-                                          <p:attrName>style.visibility</p:attrName>
-                                        </p:attrNameLst>
-                                      </p:cBhvr>
-                                      <p:to>
-                                        <p:strVal val="visible"/>
-                                      </p:to>
-                                    </p:set>
-                                    <p:animEffect transition="in" filter="fade">
-                                      <p:cBhvr>
-                                        <p:cTn id="39" dur="500"/>
-                                        <p:tgtEl>
-                                          <p:spTgt spid="3">
-                                            <p:txEl>
-                                              <p:pRg st="5" end="5"/>
                                             </p:txEl>
                                           </p:spTgt>
                                         </p:tgtEl>
@@ -16667,8 +16717,22 @@
           <a:p>
             <a:r>
               <a:rPr lang="es-ES" dirty="0" smtClean="0"/>
-              <a:t>Software funcional y escalable</a:t>
-            </a:r>
+              <a:t>Software funcional y </a:t>
+            </a:r>
+            <a:r>
+              <a:rPr lang="es-ES" dirty="0" smtClean="0"/>
+              <a:t>escalable</a:t>
+            </a:r>
+          </a:p>
+          <a:p>
+            <a:endParaRPr lang="es-ES" dirty="0"/>
+          </a:p>
+          <a:p>
+            <a:r>
+              <a:rPr lang="es-ES" dirty="0" smtClean="0"/>
+              <a:t>Proceso sólido de testeo.</a:t>
+            </a:r>
+            <a:endParaRPr lang="es-ES" dirty="0" smtClean="0"/>
           </a:p>
           <a:p>
             <a:endParaRPr lang="es-ES" dirty="0" smtClean="0"/>
@@ -16692,8 +16756,8 @@
           </a:p>
           <a:p>
             <a:r>
-              <a:rPr lang="es-ES" dirty="0" smtClean="0"/>
-              <a:t>Proceso de aprendizaje satisfactorio.</a:t>
+              <a:rPr lang="es-ES" dirty="0"/>
+              <a:t>Futuro: testeo asociado al cuadrante 4</a:t>
             </a:r>
             <a:endParaRPr lang="es-ES" dirty="0"/>
           </a:p>
@@ -18032,69 +18096,123 @@
       </p:sp>
       <p:sp>
         <p:nvSpPr>
-          <p:cNvPr id="13" name="Rectângulo 12"/>
-          <p:cNvSpPr/>
+          <p:cNvPr id="3" name="AutoShape 2" descr="Image result for duda"/>
+          <p:cNvSpPr>
+            <a:spLocks noChangeAspect="1" noChangeArrowheads="1"/>
+          </p:cNvSpPr>
           <p:nvPr/>
         </p:nvSpPr>
-        <p:spPr>
+        <p:spPr bwMode="auto">
           <a:xfrm>
-            <a:off x="7510822" y="2770460"/>
-            <a:ext cx="2065994" cy="2400657"/>
+            <a:off x="155575" y="-144463"/>
+            <a:ext cx="304800" cy="304801"/>
           </a:xfrm>
           <a:prstGeom prst="rect">
             <a:avLst/>
           </a:prstGeom>
           <a:noFill/>
+          <a:extLst>
+            <a:ext uri="{909E8E84-426E-40DD-AFC4-6F175D3DCCD1}">
+              <a14:hiddenFill xmlns:a14="http://schemas.microsoft.com/office/drawing/2010/main">
+                <a:solidFill>
+                  <a:srgbClr val="FFFFFF"/>
+                </a:solidFill>
+              </a14:hiddenFill>
+            </a:ext>
+          </a:extLst>
         </p:spPr>
         <p:txBody>
-          <a:bodyPr wrap="square" lIns="91440" tIns="45720" rIns="91440" bIns="45720">
-            <a:spAutoFit/>
+          <a:bodyPr vert="horz" wrap="square" lIns="91440" tIns="45720" rIns="91440" bIns="45720" numCol="1" anchor="t" anchorCtr="0" compatLnSpc="1">
+            <a:prstTxWarp prst="textNoShape">
+              <a:avLst/>
+            </a:prstTxWarp>
           </a:bodyPr>
           <a:lstStyle/>
           <a:p>
-            <a:pPr algn="ctr"/>
-            <a:r>
-              <a:rPr lang="pt-PT" sz="15000" b="1" cap="none" spc="0" dirty="0" smtClean="0">
-                <a:ln w="38100">
-                  <a:solidFill>
-                    <a:srgbClr val="E9C2C1"/>
-                  </a:solidFill>
-                  <a:prstDash val="solid"/>
-                </a:ln>
-                <a:solidFill>
-                  <a:srgbClr val="C0504D"/>
-                </a:solidFill>
-                <a:effectLst>
-                  <a:outerShdw blurRad="41275" dist="20320" dir="1800000" algn="tl" rotWithShape="0">
-                    <a:srgbClr val="000000">
-                      <a:alpha val="40000"/>
-                    </a:srgbClr>
-                  </a:outerShdw>
-                </a:effectLst>
-              </a:rPr>
-              <a:t>¿?</a:t>
-            </a:r>
-            <a:endParaRPr lang="pt-PT" sz="15000" b="1" cap="none" spc="0" dirty="0">
-              <a:ln w="38100">
-                <a:solidFill>
-                  <a:srgbClr val="E9C2C1"/>
-                </a:solidFill>
-                <a:prstDash val="solid"/>
-              </a:ln>
-              <a:solidFill>
-                <a:srgbClr val="C0504D"/>
-              </a:solidFill>
-              <a:effectLst>
-                <a:outerShdw blurRad="41275" dist="20320" dir="1800000" algn="tl" rotWithShape="0">
-                  <a:srgbClr val="000000">
-                    <a:alpha val="40000"/>
-                  </a:srgbClr>
-                </a:outerShdw>
-              </a:effectLst>
-            </a:endParaRPr>
+            <a:endParaRPr lang="es-ES"/>
           </a:p>
         </p:txBody>
       </p:sp>
+      <p:sp>
+        <p:nvSpPr>
+          <p:cNvPr id="7" name="AutoShape 4" descr="Image result for duda"/>
+          <p:cNvSpPr>
+            <a:spLocks noChangeAspect="1" noChangeArrowheads="1"/>
+          </p:cNvSpPr>
+          <p:nvPr/>
+        </p:nvSpPr>
+        <p:spPr bwMode="auto">
+          <a:xfrm>
+            <a:off x="307975" y="7937"/>
+            <a:ext cx="304800" cy="304801"/>
+          </a:xfrm>
+          <a:prstGeom prst="rect">
+            <a:avLst/>
+          </a:prstGeom>
+          <a:noFill/>
+          <a:extLst>
+            <a:ext uri="{909E8E84-426E-40DD-AFC4-6F175D3DCCD1}">
+              <a14:hiddenFill xmlns:a14="http://schemas.microsoft.com/office/drawing/2010/main">
+                <a:solidFill>
+                  <a:srgbClr val="FFFFFF"/>
+                </a:solidFill>
+              </a14:hiddenFill>
+            </a:ext>
+          </a:extLst>
+        </p:spPr>
+        <p:txBody>
+          <a:bodyPr vert="horz" wrap="square" lIns="91440" tIns="45720" rIns="91440" bIns="45720" numCol="1" anchor="t" anchorCtr="0" compatLnSpc="1">
+            <a:prstTxWarp prst="textNoShape">
+              <a:avLst/>
+            </a:prstTxWarp>
+          </a:bodyPr>
+          <a:lstStyle/>
+          <a:p>
+            <a:endParaRPr lang="es-ES"/>
+          </a:p>
+        </p:txBody>
+      </p:sp>
+      <p:pic>
+        <p:nvPicPr>
+          <p:cNvPr id="1030" name="Picture 6" descr="Image result for duda"/>
+          <p:cNvPicPr>
+            <a:picLocks noChangeAspect="1" noChangeArrowheads="1"/>
+          </p:cNvPicPr>
+          <p:nvPr/>
+        </p:nvPicPr>
+        <p:blipFill>
+          <a:blip r:embed="rId8" cstate="print">
+            <a:extLst>
+              <a:ext uri="{28A0092B-C50C-407E-A947-70E740481C1C}">
+                <a14:useLocalDpi xmlns:a14="http://schemas.microsoft.com/office/drawing/2010/main" val="0"/>
+              </a:ext>
+            </a:extLst>
+          </a:blip>
+          <a:srcRect/>
+          <a:stretch>
+            <a:fillRect/>
+          </a:stretch>
+        </p:blipFill>
+        <p:spPr bwMode="auto">
+          <a:xfrm>
+            <a:off x="7776616" y="3377235"/>
+            <a:ext cx="1532598" cy="1532598"/>
+          </a:xfrm>
+          <a:prstGeom prst="rect">
+            <a:avLst/>
+          </a:prstGeom>
+          <a:noFill/>
+          <a:extLst>
+            <a:ext uri="{909E8E84-426E-40DD-AFC4-6F175D3DCCD1}">
+              <a14:hiddenFill xmlns:a14="http://schemas.microsoft.com/office/drawing/2010/main">
+                <a:solidFill>
+                  <a:srgbClr val="FFFFFF"/>
+                </a:solidFill>
+              </a14:hiddenFill>
+            </a:ext>
+          </a:extLst>
+        </p:spPr>
+      </p:pic>
     </p:spTree>
   </p:cSld>
   <p:clrMapOvr>
@@ -18763,59 +18881,6 @@
                       </p:childTnLst>
                     </p:cTn>
                   </p:par>
-                  <p:par>
-                    <p:cTn id="58" fill="hold">
-                      <p:stCondLst>
-                        <p:cond delay="indefinite"/>
-                      </p:stCondLst>
-                      <p:childTnLst>
-                        <p:par>
-                          <p:cTn id="59" fill="hold">
-                            <p:stCondLst>
-                              <p:cond delay="0"/>
-                            </p:stCondLst>
-                            <p:childTnLst>
-                              <p:par>
-                                <p:cTn id="60" presetID="10" presetClass="entr" presetSubtype="0" fill="hold" grpId="0" nodeType="clickEffect">
-                                  <p:stCondLst>
-                                    <p:cond delay="0"/>
-                                  </p:stCondLst>
-                                  <p:childTnLst>
-                                    <p:set>
-                                      <p:cBhvr>
-                                        <p:cTn id="61" dur="1" fill="hold">
-                                          <p:stCondLst>
-                                            <p:cond delay="0"/>
-                                          </p:stCondLst>
-                                        </p:cTn>
-                                        <p:tgtEl>
-                                          <p:spTgt spid="13"/>
-                                        </p:tgtEl>
-                                        <p:attrNameLst>
-                                          <p:attrName>style.visibility</p:attrName>
-                                        </p:attrNameLst>
-                                      </p:cBhvr>
-                                      <p:to>
-                                        <p:strVal val="visible"/>
-                                      </p:to>
-                                    </p:set>
-                                    <p:animEffect transition="in" filter="fade">
-                                      <p:cBhvr>
-                                        <p:cTn id="62" dur="500"/>
-                                        <p:tgtEl>
-                                          <p:spTgt spid="13"/>
-                                        </p:tgtEl>
-                                      </p:cBhvr>
-                                    </p:animEffect>
-                                  </p:childTnLst>
-                                </p:cTn>
-                              </p:par>
-                            </p:childTnLst>
-                          </p:cTn>
-                        </p:par>
-                      </p:childTnLst>
-                    </p:cTn>
-                  </p:par>
                 </p:childTnLst>
               </p:cTn>
               <p:prevCondLst>
@@ -18849,7 +18914,6 @@
       <p:bldP spid="12" grpId="0" animBg="1"/>
       <p:bldP spid="16" grpId="0" animBg="1"/>
       <p:bldP spid="17" grpId="0" animBg="1"/>
-      <p:bldP spid="13" grpId="0"/>
     </p:bldLst>
   </p:timing>
 </p:sld>
@@ -19134,6 +19198,49 @@
           <a:chExt cx="0" cy="0"/>
         </a:xfrm>
       </p:grpSpPr>
+      <p:pic>
+        <p:nvPicPr>
+          <p:cNvPr id="14" name="Picture 2" descr="Resultado de imagen de agile schema">
+            <a:hlinkClick r:id="rId2"/>
+          </p:cNvPr>
+          <p:cNvPicPr>
+            <a:picLocks noChangeAspect="1" noChangeArrowheads="1"/>
+          </p:cNvPicPr>
+          <p:nvPr/>
+        </p:nvPicPr>
+        <p:blipFill>
+          <a:blip r:embed="rId3">
+            <a:extLst>
+              <a:ext uri="{28A0092B-C50C-407E-A947-70E740481C1C}">
+                <a14:useLocalDpi xmlns:a14="http://schemas.microsoft.com/office/drawing/2010/main" val="0"/>
+              </a:ext>
+            </a:extLst>
+          </a:blip>
+          <a:srcRect/>
+          <a:stretch>
+            <a:fillRect/>
+          </a:stretch>
+        </p:blipFill>
+        <p:spPr bwMode="auto">
+          <a:xfrm>
+            <a:off x="6624488" y="3203773"/>
+            <a:ext cx="3177879" cy="2304256"/>
+          </a:xfrm>
+          <a:prstGeom prst="rect">
+            <a:avLst/>
+          </a:prstGeom>
+          <a:noFill/>
+          <a:extLst>
+            <a:ext uri="{909E8E84-426E-40DD-AFC4-6F175D3DCCD1}">
+              <a14:hiddenFill xmlns:a14="http://schemas.microsoft.com/office/drawing/2010/main">
+                <a:solidFill>
+                  <a:srgbClr val="FFFFFF"/>
+                </a:solidFill>
+              </a14:hiddenFill>
+            </a:ext>
+          </a:extLst>
+        </p:spPr>
+      </p:pic>
       <p:sp>
         <p:nvSpPr>
           <p:cNvPr id="2" name="Título 1"/>
@@ -19178,8 +19285,16 @@
           <a:lstStyle/>
           <a:p>
             <a:r>
+              <a:rPr lang="es-ES" dirty="0"/>
+              <a:t>Á</a:t>
+            </a:r>
+            <a:r>
               <a:rPr lang="es-ES" dirty="0" smtClean="0"/>
-              <a:t>Agile y </a:t>
+              <a:t>gil </a:t>
+            </a:r>
+            <a:r>
+              <a:rPr lang="es-ES" dirty="0" smtClean="0"/>
+              <a:t>y </a:t>
             </a:r>
             <a:r>
               <a:rPr lang="es-ES" dirty="0" err="1" smtClean="0"/>
@@ -19216,6 +19331,10 @@
             </a:r>
           </a:p>
           <a:p>
+            <a:r>
+              <a:rPr lang="es-ES" dirty="0" smtClean="0"/>
+              <a:t>Desarrollo por aproximaciones sucesivas</a:t>
+            </a:r>
             <a:endParaRPr lang="es-ES" dirty="0" smtClean="0"/>
           </a:p>
           <a:p>
@@ -19503,7 +19622,7 @@
       <p:pic>
         <p:nvPicPr>
           <p:cNvPr id="5136" name="Picture 16" descr="Resultado de imagen de git">
-            <a:hlinkClick r:id="rId2"/>
+            <a:hlinkClick r:id="rId4"/>
           </p:cNvPr>
           <p:cNvPicPr>
             <a:picLocks noChangeAspect="1" noChangeArrowheads="1"/>
@@ -19511,7 +19630,7 @@
           <p:nvPr/>
         </p:nvPicPr>
         <p:blipFill rotWithShape="1">
-          <a:blip r:embed="rId3">
+          <a:blip r:embed="rId5" cstate="print">
             <a:extLst>
               <a:ext uri="{28A0092B-C50C-407E-A947-70E740481C1C}">
                 <a14:useLocalDpi xmlns:a14="http://schemas.microsoft.com/office/drawing/2010/main" val="0"/>
@@ -19523,8 +19642,8 @@
         </p:blipFill>
         <p:spPr bwMode="auto">
           <a:xfrm>
-            <a:off x="3240112" y="5219997"/>
-            <a:ext cx="1620982" cy="1626706"/>
+            <a:off x="2952079" y="6012085"/>
+            <a:ext cx="1050337" cy="1054046"/>
           </a:xfrm>
           <a:prstGeom prst="rect">
             <a:avLst/>
@@ -19583,7 +19702,7 @@
       <p:pic>
         <p:nvPicPr>
           <p:cNvPr id="5140" name="Picture 20" descr="Resultado de imagen de github">
-            <a:hlinkClick r:id="rId4"/>
+            <a:hlinkClick r:id="rId6"/>
           </p:cNvPr>
           <p:cNvPicPr>
             <a:picLocks noChangeAspect="1" noChangeArrowheads="1"/>
@@ -19591,7 +19710,7 @@
           <p:nvPr/>
         </p:nvPicPr>
         <p:blipFill rotWithShape="1">
-          <a:blip r:embed="rId5" cstate="print">
+          <a:blip r:embed="rId7" cstate="print">
             <a:extLst>
               <a:ext uri="{28A0092B-C50C-407E-A947-70E740481C1C}">
                 <a14:useLocalDpi xmlns:a14="http://schemas.microsoft.com/office/drawing/2010/main" val="0"/>
@@ -19603,8 +19722,8 @@
         </p:blipFill>
         <p:spPr bwMode="auto">
           <a:xfrm>
-            <a:off x="6048424" y="5219997"/>
-            <a:ext cx="1558637" cy="1555816"/>
+            <a:off x="5760392" y="6012085"/>
+            <a:ext cx="1009940" cy="1008112"/>
           </a:xfrm>
           <a:prstGeom prst="rect">
             <a:avLst/>
@@ -19979,7 +20098,7 @@
                                         <p:tgtEl>
                                           <p:spTgt spid="3">
                                             <p:txEl>
-                                              <p:pRg st="6" end="6"/>
+                                              <p:pRg st="5" end="5"/>
                                             </p:txEl>
                                           </p:spTgt>
                                         </p:tgtEl>
@@ -19997,7 +20116,7 @@
                                         <p:tgtEl>
                                           <p:spTgt spid="3">
                                             <p:txEl>
-                                              <p:pRg st="6" end="6"/>
+                                              <p:pRg st="5" end="5"/>
                                             </p:txEl>
                                           </p:spTgt>
                                         </p:tgtEl>
@@ -20020,7 +20139,7 @@
                                           </p:stCondLst>
                                         </p:cTn>
                                         <p:tgtEl>
-                                          <p:spTgt spid="5136"/>
+                                          <p:spTgt spid="14"/>
                                         </p:tgtEl>
                                         <p:attrNameLst>
                                           <p:attrName>style.visibility</p:attrName>
@@ -20034,28 +20153,50 @@
                                       <p:cBhvr>
                                         <p:cTn id="35" dur="500"/>
                                         <p:tgtEl>
-                                          <p:spTgt spid="5136"/>
+                                          <p:spTgt spid="14"/>
                                         </p:tgtEl>
                                       </p:cBhvr>
                                     </p:animEffect>
                                   </p:childTnLst>
                                 </p:cTn>
                               </p:par>
+                            </p:childTnLst>
+                          </p:cTn>
+                        </p:par>
+                      </p:childTnLst>
+                    </p:cTn>
+                  </p:par>
+                  <p:par>
+                    <p:cTn id="36" fill="hold">
+                      <p:stCondLst>
+                        <p:cond delay="indefinite"/>
+                      </p:stCondLst>
+                      <p:childTnLst>
+                        <p:par>
+                          <p:cTn id="37" fill="hold">
+                            <p:stCondLst>
+                              <p:cond delay="0"/>
+                            </p:stCondLst>
+                            <p:childTnLst>
                               <p:par>
-                                <p:cTn id="36" presetID="10" presetClass="entr" presetSubtype="0" fill="hold" nodeType="withEffect">
+                                <p:cTn id="38" presetID="10" presetClass="entr" presetSubtype="0" fill="hold" grpId="0" nodeType="clickEffect">
                                   <p:stCondLst>
                                     <p:cond delay="0"/>
                                   </p:stCondLst>
                                   <p:childTnLst>
                                     <p:set>
                                       <p:cBhvr>
-                                        <p:cTn id="37" dur="1" fill="hold">
+                                        <p:cTn id="39" dur="1" fill="hold">
                                           <p:stCondLst>
                                             <p:cond delay="0"/>
                                           </p:stCondLst>
                                         </p:cTn>
                                         <p:tgtEl>
-                                          <p:spTgt spid="5140"/>
+                                          <p:spTgt spid="3">
+                                            <p:txEl>
+                                              <p:pRg st="6" end="6"/>
+                                            </p:txEl>
+                                          </p:spTgt>
                                         </p:tgtEl>
                                         <p:attrNameLst>
                                           <p:attrName>style.visibility</p:attrName>
@@ -20067,7 +20208,81 @@
                                     </p:set>
                                     <p:animEffect transition="in" filter="fade">
                                       <p:cBhvr>
-                                        <p:cTn id="38" dur="500"/>
+                                        <p:cTn id="40" dur="500"/>
+                                        <p:tgtEl>
+                                          <p:spTgt spid="3">
+                                            <p:txEl>
+                                              <p:pRg st="6" end="6"/>
+                                            </p:txEl>
+                                          </p:spTgt>
+                                        </p:tgtEl>
+                                      </p:cBhvr>
+                                    </p:animEffect>
+                                  </p:childTnLst>
+                                </p:cTn>
+                              </p:par>
+                              <p:par>
+                                <p:cTn id="41" presetID="10" presetClass="entr" presetSubtype="0" fill="hold" nodeType="withEffect">
+                                  <p:stCondLst>
+                                    <p:cond delay="0"/>
+                                  </p:stCondLst>
+                                  <p:childTnLst>
+                                    <p:set>
+                                      <p:cBhvr>
+                                        <p:cTn id="42" dur="1" fill="hold">
+                                          <p:stCondLst>
+                                            <p:cond delay="0"/>
+                                          </p:stCondLst>
+                                        </p:cTn>
+                                        <p:tgtEl>
+                                          <p:spTgt spid="5136"/>
+                                        </p:tgtEl>
+                                        <p:attrNameLst>
+                                          <p:attrName>style.visibility</p:attrName>
+                                        </p:attrNameLst>
+                                      </p:cBhvr>
+                                      <p:to>
+                                        <p:strVal val="visible"/>
+                                      </p:to>
+                                    </p:set>
+                                    <p:animEffect transition="in" filter="fade">
+                                      <p:cBhvr>
+                                        <p:cTn id="43" dur="500"/>
+                                        <p:tgtEl>
+                                          <p:spTgt spid="5136"/>
+                                        </p:tgtEl>
+                                      </p:cBhvr>
+                                    </p:animEffect>
+                                  </p:childTnLst>
+                                </p:cTn>
+                              </p:par>
+                              <p:par>
+                                <p:cTn id="44" presetID="10" presetClass="entr" presetSubtype="0" fill="hold" nodeType="withEffect">
+                                  <p:stCondLst>
+                                    <p:cond delay="0"/>
+                                  </p:stCondLst>
+                                  <p:childTnLst>
+                                    <p:set>
+                                      <p:cBhvr>
+                                        <p:cTn id="45" dur="1" fill="hold">
+                                          <p:stCondLst>
+                                            <p:cond delay="0"/>
+                                          </p:stCondLst>
+                                        </p:cTn>
+                                        <p:tgtEl>
+                                          <p:spTgt spid="5140"/>
+                                        </p:tgtEl>
+                                        <p:attrNameLst>
+                                          <p:attrName>style.visibility</p:attrName>
+                                        </p:attrNameLst>
+                                      </p:cBhvr>
+                                      <p:to>
+                                        <p:strVal val="visible"/>
+                                      </p:to>
+                                    </p:set>
+                                    <p:animEffect transition="in" filter="fade">
+                                      <p:cBhvr>
+                                        <p:cTn id="46" dur="500"/>
                                         <p:tgtEl>
                                           <p:spTgt spid="5140"/>
                                         </p:tgtEl>
@@ -20580,6 +20795,44 @@
           </a:p>
         </p:txBody>
       </p:sp>
+      <p:sp>
+        <p:nvSpPr>
+          <p:cNvPr id="5" name="CaixaDeTexto 4"/>
+          <p:cNvSpPr txBox="1"/>
+          <p:nvPr/>
+        </p:nvSpPr>
+        <p:spPr>
+          <a:xfrm>
+            <a:off x="6452043" y="6101328"/>
+            <a:ext cx="1410643" cy="369332"/>
+          </a:xfrm>
+          <a:prstGeom prst="rect">
+            <a:avLst/>
+          </a:prstGeom>
+          <a:noFill/>
+        </p:spPr>
+        <p:txBody>
+          <a:bodyPr wrap="none" rtlCol="0">
+            <a:spAutoFit/>
+          </a:bodyPr>
+          <a:lstStyle/>
+          <a:p>
+            <a:r>
+              <a:rPr lang="es-ES" b="1" dirty="0" err="1" smtClean="0"/>
+              <a:t>Allure</a:t>
+            </a:r>
+            <a:r>
+              <a:rPr lang="es-ES" b="1" dirty="0" smtClean="0"/>
+              <a:t> </a:t>
+            </a:r>
+            <a:r>
+              <a:rPr lang="es-ES" b="1" dirty="0" err="1" smtClean="0"/>
+              <a:t>report</a:t>
+            </a:r>
+            <a:endParaRPr lang="es-ES" b="1" dirty="0"/>
+          </a:p>
+        </p:txBody>
+      </p:sp>
     </p:spTree>
   </p:cSld>
   <p:clrMapOvr>
@@ -20950,6 +21203,41 @@
                                   </p:childTnLst>
                                 </p:cTn>
                               </p:par>
+                              <p:par>
+                                <p:cTn id="34" presetID="10" presetClass="entr" presetSubtype="0" fill="hold" grpId="0" nodeType="withEffect">
+                                  <p:stCondLst>
+                                    <p:cond delay="0"/>
+                                  </p:stCondLst>
+                                  <p:childTnLst>
+                                    <p:set>
+                                      <p:cBhvr>
+                                        <p:cTn id="35" dur="1" fill="hold">
+                                          <p:stCondLst>
+                                            <p:cond delay="0"/>
+                                          </p:stCondLst>
+                                        </p:cTn>
+                                        <p:tgtEl>
+                                          <p:spTgt spid="5"/>
+                                        </p:tgtEl>
+                                        <p:attrNameLst>
+                                          <p:attrName>style.visibility</p:attrName>
+                                        </p:attrNameLst>
+                                      </p:cBhvr>
+                                      <p:to>
+                                        <p:strVal val="visible"/>
+                                      </p:to>
+                                    </p:set>
+                                    <p:animEffect transition="in" filter="fade">
+                                      <p:cBhvr>
+                                        <p:cTn id="36" dur="500"/>
+                                        <p:tgtEl>
+                                          <p:spTgt spid="5"/>
+                                        </p:tgtEl>
+                                      </p:cBhvr>
+                                    </p:animEffect>
+                                  </p:childTnLst>
+                                </p:cTn>
+                              </p:par>
                             </p:childTnLst>
                           </p:cTn>
                         </p:par>
@@ -20981,6 +21269,7 @@
       <p:bldP spid="4" grpId="0" animBg="1"/>
       <p:bldP spid="4" grpId="1" animBg="1"/>
       <p:bldP spid="3" grpId="0" uiExpand="1" build="p"/>
+      <p:bldP spid="5" grpId="0"/>
     </p:bldLst>
   </p:timing>
 </p:sld>

--- a/doc/presentation/presentacion.pptx
+++ b/doc/presentation/presentacion.pptx
@@ -6,6 +6,9 @@
     <p:sldMasterId id="2147483693" r:id="rId2"/>
     <p:sldMasterId id="2147483702" r:id="rId3"/>
   </p:sldMasterIdLst>
+  <p:notesMasterIdLst>
+    <p:notesMasterId r:id="rId27"/>
+  </p:notesMasterIdLst>
   <p:sldIdLst>
     <p:sldId id="283" r:id="rId4"/>
     <p:sldId id="256" r:id="rId5"/>
@@ -25,12 +28,11 @@
     <p:sldId id="271" r:id="rId19"/>
     <p:sldId id="272" r:id="rId20"/>
     <p:sldId id="275" r:id="rId21"/>
-    <p:sldId id="276" r:id="rId22"/>
-    <p:sldId id="277" r:id="rId23"/>
-    <p:sldId id="278" r:id="rId24"/>
-    <p:sldId id="279" r:id="rId25"/>
-    <p:sldId id="280" r:id="rId26"/>
-    <p:sldId id="282" r:id="rId27"/>
+    <p:sldId id="277" r:id="rId22"/>
+    <p:sldId id="278" r:id="rId23"/>
+    <p:sldId id="279" r:id="rId24"/>
+    <p:sldId id="280" r:id="rId25"/>
+    <p:sldId id="276" r:id="rId26"/>
   </p:sldIdLst>
   <p:sldSz cx="10080625" cy="7559675"/>
   <p:notesSz cx="7559675" cy="10691813"/>
@@ -265,8 +267,8 @@
         </c:dLbls>
         <c:marker val="1"/>
         <c:smooth val="0"/>
-        <c:axId val="39449344"/>
-        <c:axId val="39450880"/>
+        <c:axId val="82141568"/>
+        <c:axId val="82143104"/>
       </c:lineChart>
       <c:lineChart>
         <c:grouping val="standard"/>
@@ -384,11 +386,11 @@
         </c:dLbls>
         <c:marker val="1"/>
         <c:smooth val="0"/>
-        <c:axId val="42076416"/>
-        <c:axId val="42074496"/>
+        <c:axId val="82151296"/>
+        <c:axId val="82149376"/>
       </c:lineChart>
       <c:catAx>
-        <c:axId val="39449344"/>
+        <c:axId val="82141568"/>
         <c:scaling>
           <c:orientation val="minMax"/>
         </c:scaling>
@@ -408,7 +410,7 @@
             <a:endParaRPr lang="es-ES"/>
           </a:p>
         </c:txPr>
-        <c:crossAx val="39450880"/>
+        <c:crossAx val="82143104"/>
         <c:crosses val="autoZero"/>
         <c:auto val="1"/>
         <c:lblAlgn val="ctr"/>
@@ -416,7 +418,7 @@
         <c:noMultiLvlLbl val="0"/>
       </c:catAx>
       <c:valAx>
-        <c:axId val="39450880"/>
+        <c:axId val="82143104"/>
         <c:scaling>
           <c:orientation val="minMax"/>
         </c:scaling>
@@ -427,7 +429,7 @@
         <c:majorTickMark val="out"/>
         <c:minorTickMark val="none"/>
         <c:tickLblPos val="nextTo"/>
-        <c:crossAx val="39449344"/>
+        <c:crossAx val="82141568"/>
         <c:crosses val="autoZero"/>
         <c:crossBetween val="between"/>
         <c:dispUnits>
@@ -435,7 +437,7 @@
         </c:dispUnits>
       </c:valAx>
       <c:valAx>
-        <c:axId val="42074496"/>
+        <c:axId val="82149376"/>
         <c:scaling>
           <c:orientation val="minMax"/>
         </c:scaling>
@@ -445,7 +447,7 @@
         <c:majorTickMark val="out"/>
         <c:minorTickMark val="none"/>
         <c:tickLblPos val="nextTo"/>
-        <c:crossAx val="42076416"/>
+        <c:crossAx val="82151296"/>
         <c:crosses val="max"/>
         <c:crossBetween val="between"/>
         <c:dispUnits>
@@ -453,7 +455,7 @@
         </c:dispUnits>
       </c:valAx>
       <c:catAx>
-        <c:axId val="42076416"/>
+        <c:axId val="82151296"/>
         <c:scaling>
           <c:orientation val="minMax"/>
         </c:scaling>
@@ -463,7 +465,7 @@
         <c:majorTickMark val="out"/>
         <c:minorTickMark val="none"/>
         <c:tickLblPos val="nextTo"/>
-        <c:crossAx val="42074496"/>
+        <c:crossAx val="82149376"/>
         <c:crosses val="autoZero"/>
         <c:auto val="1"/>
         <c:lblAlgn val="ctr"/>
@@ -3459,6 +3461,356 @@
 </dgm:styleDef>
 </file>
 
+<file path=ppt/notesMasters/notesMaster1.xml><?xml version="1.0" encoding="utf-8"?>
+<p:notesMaster xmlns:a="http://schemas.openxmlformats.org/drawingml/2006/main" xmlns:r="http://schemas.openxmlformats.org/officeDocument/2006/relationships" xmlns:p="http://schemas.openxmlformats.org/presentationml/2006/main">
+  <p:cSld>
+    <p:bg>
+      <p:bgRef idx="1001">
+        <a:schemeClr val="bg1"/>
+      </p:bgRef>
+    </p:bg>
+    <p:spTree>
+      <p:nvGrpSpPr>
+        <p:cNvPr id="1" name=""/>
+        <p:cNvGrpSpPr/>
+        <p:nvPr/>
+      </p:nvGrpSpPr>
+      <p:grpSpPr>
+        <a:xfrm>
+          <a:off x="0" y="0"/>
+          <a:ext cx="0" cy="0"/>
+          <a:chOff x="0" y="0"/>
+          <a:chExt cx="0" cy="0"/>
+        </a:xfrm>
+      </p:grpSpPr>
+      <p:sp>
+        <p:nvSpPr>
+          <p:cNvPr id="2" name="Marcador de Posição do Cabeçalho 1"/>
+          <p:cNvSpPr>
+            <a:spLocks noGrp="1"/>
+          </p:cNvSpPr>
+          <p:nvPr>
+            <p:ph type="hdr" sz="quarter"/>
+          </p:nvPr>
+        </p:nvSpPr>
+        <p:spPr>
+          <a:xfrm>
+            <a:off x="0" y="0"/>
+            <a:ext cx="3276600" cy="534988"/>
+          </a:xfrm>
+          <a:prstGeom prst="rect">
+            <a:avLst/>
+          </a:prstGeom>
+        </p:spPr>
+        <p:txBody>
+          <a:bodyPr vert="horz" lIns="91440" tIns="45720" rIns="91440" bIns="45720" rtlCol="0"/>
+          <a:lstStyle>
+            <a:lvl1pPr algn="l">
+              <a:defRPr sz="1200"/>
+            </a:lvl1pPr>
+          </a:lstStyle>
+          <a:p>
+            <a:endParaRPr lang="es-ES"/>
+          </a:p>
+        </p:txBody>
+      </p:sp>
+      <p:sp>
+        <p:nvSpPr>
+          <p:cNvPr id="3" name="Marcador de Posição da Data 2"/>
+          <p:cNvSpPr>
+            <a:spLocks noGrp="1"/>
+          </p:cNvSpPr>
+          <p:nvPr>
+            <p:ph type="dt" idx="1"/>
+          </p:nvPr>
+        </p:nvSpPr>
+        <p:spPr>
+          <a:xfrm>
+            <a:off x="4281488" y="0"/>
+            <a:ext cx="3276600" cy="534988"/>
+          </a:xfrm>
+          <a:prstGeom prst="rect">
+            <a:avLst/>
+          </a:prstGeom>
+        </p:spPr>
+        <p:txBody>
+          <a:bodyPr vert="horz" lIns="91440" tIns="45720" rIns="91440" bIns="45720" rtlCol="0"/>
+          <a:lstStyle>
+            <a:lvl1pPr algn="r">
+              <a:defRPr sz="1200"/>
+            </a:lvl1pPr>
+          </a:lstStyle>
+          <a:p>
+            <a:fld id="{FBB801D3-63FF-4044-B3C3-5F778B6F273F}" type="datetimeFigureOut">
+              <a:rPr lang="es-ES" smtClean="0"/>
+              <a:t>02/03/2017</a:t>
+            </a:fld>
+            <a:endParaRPr lang="es-ES"/>
+          </a:p>
+        </p:txBody>
+      </p:sp>
+      <p:sp>
+        <p:nvSpPr>
+          <p:cNvPr id="4" name="Marcador de Posição da Imagem do Diapositivo 3"/>
+          <p:cNvSpPr>
+            <a:spLocks noGrp="1" noRot="1" noChangeAspect="1"/>
+          </p:cNvSpPr>
+          <p:nvPr>
+            <p:ph type="sldImg" idx="2"/>
+          </p:nvPr>
+        </p:nvSpPr>
+        <p:spPr>
+          <a:xfrm>
+            <a:off x="1106488" y="801688"/>
+            <a:ext cx="5346700" cy="4010025"/>
+          </a:xfrm>
+          <a:prstGeom prst="rect">
+            <a:avLst/>
+          </a:prstGeom>
+          <a:noFill/>
+          <a:ln w="12700">
+            <a:solidFill>
+              <a:prstClr val="black"/>
+            </a:solidFill>
+          </a:ln>
+        </p:spPr>
+        <p:txBody>
+          <a:bodyPr vert="horz" lIns="91440" tIns="45720" rIns="91440" bIns="45720" rtlCol="0" anchor="ctr"/>
+          <a:lstStyle/>
+          <a:p>
+            <a:endParaRPr lang="es-ES"/>
+          </a:p>
+        </p:txBody>
+      </p:sp>
+      <p:sp>
+        <p:nvSpPr>
+          <p:cNvPr id="5" name="Marcador de Posição de Notas 4"/>
+          <p:cNvSpPr>
+            <a:spLocks noGrp="1"/>
+          </p:cNvSpPr>
+          <p:nvPr>
+            <p:ph type="body" sz="quarter" idx="3"/>
+          </p:nvPr>
+        </p:nvSpPr>
+        <p:spPr>
+          <a:xfrm>
+            <a:off x="755650" y="5078413"/>
+            <a:ext cx="6048375" cy="4811712"/>
+          </a:xfrm>
+          <a:prstGeom prst="rect">
+            <a:avLst/>
+          </a:prstGeom>
+        </p:spPr>
+        <p:txBody>
+          <a:bodyPr vert="horz" lIns="91440" tIns="45720" rIns="91440" bIns="45720" rtlCol="0"/>
+          <a:lstStyle/>
+          <a:p>
+            <a:pPr lvl="0"/>
+            <a:r>
+              <a:rPr lang="pt-PT" smtClean="0"/>
+              <a:t>Clique para editar os estilos</a:t>
+            </a:r>
+          </a:p>
+          <a:p>
+            <a:pPr lvl="1"/>
+            <a:r>
+              <a:rPr lang="pt-PT" smtClean="0"/>
+              <a:t>Segundo nível</a:t>
+            </a:r>
+          </a:p>
+          <a:p>
+            <a:pPr lvl="2"/>
+            <a:r>
+              <a:rPr lang="pt-PT" smtClean="0"/>
+              <a:t>Terceiro nível</a:t>
+            </a:r>
+          </a:p>
+          <a:p>
+            <a:pPr lvl="3"/>
+            <a:r>
+              <a:rPr lang="pt-PT" smtClean="0"/>
+              <a:t>Quarto nível</a:t>
+            </a:r>
+          </a:p>
+          <a:p>
+            <a:pPr lvl="4"/>
+            <a:r>
+              <a:rPr lang="pt-PT" smtClean="0"/>
+              <a:t>Quinto nível</a:t>
+            </a:r>
+            <a:endParaRPr lang="es-ES"/>
+          </a:p>
+        </p:txBody>
+      </p:sp>
+      <p:sp>
+        <p:nvSpPr>
+          <p:cNvPr id="6" name="Marcador de Posição do Rodapé 5"/>
+          <p:cNvSpPr>
+            <a:spLocks noGrp="1"/>
+          </p:cNvSpPr>
+          <p:nvPr>
+            <p:ph type="ftr" sz="quarter" idx="4"/>
+          </p:nvPr>
+        </p:nvSpPr>
+        <p:spPr>
+          <a:xfrm>
+            <a:off x="0" y="10155238"/>
+            <a:ext cx="3276600" cy="534987"/>
+          </a:xfrm>
+          <a:prstGeom prst="rect">
+            <a:avLst/>
+          </a:prstGeom>
+        </p:spPr>
+        <p:txBody>
+          <a:bodyPr vert="horz" lIns="91440" tIns="45720" rIns="91440" bIns="45720" rtlCol="0" anchor="b"/>
+          <a:lstStyle>
+            <a:lvl1pPr algn="l">
+              <a:defRPr sz="1200"/>
+            </a:lvl1pPr>
+          </a:lstStyle>
+          <a:p>
+            <a:endParaRPr lang="es-ES"/>
+          </a:p>
+        </p:txBody>
+      </p:sp>
+      <p:sp>
+        <p:nvSpPr>
+          <p:cNvPr id="7" name="Marcador de Posição do Número do Diapositivo 6"/>
+          <p:cNvSpPr>
+            <a:spLocks noGrp="1"/>
+          </p:cNvSpPr>
+          <p:nvPr>
+            <p:ph type="sldNum" sz="quarter" idx="5"/>
+          </p:nvPr>
+        </p:nvSpPr>
+        <p:spPr>
+          <a:xfrm>
+            <a:off x="4281488" y="10155238"/>
+            <a:ext cx="3276600" cy="534987"/>
+          </a:xfrm>
+          <a:prstGeom prst="rect">
+            <a:avLst/>
+          </a:prstGeom>
+        </p:spPr>
+        <p:txBody>
+          <a:bodyPr vert="horz" lIns="91440" tIns="45720" rIns="91440" bIns="45720" rtlCol="0" anchor="b"/>
+          <a:lstStyle>
+            <a:lvl1pPr algn="r">
+              <a:defRPr sz="1200"/>
+            </a:lvl1pPr>
+          </a:lstStyle>
+          <a:p>
+            <a:fld id="{1013AF36-E73E-4048-AA53-B02205DE39BE}" type="slidenum">
+              <a:rPr lang="es-ES" smtClean="0"/>
+              <a:t>‹nº›</a:t>
+            </a:fld>
+            <a:endParaRPr lang="es-ES"/>
+          </a:p>
+        </p:txBody>
+      </p:sp>
+    </p:spTree>
+    <p:extLst>
+      <p:ext uri="{BB962C8B-B14F-4D97-AF65-F5344CB8AC3E}">
+        <p14:creationId xmlns:p14="http://schemas.microsoft.com/office/powerpoint/2010/main" val="1285486944"/>
+      </p:ext>
+    </p:extLst>
+  </p:cSld>
+  <p:clrMap bg1="lt1" tx1="dk1" bg2="lt2" tx2="dk2" accent1="accent1" accent2="accent2" accent3="accent3" accent4="accent4" accent5="accent5" accent6="accent6" hlink="hlink" folHlink="folHlink"/>
+  <p:notesStyle>
+    <a:lvl1pPr marL="0" algn="l" defTabSz="914400" rtl="0" eaLnBrk="1" latinLnBrk="0" hangingPunct="1">
+      <a:defRPr sz="1200" kern="1200">
+        <a:solidFill>
+          <a:schemeClr val="tx1"/>
+        </a:solidFill>
+        <a:latin typeface="+mn-lt"/>
+        <a:ea typeface="+mn-ea"/>
+        <a:cs typeface="+mn-cs"/>
+      </a:defRPr>
+    </a:lvl1pPr>
+    <a:lvl2pPr marL="457200" algn="l" defTabSz="914400" rtl="0" eaLnBrk="1" latinLnBrk="0" hangingPunct="1">
+      <a:defRPr sz="1200" kern="1200">
+        <a:solidFill>
+          <a:schemeClr val="tx1"/>
+        </a:solidFill>
+        <a:latin typeface="+mn-lt"/>
+        <a:ea typeface="+mn-ea"/>
+        <a:cs typeface="+mn-cs"/>
+      </a:defRPr>
+    </a:lvl2pPr>
+    <a:lvl3pPr marL="914400" algn="l" defTabSz="914400" rtl="0" eaLnBrk="1" latinLnBrk="0" hangingPunct="1">
+      <a:defRPr sz="1200" kern="1200">
+        <a:solidFill>
+          <a:schemeClr val="tx1"/>
+        </a:solidFill>
+        <a:latin typeface="+mn-lt"/>
+        <a:ea typeface="+mn-ea"/>
+        <a:cs typeface="+mn-cs"/>
+      </a:defRPr>
+    </a:lvl3pPr>
+    <a:lvl4pPr marL="1371600" algn="l" defTabSz="914400" rtl="0" eaLnBrk="1" latinLnBrk="0" hangingPunct="1">
+      <a:defRPr sz="1200" kern="1200">
+        <a:solidFill>
+          <a:schemeClr val="tx1"/>
+        </a:solidFill>
+        <a:latin typeface="+mn-lt"/>
+        <a:ea typeface="+mn-ea"/>
+        <a:cs typeface="+mn-cs"/>
+      </a:defRPr>
+    </a:lvl4pPr>
+    <a:lvl5pPr marL="1828800" algn="l" defTabSz="914400" rtl="0" eaLnBrk="1" latinLnBrk="0" hangingPunct="1">
+      <a:defRPr sz="1200" kern="1200">
+        <a:solidFill>
+          <a:schemeClr val="tx1"/>
+        </a:solidFill>
+        <a:latin typeface="+mn-lt"/>
+        <a:ea typeface="+mn-ea"/>
+        <a:cs typeface="+mn-cs"/>
+      </a:defRPr>
+    </a:lvl5pPr>
+    <a:lvl6pPr marL="2286000" algn="l" defTabSz="914400" rtl="0" eaLnBrk="1" latinLnBrk="0" hangingPunct="1">
+      <a:defRPr sz="1200" kern="1200">
+        <a:solidFill>
+          <a:schemeClr val="tx1"/>
+        </a:solidFill>
+        <a:latin typeface="+mn-lt"/>
+        <a:ea typeface="+mn-ea"/>
+        <a:cs typeface="+mn-cs"/>
+      </a:defRPr>
+    </a:lvl6pPr>
+    <a:lvl7pPr marL="2743200" algn="l" defTabSz="914400" rtl="0" eaLnBrk="1" latinLnBrk="0" hangingPunct="1">
+      <a:defRPr sz="1200" kern="1200">
+        <a:solidFill>
+          <a:schemeClr val="tx1"/>
+        </a:solidFill>
+        <a:latin typeface="+mn-lt"/>
+        <a:ea typeface="+mn-ea"/>
+        <a:cs typeface="+mn-cs"/>
+      </a:defRPr>
+    </a:lvl7pPr>
+    <a:lvl8pPr marL="3200400" algn="l" defTabSz="914400" rtl="0" eaLnBrk="1" latinLnBrk="0" hangingPunct="1">
+      <a:defRPr sz="1200" kern="1200">
+        <a:solidFill>
+          <a:schemeClr val="tx1"/>
+        </a:solidFill>
+        <a:latin typeface="+mn-lt"/>
+        <a:ea typeface="+mn-ea"/>
+        <a:cs typeface="+mn-cs"/>
+      </a:defRPr>
+    </a:lvl8pPr>
+    <a:lvl9pPr marL="3657600" algn="l" defTabSz="914400" rtl="0" eaLnBrk="1" latinLnBrk="0" hangingPunct="1">
+      <a:defRPr sz="1200" kern="1200">
+        <a:solidFill>
+          <a:schemeClr val="tx1"/>
+        </a:solidFill>
+        <a:latin typeface="+mn-lt"/>
+        <a:ea typeface="+mn-ea"/>
+        <a:cs typeface="+mn-cs"/>
+      </a:defRPr>
+    </a:lvl9pPr>
+  </p:notesStyle>
+</p:notesMaster>
+</file>
+
 <file path=ppt/slideLayouts/slideLayout1.xml><?xml version="1.0" encoding="utf-8"?>
 <p:sldLayout xmlns:a="http://schemas.openxmlformats.org/drawingml/2006/main" xmlns:r="http://schemas.openxmlformats.org/officeDocument/2006/relationships" xmlns:p="http://schemas.openxmlformats.org/presentationml/2006/main" preserve="1">
   <p:cSld name="Diapositivo de título">
@@ -4291,6 +4643,13 @@
   <p:clrMapOvr>
     <a:masterClrMapping/>
   </p:clrMapOvr>
+  <p:timing>
+    <p:tnLst>
+      <p:par>
+        <p:cTn id="1" dur="indefinite" restart="never" nodeType="tmRoot"/>
+      </p:par>
+    </p:tnLst>
+  </p:timing>
 </p:sldLayout>
 </file>
 
@@ -5939,6 +6298,13 @@
   <p:clrMapOvr>
     <a:masterClrMapping/>
   </p:clrMapOvr>
+  <p:timing>
+    <p:tnLst>
+      <p:par>
+        <p:cTn id="1" dur="indefinite" restart="never" nodeType="tmRoot"/>
+      </p:par>
+    </p:tnLst>
+  </p:timing>
 </p:sldLayout>
 </file>
 
@@ -7536,7 +7902,7 @@
               <a:rPr lang="es-ES" smtClean="0"/>
               <a:t>‹nº›</a:t>
             </a:fld>
-            <a:endParaRPr lang="es-ES"/>
+            <a:endParaRPr lang="es-ES" dirty="0"/>
           </a:p>
         </p:txBody>
       </p:sp>
@@ -7797,7 +8163,7 @@
           </a:lstStyle>
           <a:p>
             <a:r>
-              <a:rPr lang="en-US" sz="1400" dirty="0" smtClean="0">
+              <a:rPr lang="en-US" sz="1400" smtClean="0">
                 <a:latin typeface="Times New Roman"/>
               </a:rPr>
               <a:t>&lt;date/time&gt;</a:t>
@@ -7841,7 +8207,7 @@
           <a:p>
             <a:pPr algn="ctr"/>
             <a:r>
-              <a:rPr lang="en-US" sz="1400" dirty="0" smtClean="0">
+              <a:rPr lang="en-US" sz="1400" smtClean="0">
                 <a:latin typeface="Times New Roman"/>
               </a:rPr>
               <a:t>&lt;footer&gt;</a:t>
@@ -8591,6 +8957,40 @@
               <a:latin typeface="Segoe UI" panose="020B0502040204020203" pitchFamily="34" charset="0"/>
               <a:cs typeface="Segoe UI" panose="020B0502040204020203" pitchFamily="34" charset="0"/>
             </a:endParaRPr>
+          </a:p>
+        </p:txBody>
+      </p:sp>
+      <p:sp>
+        <p:nvSpPr>
+          <p:cNvPr id="2" name="CaixaDeTexto 1"/>
+          <p:cNvSpPr txBox="1"/>
+          <p:nvPr userDrawn="1"/>
+        </p:nvSpPr>
+        <p:spPr>
+          <a:xfrm>
+            <a:off x="8928744" y="6936667"/>
+            <a:ext cx="1008112" cy="369332"/>
+          </a:xfrm>
+          <a:prstGeom prst="rect">
+            <a:avLst/>
+          </a:prstGeom>
+          <a:noFill/>
+        </p:spPr>
+        <p:txBody>
+          <a:bodyPr wrap="square" rtlCol="0">
+            <a:spAutoFit/>
+          </a:bodyPr>
+          <a:lstStyle/>
+          <a:p>
+            <a:fld id="{8CF81AFC-8CC2-4857-AA44-CC11FAA5CEFB}" type="slidenum">
+              <a:rPr lang="es-ES" smtClean="0"/>
+              <a:t>‹nº›</a:t>
+            </a:fld>
+            <a:r>
+              <a:rPr lang="es-ES" dirty="0" smtClean="0"/>
+              <a:t>/21</a:t>
+            </a:r>
+            <a:endParaRPr lang="es-ES" dirty="0"/>
           </a:p>
         </p:txBody>
       </p:sp>
@@ -11949,13 +12349,8 @@
           <a:p>
             <a:r>
               <a:rPr lang="es-ES" dirty="0" smtClean="0"/>
-              <a:t>Experiencia de </a:t>
-            </a:r>
-            <a:r>
-              <a:rPr lang="es-ES" dirty="0" smtClean="0"/>
-              <a:t>usuario</a:t>
-            </a:r>
-            <a:endParaRPr lang="es-ES" dirty="0" smtClean="0"/>
+              <a:t>Experiencia de usuario</a:t>
+            </a:r>
           </a:p>
         </p:txBody>
       </p:sp>
@@ -11989,7 +12384,6 @@
               <a:rPr lang="es-ES" dirty="0" smtClean="0"/>
               <a:t>Performance</a:t>
             </a:r>
-            <a:endParaRPr lang="es-ES" dirty="0" smtClean="0"/>
           </a:p>
         </p:txBody>
       </p:sp>
@@ -12049,13 +12443,8 @@
           <a:p>
             <a:r>
               <a:rPr lang="es-ES" sz="3600" b="1" dirty="0"/>
-              <a:t>No considerados en el </a:t>
-            </a:r>
-            <a:r>
-              <a:rPr lang="es-ES" sz="3600" b="1" dirty="0"/>
-              <a:t>proyecto</a:t>
-            </a:r>
-            <a:endParaRPr lang="es-ES" sz="3600" b="1" dirty="0"/>
+              <a:t>No considerados en el proyecto</a:t>
+            </a:r>
           </a:p>
         </p:txBody>
       </p:sp>
@@ -13394,12 +13783,20 @@
           <a:lstStyle/>
           <a:p>
             <a:r>
+              <a:rPr lang="es-ES" dirty="0" smtClean="0"/>
+              <a:t>Desarrollo - </a:t>
+            </a:r>
+            <a:r>
               <a:rPr lang="es-ES" dirty="0" err="1" smtClean="0"/>
               <a:t>Sprints</a:t>
             </a:r>
             <a:r>
               <a:rPr lang="es-ES" dirty="0" smtClean="0"/>
-              <a:t> 1 y 2</a:t>
+              <a:t> </a:t>
+            </a:r>
+            <a:r>
+              <a:rPr lang="es-ES" dirty="0" smtClean="0"/>
+              <a:t>1 y 2</a:t>
             </a:r>
             <a:endParaRPr lang="es-ES" dirty="0"/>
           </a:p>
@@ -13846,12 +14243,20 @@
           <a:lstStyle/>
           <a:p>
             <a:r>
-              <a:rPr lang="es-ES" dirty="0" err="1" smtClean="0"/>
+              <a:rPr lang="es-ES" dirty="0"/>
+              <a:t>Desarrollo - </a:t>
+            </a:r>
+            <a:r>
+              <a:rPr lang="es-ES" dirty="0" err="1"/>
               <a:t>Sprints</a:t>
             </a:r>
             <a:r>
+              <a:rPr lang="es-ES" dirty="0"/>
+              <a:t> </a:t>
+            </a:r>
+            <a:r>
               <a:rPr lang="es-ES" dirty="0" smtClean="0"/>
-              <a:t> 3 y 4</a:t>
+              <a:t>3 y 4</a:t>
             </a:r>
             <a:endParaRPr lang="es-ES" dirty="0"/>
           </a:p>
@@ -13949,6 +14354,49 @@
           </a:ln>
         </p:spPr>
       </p:pic>
+      <p:cxnSp>
+        <p:nvCxnSpPr>
+          <p:cNvPr id="5" name="Conexão recta 4"/>
+          <p:cNvCxnSpPr/>
+          <p:nvPr/>
+        </p:nvCxnSpPr>
+        <p:spPr bwMode="auto">
+          <a:xfrm flipV="1">
+            <a:off x="181440" y="4443920"/>
+            <a:ext cx="9694080" cy="13930"/>
+          </a:xfrm>
+          <a:prstGeom prst="line">
+            <a:avLst/>
+          </a:prstGeom>
+          <a:noFill/>
+          <a:ln w="19050">
+            <a:solidFill>
+              <a:schemeClr val="tx1"/>
+            </a:solidFill>
+            <a:prstDash val="dash"/>
+            <a:round/>
+            <a:headEnd/>
+            <a:tailEnd/>
+          </a:ln>
+          <a:effectLst/>
+          <a:extLst>
+            <a:ext uri="{909E8E84-426E-40DD-AFC4-6F175D3DCCD1}">
+              <a14:hiddenFill xmlns:a14="http://schemas.microsoft.com/office/drawing/2010/main">
+                <a:noFill/>
+              </a14:hiddenFill>
+            </a:ext>
+            <a:ext uri="{AF507438-7753-43E0-B8FC-AC1667EBCBE1}">
+              <a14:hiddenEffects xmlns:a14="http://schemas.microsoft.com/office/drawing/2010/main">
+                <a:effectLst>
+                  <a:outerShdw dist="35921" dir="2700000" algn="ctr" rotWithShape="0">
+                    <a:schemeClr val="bg2"/>
+                  </a:outerShdw>
+                </a:effectLst>
+              </a14:hiddenEffects>
+            </a:ext>
+          </a:extLst>
+        </p:spPr>
+      </p:cxnSp>
     </p:spTree>
   </p:cSld>
   <p:clrMapOvr>
@@ -14265,6 +14713,41 @@
                                   </p:childTnLst>
                                 </p:cTn>
                               </p:par>
+                              <p:par>
+                                <p:cTn id="28" presetID="10" presetClass="entr" presetSubtype="0" fill="hold" nodeType="withEffect">
+                                  <p:stCondLst>
+                                    <p:cond delay="0"/>
+                                  </p:stCondLst>
+                                  <p:childTnLst>
+                                    <p:set>
+                                      <p:cBhvr>
+                                        <p:cTn id="29" dur="1" fill="hold">
+                                          <p:stCondLst>
+                                            <p:cond delay="0"/>
+                                          </p:stCondLst>
+                                        </p:cTn>
+                                        <p:tgtEl>
+                                          <p:spTgt spid="5"/>
+                                        </p:tgtEl>
+                                        <p:attrNameLst>
+                                          <p:attrName>style.visibility</p:attrName>
+                                        </p:attrNameLst>
+                                      </p:cBhvr>
+                                      <p:to>
+                                        <p:strVal val="visible"/>
+                                      </p:to>
+                                    </p:set>
+                                    <p:animEffect transition="in" filter="fade">
+                                      <p:cBhvr>
+                                        <p:cTn id="30" dur="500"/>
+                                        <p:tgtEl>
+                                          <p:spTgt spid="5"/>
+                                        </p:tgtEl>
+                                      </p:cBhvr>
+                                    </p:animEffect>
+                                  </p:childTnLst>
+                                </p:cTn>
+                              </p:par>
                             </p:childTnLst>
                           </p:cTn>
                         </p:par>
@@ -14272,26 +14755,26 @@
                     </p:cTn>
                   </p:par>
                   <p:par>
-                    <p:cTn id="28" fill="hold">
+                    <p:cTn id="31" fill="hold">
                       <p:stCondLst>
                         <p:cond delay="indefinite"/>
                       </p:stCondLst>
                       <p:childTnLst>
                         <p:par>
-                          <p:cTn id="29" fill="hold">
+                          <p:cTn id="32" fill="hold">
                             <p:stCondLst>
                               <p:cond delay="0"/>
                             </p:stCondLst>
                             <p:childTnLst>
                               <p:par>
-                                <p:cTn id="30" presetID="10" presetClass="exit" presetSubtype="0" fill="hold" nodeType="clickEffect">
+                                <p:cTn id="33" presetID="10" presetClass="exit" presetSubtype="0" fill="hold" nodeType="clickEffect">
                                   <p:stCondLst>
                                     <p:cond delay="0"/>
                                   </p:stCondLst>
                                   <p:childTnLst>
                                     <p:animEffect transition="out" filter="fade">
                                       <p:cBhvr>
-                                        <p:cTn id="31" dur="500"/>
+                                        <p:cTn id="34" dur="500"/>
                                         <p:tgtEl>
                                           <p:spTgt spid="6"/>
                                         </p:tgtEl>
@@ -14299,7 +14782,7 @@
                                     </p:animEffect>
                                     <p:set>
                                       <p:cBhvr>
-                                        <p:cTn id="32" dur="1" fill="hold">
+                                        <p:cTn id="35" dur="1" fill="hold">
                                           <p:stCondLst>
                                             <p:cond delay="499"/>
                                           </p:stCondLst>
@@ -14319,14 +14802,14 @@
                                 </p:cTn>
                               </p:par>
                               <p:par>
-                                <p:cTn id="33" presetID="10" presetClass="entr" presetSubtype="0" fill="hold" nodeType="withEffect">
+                                <p:cTn id="36" presetID="10" presetClass="entr" presetSubtype="0" fill="hold" nodeType="withEffect">
                                   <p:stCondLst>
                                     <p:cond delay="0"/>
                                   </p:stCondLst>
                                   <p:childTnLst>
                                     <p:set>
                                       <p:cBhvr>
-                                        <p:cTn id="34" dur="1" fill="hold">
+                                        <p:cTn id="37" dur="1" fill="hold">
                                           <p:stCondLst>
                                             <p:cond delay="0"/>
                                           </p:stCondLst>
@@ -14344,7 +14827,7 @@
                                     </p:set>
                                     <p:animEffect transition="in" filter="fade">
                                       <p:cBhvr>
-                                        <p:cTn id="35" dur="500"/>
+                                        <p:cTn id="38" dur="500"/>
                                         <p:tgtEl>
                                           <p:spTgt spid="7"/>
                                         </p:tgtEl>
@@ -14381,7 +14864,7 @@
       </p:par>
     </p:tnLst>
     <p:bldLst>
-      <p:bldP spid="3" grpId="0" build="p"/>
+      <p:bldP spid="3" grpId="0" uiExpand="1" build="p"/>
     </p:bldLst>
   </p:timing>
 </p:sld>
@@ -14404,31 +14887,6 @@
           <a:chExt cx="0" cy="0"/>
         </a:xfrm>
       </p:grpSpPr>
-      <p:pic>
-        <p:nvPicPr>
-          <p:cNvPr id="91" name="Imagem 90"/>
-          <p:cNvPicPr/>
-          <p:nvPr/>
-        </p:nvPicPr>
-        <p:blipFill>
-          <a:blip r:embed="rId2"/>
-          <a:stretch>
-            <a:fillRect/>
-          </a:stretch>
-        </p:blipFill>
-        <p:spPr>
-          <a:xfrm>
-            <a:off x="598680" y="4460629"/>
-            <a:ext cx="8819640" cy="2847600"/>
-          </a:xfrm>
-          <a:prstGeom prst="rect">
-            <a:avLst/>
-          </a:prstGeom>
-          <a:ln>
-            <a:noFill/>
-          </a:ln>
-        </p:spPr>
-      </p:pic>
       <p:sp>
         <p:nvSpPr>
           <p:cNvPr id="2" name="Título 1"/>
@@ -14445,12 +14903,24 @@
           <a:lstStyle/>
           <a:p>
             <a:r>
-              <a:rPr lang="es-ES" dirty="0" err="1" smtClean="0"/>
+              <a:rPr lang="es-ES" dirty="0"/>
+              <a:t>Desarrollo - </a:t>
+            </a:r>
+            <a:r>
+              <a:rPr lang="es-ES" dirty="0" err="1"/>
               <a:t>Sprints</a:t>
             </a:r>
             <a:r>
+              <a:rPr lang="es-ES" dirty="0"/>
+              <a:t> </a:t>
+            </a:r>
+            <a:r>
               <a:rPr lang="es-ES" dirty="0" smtClean="0"/>
-              <a:t> 5 y 6</a:t>
+              <a:t>5 </a:t>
+            </a:r>
+            <a:r>
+              <a:rPr lang="es-ES" dirty="0" smtClean="0"/>
+              <a:t>al 9</a:t>
             </a:r>
             <a:endParaRPr lang="es-ES" dirty="0"/>
           </a:p>
@@ -14490,8 +14960,36 @@
             </a:r>
             <a:r>
               <a:rPr lang="es-ES" dirty="0" smtClean="0"/>
-              <a:t> de administración para la creación y edición de herramientas.</a:t>
-            </a:r>
+              <a:t> de administración para la creación y edición de herramientas</a:t>
+            </a:r>
+            <a:r>
+              <a:rPr lang="es-ES" dirty="0" smtClean="0"/>
+              <a:t>.</a:t>
+            </a:r>
+          </a:p>
+          <a:p>
+            <a:endParaRPr lang="es-ES" dirty="0"/>
+          </a:p>
+          <a:p>
+            <a:r>
+              <a:rPr lang="es-ES" dirty="0"/>
+              <a:t>Creación de herramientas</a:t>
+            </a:r>
+            <a:r>
+              <a:rPr lang="es-ES" dirty="0" smtClean="0"/>
+              <a:t>.</a:t>
+            </a:r>
+          </a:p>
+          <a:p>
+            <a:endParaRPr lang="es-ES" dirty="0"/>
+          </a:p>
+          <a:p>
+            <a:r>
+              <a:rPr lang="es-ES" dirty="0"/>
+              <a:t>Creación y eliminación de pasos.</a:t>
+            </a:r>
+          </a:p>
+          <a:p>
             <a:endParaRPr lang="es-ES" dirty="0"/>
           </a:p>
         </p:txBody>
@@ -14656,7 +15154,7 @@
                             </p:stCondLst>
                             <p:childTnLst>
                               <p:par>
-                                <p:cTn id="15" presetID="10" presetClass="entr" presetSubtype="0" fill="hold" nodeType="clickEffect">
+                                <p:cTn id="15" presetID="10" presetClass="entr" presetSubtype="0" fill="hold" grpId="0" nodeType="clickEffect">
                                   <p:stCondLst>
                                     <p:cond delay="0"/>
                                   </p:stCondLst>
@@ -14669,7 +15167,11 @@
                                           </p:stCondLst>
                                         </p:cTn>
                                         <p:tgtEl>
-                                          <p:spTgt spid="91"/>
+                                          <p:spTgt spid="3">
+                                            <p:txEl>
+                                              <p:pRg st="4" end="4"/>
+                                            </p:txEl>
+                                          </p:spTgt>
                                         </p:tgtEl>
                                         <p:attrNameLst>
                                           <p:attrName>style.visibility</p:attrName>
@@ -14683,7 +15185,72 @@
                                       <p:cBhvr>
                                         <p:cTn id="17" dur="500"/>
                                         <p:tgtEl>
-                                          <p:spTgt spid="91"/>
+                                          <p:spTgt spid="3">
+                                            <p:txEl>
+                                              <p:pRg st="4" end="4"/>
+                                            </p:txEl>
+                                          </p:spTgt>
+                                        </p:tgtEl>
+                                      </p:cBhvr>
+                                    </p:animEffect>
+                                  </p:childTnLst>
+                                </p:cTn>
+                              </p:par>
+                            </p:childTnLst>
+                          </p:cTn>
+                        </p:par>
+                      </p:childTnLst>
+                    </p:cTn>
+                  </p:par>
+                  <p:par>
+                    <p:cTn id="18" fill="hold">
+                      <p:stCondLst>
+                        <p:cond delay="indefinite"/>
+                      </p:stCondLst>
+                      <p:childTnLst>
+                        <p:par>
+                          <p:cTn id="19" fill="hold">
+                            <p:stCondLst>
+                              <p:cond delay="0"/>
+                            </p:stCondLst>
+                            <p:childTnLst>
+                              <p:par>
+                                <p:cTn id="20" presetID="10" presetClass="entr" presetSubtype="0" fill="hold" grpId="0" nodeType="clickEffect">
+                                  <p:stCondLst>
+                                    <p:cond delay="0"/>
+                                  </p:stCondLst>
+                                  <p:childTnLst>
+                                    <p:set>
+                                      <p:cBhvr>
+                                        <p:cTn id="21" dur="1" fill="hold">
+                                          <p:stCondLst>
+                                            <p:cond delay="0"/>
+                                          </p:stCondLst>
+                                        </p:cTn>
+                                        <p:tgtEl>
+                                          <p:spTgt spid="3">
+                                            <p:txEl>
+                                              <p:pRg st="6" end="6"/>
+                                            </p:txEl>
+                                          </p:spTgt>
+                                        </p:tgtEl>
+                                        <p:attrNameLst>
+                                          <p:attrName>style.visibility</p:attrName>
+                                        </p:attrNameLst>
+                                      </p:cBhvr>
+                                      <p:to>
+                                        <p:strVal val="visible"/>
+                                      </p:to>
+                                    </p:set>
+                                    <p:animEffect transition="in" filter="fade">
+                                      <p:cBhvr>
+                                        <p:cTn id="22" dur="500"/>
+                                        <p:tgtEl>
+                                          <p:spTgt spid="3">
+                                            <p:txEl>
+                                              <p:pRg st="6" end="6"/>
+                                            </p:txEl>
+                                          </p:spTgt>
                                         </p:tgtEl>
                                       </p:cBhvr>
                                     </p:animEffect>
@@ -14725,570 +15292,6 @@
 </file>
 
 <file path=ppt/slides/slide19.xml><?xml version="1.0" encoding="utf-8"?>
-<p:sld xmlns:a="http://schemas.openxmlformats.org/drawingml/2006/main" xmlns:r="http://schemas.openxmlformats.org/officeDocument/2006/relationships" xmlns:p="http://schemas.openxmlformats.org/presentationml/2006/main">
-  <p:cSld>
-    <p:spTree>
-      <p:nvGrpSpPr>
-        <p:cNvPr id="1" name=""/>
-        <p:cNvGrpSpPr/>
-        <p:nvPr/>
-      </p:nvGrpSpPr>
-      <p:grpSpPr>
-        <a:xfrm>
-          <a:off x="0" y="0"/>
-          <a:ext cx="0" cy="0"/>
-          <a:chOff x="0" y="0"/>
-          <a:chExt cx="0" cy="0"/>
-        </a:xfrm>
-      </p:grpSpPr>
-      <p:pic>
-        <p:nvPicPr>
-          <p:cNvPr id="94" name="Imagem 93"/>
-          <p:cNvPicPr/>
-          <p:nvPr/>
-        </p:nvPicPr>
-        <p:blipFill>
-          <a:blip r:embed="rId2"/>
-          <a:stretch>
-            <a:fillRect/>
-          </a:stretch>
-        </p:blipFill>
-        <p:spPr>
-          <a:xfrm>
-            <a:off x="2664048" y="3132237"/>
-            <a:ext cx="5272560" cy="4248000"/>
-          </a:xfrm>
-          <a:prstGeom prst="rect">
-            <a:avLst/>
-          </a:prstGeom>
-          <a:ln>
-            <a:noFill/>
-          </a:ln>
-        </p:spPr>
-      </p:pic>
-      <p:sp>
-        <p:nvSpPr>
-          <p:cNvPr id="4" name="Título 3"/>
-          <p:cNvSpPr>
-            <a:spLocks noGrp="1"/>
-          </p:cNvSpPr>
-          <p:nvPr>
-            <p:ph type="title"/>
-          </p:nvPr>
-        </p:nvSpPr>
-        <p:spPr/>
-        <p:txBody>
-          <a:bodyPr/>
-          <a:lstStyle/>
-          <a:p>
-            <a:r>
-              <a:rPr lang="es-ES" dirty="0" err="1" smtClean="0"/>
-              <a:t>Sprints</a:t>
-            </a:r>
-            <a:r>
-              <a:rPr lang="es-ES" dirty="0" smtClean="0"/>
-              <a:t> 7, 8 y 9</a:t>
-            </a:r>
-            <a:endParaRPr lang="es-ES" dirty="0"/>
-          </a:p>
-        </p:txBody>
-      </p:sp>
-      <p:sp>
-        <p:nvSpPr>
-          <p:cNvPr id="5" name="Marcador de Posição de Conteúdo 4"/>
-          <p:cNvSpPr>
-            <a:spLocks noGrp="1"/>
-          </p:cNvSpPr>
-          <p:nvPr>
-            <p:ph idx="1"/>
-          </p:nvPr>
-        </p:nvSpPr>
-        <p:spPr/>
-        <p:txBody>
-          <a:bodyPr/>
-          <a:lstStyle/>
-          <a:p>
-            <a:r>
-              <a:rPr lang="es-ES" dirty="0" smtClean="0"/>
-              <a:t>Creación de herramientas.</a:t>
-            </a:r>
-          </a:p>
-          <a:p>
-            <a:r>
-              <a:rPr lang="es-ES" dirty="0" smtClean="0"/>
-              <a:t>Creación y eliminación de pasos.</a:t>
-            </a:r>
-            <a:endParaRPr lang="es-ES" dirty="0"/>
-          </a:p>
-        </p:txBody>
-      </p:sp>
-    </p:spTree>
-  </p:cSld>
-  <p:clrMapOvr>
-    <a:masterClrMapping/>
-  </p:clrMapOvr>
-  <mc:AlternateContent xmlns:mc="http://schemas.openxmlformats.org/markup-compatibility/2006" xmlns:p14="http://schemas.microsoft.com/office/powerpoint/2010/main">
-    <mc:Choice Requires="p14">
-      <p:transition spd="med" p14:dur="700">
-        <p:fade/>
-      </p:transition>
-    </mc:Choice>
-    <mc:Fallback xmlns="">
-      <p:transition spd="med">
-        <p:fade/>
-      </p:transition>
-    </mc:Fallback>
-  </mc:AlternateContent>
-  <p:timing>
-    <p:tnLst>
-      <p:par>
-        <p:cTn id="1" dur="indefinite" restart="never" nodeType="tmRoot">
-          <p:childTnLst>
-            <p:seq concurrent="1" nextAc="seek">
-              <p:cTn id="2" dur="indefinite" nodeType="mainSeq">
-                <p:childTnLst>
-                  <p:par>
-                    <p:cTn id="3" fill="hold">
-                      <p:stCondLst>
-                        <p:cond delay="indefinite"/>
-                      </p:stCondLst>
-                      <p:childTnLst>
-                        <p:par>
-                          <p:cTn id="4" fill="hold">
-                            <p:stCondLst>
-                              <p:cond delay="0"/>
-                            </p:stCondLst>
-                            <p:childTnLst>
-                              <p:par>
-                                <p:cTn id="5" presetID="10" presetClass="entr" presetSubtype="0" fill="hold" grpId="0" nodeType="clickEffect">
-                                  <p:stCondLst>
-                                    <p:cond delay="0"/>
-                                  </p:stCondLst>
-                                  <p:childTnLst>
-                                    <p:set>
-                                      <p:cBhvr>
-                                        <p:cTn id="6" dur="1" fill="hold">
-                                          <p:stCondLst>
-                                            <p:cond delay="0"/>
-                                          </p:stCondLst>
-                                        </p:cTn>
-                                        <p:tgtEl>
-                                          <p:spTgt spid="5">
-                                            <p:txEl>
-                                              <p:pRg st="0" end="0"/>
-                                            </p:txEl>
-                                          </p:spTgt>
-                                        </p:tgtEl>
-                                        <p:attrNameLst>
-                                          <p:attrName>style.visibility</p:attrName>
-                                        </p:attrNameLst>
-                                      </p:cBhvr>
-                                      <p:to>
-                                        <p:strVal val="visible"/>
-                                      </p:to>
-                                    </p:set>
-                                    <p:animEffect transition="in" filter="fade">
-                                      <p:cBhvr>
-                                        <p:cTn id="7" dur="500"/>
-                                        <p:tgtEl>
-                                          <p:spTgt spid="5">
-                                            <p:txEl>
-                                              <p:pRg st="0" end="0"/>
-                                            </p:txEl>
-                                          </p:spTgt>
-                                        </p:tgtEl>
-                                      </p:cBhvr>
-                                    </p:animEffect>
-                                  </p:childTnLst>
-                                </p:cTn>
-                              </p:par>
-                            </p:childTnLst>
-                          </p:cTn>
-                        </p:par>
-                      </p:childTnLst>
-                    </p:cTn>
-                  </p:par>
-                  <p:par>
-                    <p:cTn id="8" fill="hold">
-                      <p:stCondLst>
-                        <p:cond delay="indefinite"/>
-                      </p:stCondLst>
-                      <p:childTnLst>
-                        <p:par>
-                          <p:cTn id="9" fill="hold">
-                            <p:stCondLst>
-                              <p:cond delay="0"/>
-                            </p:stCondLst>
-                            <p:childTnLst>
-                              <p:par>
-                                <p:cTn id="10" presetID="10" presetClass="entr" presetSubtype="0" fill="hold" grpId="0" nodeType="clickEffect">
-                                  <p:stCondLst>
-                                    <p:cond delay="0"/>
-                                  </p:stCondLst>
-                                  <p:childTnLst>
-                                    <p:set>
-                                      <p:cBhvr>
-                                        <p:cTn id="11" dur="1" fill="hold">
-                                          <p:stCondLst>
-                                            <p:cond delay="0"/>
-                                          </p:stCondLst>
-                                        </p:cTn>
-                                        <p:tgtEl>
-                                          <p:spTgt spid="5">
-                                            <p:txEl>
-                                              <p:pRg st="1" end="1"/>
-                                            </p:txEl>
-                                          </p:spTgt>
-                                        </p:tgtEl>
-                                        <p:attrNameLst>
-                                          <p:attrName>style.visibility</p:attrName>
-                                        </p:attrNameLst>
-                                      </p:cBhvr>
-                                      <p:to>
-                                        <p:strVal val="visible"/>
-                                      </p:to>
-                                    </p:set>
-                                    <p:animEffect transition="in" filter="fade">
-                                      <p:cBhvr>
-                                        <p:cTn id="12" dur="500"/>
-                                        <p:tgtEl>
-                                          <p:spTgt spid="5">
-                                            <p:txEl>
-                                              <p:pRg st="1" end="1"/>
-                                            </p:txEl>
-                                          </p:spTgt>
-                                        </p:tgtEl>
-                                      </p:cBhvr>
-                                    </p:animEffect>
-                                  </p:childTnLst>
-                                </p:cTn>
-                              </p:par>
-                            </p:childTnLst>
-                          </p:cTn>
-                        </p:par>
-                      </p:childTnLst>
-                    </p:cTn>
-                  </p:par>
-                  <p:par>
-                    <p:cTn id="13" fill="hold">
-                      <p:stCondLst>
-                        <p:cond delay="indefinite"/>
-                      </p:stCondLst>
-                      <p:childTnLst>
-                        <p:par>
-                          <p:cTn id="14" fill="hold">
-                            <p:stCondLst>
-                              <p:cond delay="0"/>
-                            </p:stCondLst>
-                            <p:childTnLst>
-                              <p:par>
-                                <p:cTn id="15" presetID="10" presetClass="entr" presetSubtype="0" fill="hold" nodeType="clickEffect">
-                                  <p:stCondLst>
-                                    <p:cond delay="0"/>
-                                  </p:stCondLst>
-                                  <p:childTnLst>
-                                    <p:set>
-                                      <p:cBhvr>
-                                        <p:cTn id="16" dur="1" fill="hold">
-                                          <p:stCondLst>
-                                            <p:cond delay="0"/>
-                                          </p:stCondLst>
-                                        </p:cTn>
-                                        <p:tgtEl>
-                                          <p:spTgt spid="94"/>
-                                        </p:tgtEl>
-                                        <p:attrNameLst>
-                                          <p:attrName>style.visibility</p:attrName>
-                                        </p:attrNameLst>
-                                      </p:cBhvr>
-                                      <p:to>
-                                        <p:strVal val="visible"/>
-                                      </p:to>
-                                    </p:set>
-                                    <p:animEffect transition="in" filter="fade">
-                                      <p:cBhvr>
-                                        <p:cTn id="17" dur="500"/>
-                                        <p:tgtEl>
-                                          <p:spTgt spid="94"/>
-                                        </p:tgtEl>
-                                      </p:cBhvr>
-                                    </p:animEffect>
-                                  </p:childTnLst>
-                                </p:cTn>
-                              </p:par>
-                            </p:childTnLst>
-                          </p:cTn>
-                        </p:par>
-                      </p:childTnLst>
-                    </p:cTn>
-                  </p:par>
-                </p:childTnLst>
-              </p:cTn>
-              <p:prevCondLst>
-                <p:cond evt="onPrev" delay="0">
-                  <p:tgtEl>
-                    <p:sldTgt/>
-                  </p:tgtEl>
-                </p:cond>
-              </p:prevCondLst>
-              <p:nextCondLst>
-                <p:cond evt="onNext" delay="0">
-                  <p:tgtEl>
-                    <p:sldTgt/>
-                  </p:tgtEl>
-                </p:cond>
-              </p:nextCondLst>
-            </p:seq>
-          </p:childTnLst>
-        </p:cTn>
-      </p:par>
-    </p:tnLst>
-    <p:bldLst>
-      <p:bldP spid="5" grpId="0" build="p"/>
-    </p:bldLst>
-  </p:timing>
-</p:sld>
-</file>
-
-<file path=ppt/slides/slide2.xml><?xml version="1.0" encoding="utf-8"?>
-<p:sld xmlns:a="http://schemas.openxmlformats.org/drawingml/2006/main" xmlns:r="http://schemas.openxmlformats.org/officeDocument/2006/relationships" xmlns:p="http://schemas.openxmlformats.org/presentationml/2006/main">
-  <p:cSld>
-    <p:spTree>
-      <p:nvGrpSpPr>
-        <p:cNvPr id="1" name=""/>
-        <p:cNvGrpSpPr/>
-        <p:nvPr/>
-      </p:nvGrpSpPr>
-      <p:grpSpPr>
-        <a:xfrm>
-          <a:off x="0" y="0"/>
-          <a:ext cx="0" cy="0"/>
-          <a:chOff x="0" y="0"/>
-          <a:chExt cx="0" cy="0"/>
-        </a:xfrm>
-      </p:grpSpPr>
-      <p:sp>
-        <p:nvSpPr>
-          <p:cNvPr id="39" name="TextShape 1"/>
-          <p:cNvSpPr txBox="1"/>
-          <p:nvPr/>
-        </p:nvSpPr>
-        <p:spPr>
-          <a:xfrm>
-            <a:off x="504000" y="301320"/>
-            <a:ext cx="9071640" cy="1262160"/>
-          </a:xfrm>
-          <a:prstGeom prst="rect">
-            <a:avLst/>
-          </a:prstGeom>
-        </p:spPr>
-        <p:txBody>
-          <a:bodyPr lIns="0" tIns="0" rIns="0" bIns="0" anchor="ctr"/>
-          <a:lstStyle/>
-          <a:p>
-            <a:pPr algn="ctr"/>
-            <a:endParaRPr/>
-          </a:p>
-        </p:txBody>
-      </p:sp>
-      <p:sp>
-        <p:nvSpPr>
-          <p:cNvPr id="40" name="TextShape 2"/>
-          <p:cNvSpPr txBox="1"/>
-          <p:nvPr/>
-        </p:nvSpPr>
-        <p:spPr>
-          <a:xfrm>
-            <a:off x="504000" y="1769040"/>
-            <a:ext cx="9071640" cy="4384440"/>
-          </a:xfrm>
-          <a:prstGeom prst="rect">
-            <a:avLst/>
-          </a:prstGeom>
-        </p:spPr>
-        <p:txBody>
-          <a:bodyPr lIns="0" tIns="0" rIns="0" bIns="0"/>
-          <a:lstStyle/>
-          <a:p>
-            <a:endParaRPr/>
-          </a:p>
-        </p:txBody>
-      </p:sp>
-      <p:pic>
-        <p:nvPicPr>
-          <p:cNvPr id="5" name="Picture 2" descr="Imagen relacionada">
-            <a:hlinkClick r:id="rId2"/>
-          </p:cNvPr>
-          <p:cNvPicPr>
-            <a:picLocks noChangeAspect="1" noChangeArrowheads="1"/>
-          </p:cNvPicPr>
-          <p:nvPr/>
-        </p:nvPicPr>
-        <p:blipFill>
-          <a:blip r:embed="rId3">
-            <a:extLst>
-              <a:ext uri="{28A0092B-C50C-407E-A947-70E740481C1C}">
-                <a14:useLocalDpi xmlns:a14="http://schemas.microsoft.com/office/drawing/2010/main" val="0"/>
-              </a:ext>
-            </a:extLst>
-          </a:blip>
-          <a:srcRect/>
-          <a:stretch>
-            <a:fillRect/>
-          </a:stretch>
-        </p:blipFill>
-        <p:spPr bwMode="auto">
-          <a:xfrm>
-            <a:off x="1295404" y="1563480"/>
-            <a:ext cx="7488832" cy="5539868"/>
-          </a:xfrm>
-          <a:prstGeom prst="rect">
-            <a:avLst/>
-          </a:prstGeom>
-          <a:noFill/>
-          <a:extLst>
-            <a:ext uri="{909E8E84-426E-40DD-AFC4-6F175D3DCCD1}">
-              <a14:hiddenFill xmlns:a14="http://schemas.microsoft.com/office/drawing/2010/main">
-                <a:solidFill>
-                  <a:srgbClr val="FFFFFF"/>
-                </a:solidFill>
-              </a14:hiddenFill>
-            </a:ext>
-          </a:extLst>
-        </p:spPr>
-      </p:pic>
-      <p:sp>
-        <p:nvSpPr>
-          <p:cNvPr id="6" name="Título 5"/>
-          <p:cNvSpPr>
-            <a:spLocks noGrp="1"/>
-          </p:cNvSpPr>
-          <p:nvPr>
-            <p:ph type="title"/>
-          </p:nvPr>
-        </p:nvSpPr>
-        <p:spPr>
-          <a:xfrm>
-            <a:off x="436052" y="446067"/>
-            <a:ext cx="9072563" cy="1259946"/>
-          </a:xfrm>
-        </p:spPr>
-        <p:txBody>
-          <a:bodyPr/>
-          <a:lstStyle/>
-          <a:p>
-            <a:r>
-              <a:rPr lang="es-ES" dirty="0" smtClean="0"/>
-              <a:t>Perú 2012</a:t>
-            </a:r>
-            <a:endParaRPr lang="es-ES" dirty="0"/>
-          </a:p>
-        </p:txBody>
-      </p:sp>
-    </p:spTree>
-  </p:cSld>
-  <p:clrMapOvr>
-    <a:masterClrMapping/>
-  </p:clrMapOvr>
-  <mc:AlternateContent xmlns:mc="http://schemas.openxmlformats.org/markup-compatibility/2006" xmlns:p14="http://schemas.microsoft.com/office/powerpoint/2010/main">
-    <mc:Choice Requires="p14">
-      <p:transition spd="med" p14:dur="700">
-        <p:fade/>
-      </p:transition>
-    </mc:Choice>
-    <mc:Fallback xmlns="">
-      <p:transition spd="med">
-        <p:fade/>
-      </p:transition>
-    </mc:Fallback>
-  </mc:AlternateContent>
-  <p:timing>
-    <p:tnLst>
-      <p:par>
-        <p:cTn id="1" dur="indefinite" restart="never" nodeType="tmRoot">
-          <p:childTnLst>
-            <p:seq concurrent="1" nextAc="seek">
-              <p:cTn id="2" dur="indefinite" nodeType="mainSeq">
-                <p:childTnLst>
-                  <p:par>
-                    <p:cTn id="3" fill="hold">
-                      <p:stCondLst>
-                        <p:cond delay="indefinite"/>
-                      </p:stCondLst>
-                      <p:childTnLst>
-                        <p:par>
-                          <p:cTn id="4" fill="hold">
-                            <p:stCondLst>
-                              <p:cond delay="0"/>
-                            </p:stCondLst>
-                            <p:childTnLst>
-                              <p:par>
-                                <p:cTn id="5" presetID="10" presetClass="entr" presetSubtype="0" fill="hold" nodeType="clickEffect">
-                                  <p:stCondLst>
-                                    <p:cond delay="0"/>
-                                  </p:stCondLst>
-                                  <p:childTnLst>
-                                    <p:set>
-                                      <p:cBhvr>
-                                        <p:cTn id="6" dur="1" fill="hold">
-                                          <p:stCondLst>
-                                            <p:cond delay="0"/>
-                                          </p:stCondLst>
-                                        </p:cTn>
-                                        <p:tgtEl>
-                                          <p:spTgt spid="5"/>
-                                        </p:tgtEl>
-                                        <p:attrNameLst>
-                                          <p:attrName>style.visibility</p:attrName>
-                                        </p:attrNameLst>
-                                      </p:cBhvr>
-                                      <p:to>
-                                        <p:strVal val="visible"/>
-                                      </p:to>
-                                    </p:set>
-                                    <p:animEffect transition="in" filter="fade">
-                                      <p:cBhvr>
-                                        <p:cTn id="7" dur="500"/>
-                                        <p:tgtEl>
-                                          <p:spTgt spid="5"/>
-                                        </p:tgtEl>
-                                      </p:cBhvr>
-                                    </p:animEffect>
-                                  </p:childTnLst>
-                                </p:cTn>
-                              </p:par>
-                            </p:childTnLst>
-                          </p:cTn>
-                        </p:par>
-                      </p:childTnLst>
-                    </p:cTn>
-                  </p:par>
-                </p:childTnLst>
-              </p:cTn>
-              <p:prevCondLst>
-                <p:cond evt="onPrev" delay="0">
-                  <p:tgtEl>
-                    <p:sldTgt/>
-                  </p:tgtEl>
-                </p:cond>
-              </p:prevCondLst>
-              <p:nextCondLst>
-                <p:cond evt="onNext" delay="0">
-                  <p:tgtEl>
-                    <p:sldTgt/>
-                  </p:tgtEl>
-                </p:cond>
-              </p:nextCondLst>
-            </p:seq>
-          </p:childTnLst>
-        </p:cTn>
-      </p:par>
-    </p:tnLst>
-  </p:timing>
-</p:sld>
-</file>
-
-<file path=ppt/slides/slide20.xml><?xml version="1.0" encoding="utf-8"?>
 <p:sld xmlns:a="http://schemas.openxmlformats.org/drawingml/2006/main" xmlns:r="http://schemas.openxmlformats.org/officeDocument/2006/relationships" xmlns:p="http://schemas.openxmlformats.org/presentationml/2006/main">
   <p:cSld>
     <p:spTree>
@@ -15371,12 +15374,20 @@
           <a:lstStyle/>
           <a:p>
             <a:r>
-              <a:rPr lang="es-ES" dirty="0" err="1" smtClean="0"/>
+              <a:rPr lang="es-ES" dirty="0"/>
+              <a:t>Desarrollo - </a:t>
+            </a:r>
+            <a:r>
+              <a:rPr lang="es-ES" dirty="0" err="1"/>
               <a:t>Sprints</a:t>
             </a:r>
             <a:r>
+              <a:rPr lang="es-ES" dirty="0"/>
+              <a:t> </a:t>
+            </a:r>
+            <a:r>
               <a:rPr lang="es-ES" dirty="0" smtClean="0"/>
-              <a:t> 10 y 11</a:t>
+              <a:t>10 y 11</a:t>
             </a:r>
             <a:endParaRPr lang="es-ES" dirty="0"/>
           </a:p>
@@ -15704,7 +15715,245 @@
 </p:sld>
 </file>
 
-<file path=ppt/slides/slide21.xml><?xml version="1.0" encoding="utf-8"?>
+<file path=ppt/slides/slide2.xml><?xml version="1.0" encoding="utf-8"?>
+<p:sld xmlns:a="http://schemas.openxmlformats.org/drawingml/2006/main" xmlns:r="http://schemas.openxmlformats.org/officeDocument/2006/relationships" xmlns:p="http://schemas.openxmlformats.org/presentationml/2006/main">
+  <p:cSld>
+    <p:spTree>
+      <p:nvGrpSpPr>
+        <p:cNvPr id="1" name=""/>
+        <p:cNvGrpSpPr/>
+        <p:nvPr/>
+      </p:nvGrpSpPr>
+      <p:grpSpPr>
+        <a:xfrm>
+          <a:off x="0" y="0"/>
+          <a:ext cx="0" cy="0"/>
+          <a:chOff x="0" y="0"/>
+          <a:chExt cx="0" cy="0"/>
+        </a:xfrm>
+      </p:grpSpPr>
+      <p:sp>
+        <p:nvSpPr>
+          <p:cNvPr id="39" name="TextShape 1"/>
+          <p:cNvSpPr txBox="1"/>
+          <p:nvPr/>
+        </p:nvSpPr>
+        <p:spPr>
+          <a:xfrm>
+            <a:off x="504000" y="301320"/>
+            <a:ext cx="9071640" cy="1262160"/>
+          </a:xfrm>
+          <a:prstGeom prst="rect">
+            <a:avLst/>
+          </a:prstGeom>
+        </p:spPr>
+        <p:txBody>
+          <a:bodyPr lIns="0" tIns="0" rIns="0" bIns="0" anchor="ctr"/>
+          <a:lstStyle/>
+          <a:p>
+            <a:pPr algn="ctr"/>
+            <a:endParaRPr/>
+          </a:p>
+        </p:txBody>
+      </p:sp>
+      <p:sp>
+        <p:nvSpPr>
+          <p:cNvPr id="40" name="TextShape 2"/>
+          <p:cNvSpPr txBox="1"/>
+          <p:nvPr/>
+        </p:nvSpPr>
+        <p:spPr>
+          <a:xfrm>
+            <a:off x="504000" y="1769040"/>
+            <a:ext cx="9071640" cy="4384440"/>
+          </a:xfrm>
+          <a:prstGeom prst="rect">
+            <a:avLst/>
+          </a:prstGeom>
+        </p:spPr>
+        <p:txBody>
+          <a:bodyPr lIns="0" tIns="0" rIns="0" bIns="0"/>
+          <a:lstStyle/>
+          <a:p>
+            <a:endParaRPr/>
+          </a:p>
+        </p:txBody>
+      </p:sp>
+      <p:pic>
+        <p:nvPicPr>
+          <p:cNvPr id="5" name="Picture 2" descr="Imagen relacionada">
+            <a:hlinkClick r:id="rId2"/>
+          </p:cNvPr>
+          <p:cNvPicPr>
+            <a:picLocks noChangeAspect="1" noChangeArrowheads="1"/>
+          </p:cNvPicPr>
+          <p:nvPr/>
+        </p:nvPicPr>
+        <p:blipFill>
+          <a:blip r:embed="rId3">
+            <a:extLst>
+              <a:ext uri="{28A0092B-C50C-407E-A947-70E740481C1C}">
+                <a14:useLocalDpi xmlns:a14="http://schemas.microsoft.com/office/drawing/2010/main" val="0"/>
+              </a:ext>
+            </a:extLst>
+          </a:blip>
+          <a:srcRect/>
+          <a:stretch>
+            <a:fillRect/>
+          </a:stretch>
+        </p:blipFill>
+        <p:spPr bwMode="auto">
+          <a:xfrm>
+            <a:off x="1295404" y="1563480"/>
+            <a:ext cx="7488832" cy="5539868"/>
+          </a:xfrm>
+          <a:prstGeom prst="rect">
+            <a:avLst/>
+          </a:prstGeom>
+          <a:noFill/>
+          <a:extLst>
+            <a:ext uri="{909E8E84-426E-40DD-AFC4-6F175D3DCCD1}">
+              <a14:hiddenFill xmlns:a14="http://schemas.microsoft.com/office/drawing/2010/main">
+                <a:solidFill>
+                  <a:srgbClr val="FFFFFF"/>
+                </a:solidFill>
+              </a14:hiddenFill>
+            </a:ext>
+          </a:extLst>
+        </p:spPr>
+      </p:pic>
+      <p:sp>
+        <p:nvSpPr>
+          <p:cNvPr id="6" name="Título 5"/>
+          <p:cNvSpPr>
+            <a:spLocks noGrp="1"/>
+          </p:cNvSpPr>
+          <p:nvPr>
+            <p:ph type="title"/>
+          </p:nvPr>
+        </p:nvSpPr>
+        <p:spPr>
+          <a:xfrm>
+            <a:off x="436052" y="446067"/>
+            <a:ext cx="9072563" cy="1259946"/>
+          </a:xfrm>
+        </p:spPr>
+        <p:txBody>
+          <a:bodyPr/>
+          <a:lstStyle/>
+          <a:p>
+            <a:r>
+              <a:rPr lang="es-ES" dirty="0" smtClean="0"/>
+              <a:t>Perú 2012</a:t>
+            </a:r>
+            <a:endParaRPr lang="es-ES" dirty="0"/>
+          </a:p>
+        </p:txBody>
+      </p:sp>
+    </p:spTree>
+  </p:cSld>
+  <p:clrMapOvr>
+    <a:masterClrMapping/>
+  </p:clrMapOvr>
+  <mc:AlternateContent xmlns:mc="http://schemas.openxmlformats.org/markup-compatibility/2006" xmlns:p14="http://schemas.microsoft.com/office/powerpoint/2010/main">
+    <mc:Choice Requires="p14">
+      <p:transition spd="med" p14:dur="700">
+        <p:fade/>
+      </p:transition>
+    </mc:Choice>
+    <mc:Fallback xmlns="">
+      <p:transition spd="med">
+        <p:fade/>
+      </p:transition>
+    </mc:Fallback>
+  </mc:AlternateContent>
+  <p:timing>
+    <p:tnLst>
+      <p:par>
+        <p:cTn id="1" dur="indefinite" restart="never" nodeType="tmRoot">
+          <p:childTnLst>
+            <p:seq concurrent="1" nextAc="seek">
+              <p:cTn id="2" dur="indefinite" nodeType="mainSeq">
+                <p:childTnLst>
+                  <p:par>
+                    <p:cTn id="3" fill="hold">
+                      <p:stCondLst>
+                        <p:cond delay="indefinite"/>
+                      </p:stCondLst>
+                      <p:childTnLst>
+                        <p:par>
+                          <p:cTn id="4" fill="hold">
+                            <p:stCondLst>
+                              <p:cond delay="0"/>
+                            </p:stCondLst>
+                            <p:childTnLst>
+                              <p:par>
+                                <p:cTn id="5" presetID="10" presetClass="entr" presetSubtype="0" fill="hold" nodeType="clickEffect">
+                                  <p:stCondLst>
+                                    <p:cond delay="0"/>
+                                  </p:stCondLst>
+                                  <p:childTnLst>
+                                    <p:set>
+                                      <p:cBhvr>
+                                        <p:cTn id="6" dur="1" fill="hold">
+                                          <p:stCondLst>
+                                            <p:cond delay="0"/>
+                                          </p:stCondLst>
+                                        </p:cTn>
+                                        <p:tgtEl>
+                                          <p:spTgt spid="5"/>
+                                        </p:tgtEl>
+                                        <p:attrNameLst>
+                                          <p:attrName>style.visibility</p:attrName>
+                                        </p:attrNameLst>
+                                      </p:cBhvr>
+                                      <p:to>
+                                        <p:strVal val="visible"/>
+                                      </p:to>
+                                    </p:set>
+                                    <p:animEffect transition="in" filter="fade">
+                                      <p:cBhvr>
+                                        <p:cTn id="7" dur="500"/>
+                                        <p:tgtEl>
+                                          <p:spTgt spid="5"/>
+                                        </p:tgtEl>
+                                      </p:cBhvr>
+                                    </p:animEffect>
+                                  </p:childTnLst>
+                                </p:cTn>
+                              </p:par>
+                            </p:childTnLst>
+                          </p:cTn>
+                        </p:par>
+                      </p:childTnLst>
+                    </p:cTn>
+                  </p:par>
+                </p:childTnLst>
+              </p:cTn>
+              <p:prevCondLst>
+                <p:cond evt="onPrev" delay="0">
+                  <p:tgtEl>
+                    <p:sldTgt/>
+                  </p:tgtEl>
+                </p:cond>
+              </p:prevCondLst>
+              <p:nextCondLst>
+                <p:cond evt="onNext" delay="0">
+                  <p:tgtEl>
+                    <p:sldTgt/>
+                  </p:tgtEl>
+                </p:cond>
+              </p:nextCondLst>
+            </p:seq>
+          </p:childTnLst>
+        </p:cTn>
+      </p:par>
+    </p:tnLst>
+  </p:timing>
+</p:sld>
+</file>
+
+<file path=ppt/slides/slide20.xml><?xml version="1.0" encoding="utf-8"?>
 <p:sld xmlns:a="http://schemas.openxmlformats.org/drawingml/2006/main" xmlns:r="http://schemas.openxmlformats.org/officeDocument/2006/relationships" xmlns:p="http://schemas.openxmlformats.org/presentationml/2006/main">
   <p:cSld>
     <p:spTree>
@@ -15737,8 +15986,12 @@
           <a:lstStyle/>
           <a:p>
             <a:r>
+              <a:rPr lang="es-ES" dirty="0"/>
+              <a:t>Desarrollo - Sprint </a:t>
+            </a:r>
+            <a:r>
               <a:rPr lang="es-ES" dirty="0" smtClean="0"/>
-              <a:t>Sprint 12</a:t>
+              <a:t>12</a:t>
             </a:r>
             <a:endParaRPr lang="es-ES" dirty="0"/>
           </a:p>
@@ -16097,7 +16350,7 @@
 </p:sld>
 </file>
 
-<file path=ppt/slides/slide22.xml><?xml version="1.0" encoding="utf-8"?>
+<file path=ppt/slides/slide21.xml><?xml version="1.0" encoding="utf-8"?>
 <p:sld xmlns:a="http://schemas.openxmlformats.org/drawingml/2006/main" xmlns:r="http://schemas.openxmlformats.org/officeDocument/2006/relationships" xmlns:p="http://schemas.openxmlformats.org/presentationml/2006/main">
   <p:cSld>
     <p:spTree>
@@ -16188,18 +16441,12 @@
               <a:rPr lang="es-ES" dirty="0" smtClean="0"/>
               <a:t>Sistema escalable.</a:t>
             </a:r>
-            <a:endParaRPr lang="es-ES" dirty="0" smtClean="0"/>
           </a:p>
           <a:p>
             <a:r>
               <a:rPr lang="es-ES" dirty="0" smtClean="0"/>
-              <a:t>Guía </a:t>
-            </a:r>
-            <a:r>
-              <a:rPr lang="es-ES" dirty="0" smtClean="0"/>
-              <a:t>desarrollo.</a:t>
-            </a:r>
-            <a:endParaRPr lang="es-ES" dirty="0" smtClean="0"/>
+              <a:t>Guía desarrollo.</a:t>
+            </a:r>
           </a:p>
           <a:p>
             <a:r>
@@ -16212,7 +16459,6 @@
               <a:rPr lang="es-ES" dirty="0" smtClean="0"/>
               <a:t>Entorno de testeo creado.</a:t>
             </a:r>
-            <a:endParaRPr lang="es-ES" dirty="0" smtClean="0"/>
           </a:p>
           <a:p>
             <a:r>
@@ -16655,7 +16901,7 @@
 </p:sld>
 </file>
 
-<file path=ppt/slides/slide23.xml><?xml version="1.0" encoding="utf-8"?>
+<file path=ppt/slides/slide22.xml><?xml version="1.0" encoding="utf-8"?>
 <p:sld xmlns:a="http://schemas.openxmlformats.org/drawingml/2006/main" xmlns:r="http://schemas.openxmlformats.org/officeDocument/2006/relationships" xmlns:p="http://schemas.openxmlformats.org/presentationml/2006/main">
   <p:cSld>
     <p:spTree>
@@ -16717,11 +16963,7 @@
           <a:p>
             <a:r>
               <a:rPr lang="es-ES" dirty="0" smtClean="0"/>
-              <a:t>Software funcional y </a:t>
-            </a:r>
-            <a:r>
-              <a:rPr lang="es-ES" dirty="0" smtClean="0"/>
-              <a:t>escalable</a:t>
+              <a:t>Software funcional y escalable</a:t>
             </a:r>
           </a:p>
           <a:p>
@@ -16732,7 +16974,6 @@
               <a:rPr lang="es-ES" dirty="0" smtClean="0"/>
               <a:t>Proceso sólido de testeo.</a:t>
             </a:r>
-            <a:endParaRPr lang="es-ES" dirty="0" smtClean="0"/>
           </a:p>
           <a:p>
             <a:endParaRPr lang="es-ES" dirty="0" smtClean="0"/>
@@ -16759,7 +17000,6 @@
               <a:rPr lang="es-ES" dirty="0"/>
               <a:t>Futuro: testeo asociado al cuadrante 4</a:t>
             </a:r>
-            <a:endParaRPr lang="es-ES" dirty="0"/>
           </a:p>
         </p:txBody>
       </p:sp>
@@ -16971,6 +17211,67 @@
                       </p:childTnLst>
                     </p:cTn>
                   </p:par>
+                  <p:par>
+                    <p:cTn id="18" fill="hold">
+                      <p:stCondLst>
+                        <p:cond delay="indefinite"/>
+                      </p:stCondLst>
+                      <p:childTnLst>
+                        <p:par>
+                          <p:cTn id="19" fill="hold">
+                            <p:stCondLst>
+                              <p:cond delay="0"/>
+                            </p:stCondLst>
+                            <p:childTnLst>
+                              <p:par>
+                                <p:cTn id="20" presetID="10" presetClass="entr" presetSubtype="0" fill="hold" grpId="0" nodeType="clickEffect">
+                                  <p:stCondLst>
+                                    <p:cond delay="0"/>
+                                  </p:stCondLst>
+                                  <p:childTnLst>
+                                    <p:set>
+                                      <p:cBhvr>
+                                        <p:cTn id="21" dur="1" fill="hold">
+                                          <p:stCondLst>
+                                            <p:cond delay="0"/>
+                                          </p:stCondLst>
+                                        </p:cTn>
+                                        <p:tgtEl>
+                                          <p:spTgt spid="3">
+                                            <p:txEl>
+                                              <p:pRg st="6" end="6"/>
+                                            </p:txEl>
+                                          </p:spTgt>
+                                        </p:tgtEl>
+                                        <p:attrNameLst>
+                                          <p:attrName>style.visibility</p:attrName>
+                                        </p:attrNameLst>
+                                      </p:cBhvr>
+                                      <p:to>
+                                        <p:strVal val="visible"/>
+                                      </p:to>
+                                    </p:set>
+                                    <p:animEffect transition="in" filter="fade">
+                                      <p:cBhvr>
+                                        <p:cTn id="22" dur="500"/>
+                                        <p:tgtEl>
+                                          <p:spTgt spid="3">
+                                            <p:txEl>
+                                              <p:pRg st="6" end="6"/>
+                                            </p:txEl>
+                                          </p:spTgt>
+                                        </p:tgtEl>
+                                      </p:cBhvr>
+                                    </p:animEffect>
+                                  </p:childTnLst>
+                                </p:cTn>
+                              </p:par>
+                            </p:childTnLst>
+                          </p:cTn>
+                        </p:par>
+                      </p:childTnLst>
+                    </p:cTn>
+                  </p:par>
                 </p:childTnLst>
               </p:cTn>
               <p:prevCondLst>
@@ -16999,8 +17300,8 @@
 </p:sld>
 </file>
 
-<file path=ppt/slides/slide24.xml><?xml version="1.0" encoding="utf-8"?>
-<p:sld xmlns:a="http://schemas.openxmlformats.org/drawingml/2006/main" xmlns:r="http://schemas.openxmlformats.org/officeDocument/2006/relationships" xmlns:p="http://schemas.openxmlformats.org/presentationml/2006/main">
+<file path=ppt/slides/slide23.xml><?xml version="1.0" encoding="utf-8"?>
+<p:sld xmlns:a="http://schemas.openxmlformats.org/drawingml/2006/main" xmlns:r="http://schemas.openxmlformats.org/officeDocument/2006/relationships" xmlns:p="http://schemas.openxmlformats.org/presentationml/2006/main" show="0">
   <p:cSld>
     <p:spTree>
       <p:nvGrpSpPr>
@@ -17018,62 +17319,93 @@
       </p:grpSpPr>
       <p:pic>
         <p:nvPicPr>
-          <p:cNvPr id="12292" name="Picture 4" descr="Resultado de imagen de questions"/>
-          <p:cNvPicPr>
-            <a:picLocks noChangeAspect="1" noChangeArrowheads="1"/>
-          </p:cNvPicPr>
+          <p:cNvPr id="94" name="Imagem 93"/>
+          <p:cNvPicPr/>
           <p:nvPr/>
         </p:nvPicPr>
         <p:blipFill>
-          <a:blip r:embed="rId2">
-            <a:extLst>
-              <a:ext uri="{28A0092B-C50C-407E-A947-70E740481C1C}">
-                <a14:useLocalDpi xmlns:a14="http://schemas.microsoft.com/office/drawing/2010/main" val="0"/>
-              </a:ext>
-            </a:extLst>
-          </a:blip>
-          <a:srcRect/>
+          <a:blip r:embed="rId2"/>
           <a:stretch>
             <a:fillRect/>
           </a:stretch>
         </p:blipFill>
-        <p:spPr bwMode="auto">
+        <p:spPr>
           <a:xfrm>
-            <a:off x="2304008" y="1763613"/>
-            <a:ext cx="5688632" cy="5513982"/>
+            <a:off x="2075221" y="2339677"/>
+            <a:ext cx="5616624" cy="4525206"/>
           </a:xfrm>
           <a:prstGeom prst="rect">
             <a:avLst/>
           </a:prstGeom>
-          <a:noFill/>
-          <a:extLst>
-            <a:ext uri="{909E8E84-426E-40DD-AFC4-6F175D3DCCD1}">
-              <a14:hiddenFill xmlns:a14="http://schemas.microsoft.com/office/drawing/2010/main">
-                <a:solidFill>
-                  <a:srgbClr val="FFFFFF"/>
-                </a:solidFill>
-              </a14:hiddenFill>
-            </a:ext>
-          </a:extLst>
+          <a:ln>
+            <a:noFill/>
+          </a:ln>
+        </p:spPr>
+      </p:pic>
+      <p:sp>
+        <p:nvSpPr>
+          <p:cNvPr id="4" name="Título 3"/>
+          <p:cNvSpPr>
+            <a:spLocks noGrp="1"/>
+          </p:cNvSpPr>
+          <p:nvPr>
+            <p:ph type="title"/>
+          </p:nvPr>
+        </p:nvSpPr>
+        <p:spPr/>
+        <p:txBody>
+          <a:bodyPr/>
+          <a:lstStyle/>
+          <a:p>
+            <a:r>
+              <a:rPr lang="es-ES" dirty="0" err="1" smtClean="0"/>
+              <a:t>Sprints</a:t>
+            </a:r>
+            <a:r>
+              <a:rPr lang="es-ES" dirty="0" smtClean="0"/>
+              <a:t> 7, 8 y 9</a:t>
+            </a:r>
+            <a:endParaRPr lang="es-ES" dirty="0"/>
+          </a:p>
+        </p:txBody>
+      </p:sp>
+      <p:pic>
+        <p:nvPicPr>
+          <p:cNvPr id="7" name="Imagem 6"/>
+          <p:cNvPicPr/>
+          <p:nvPr/>
+        </p:nvPicPr>
+        <p:blipFill>
+          <a:blip r:embed="rId3"/>
+          <a:stretch>
+            <a:fillRect/>
+          </a:stretch>
+        </p:blipFill>
+        <p:spPr>
+          <a:xfrm>
+            <a:off x="503808" y="2915741"/>
+            <a:ext cx="8819640" cy="2847600"/>
+          </a:xfrm>
+          <a:prstGeom prst="rect">
+            <a:avLst/>
+          </a:prstGeom>
+          <a:ln>
+            <a:noFill/>
+          </a:ln>
         </p:spPr>
       </p:pic>
     </p:spTree>
-    <p:extLst>
-      <p:ext uri="{BB962C8B-B14F-4D97-AF65-F5344CB8AC3E}">
-        <p14:creationId xmlns:p14="http://schemas.microsoft.com/office/powerpoint/2010/main" val="1984260458"/>
-      </p:ext>
-    </p:extLst>
   </p:cSld>
   <p:clrMapOvr>
     <a:masterClrMapping/>
   </p:clrMapOvr>
-  <mc:AlternateContent xmlns:mc="http://schemas.openxmlformats.org/markup-compatibility/2006" xmlns:p14="http://schemas.microsoft.com/office/powerpoint/2010/main">
-    <mc:Choice Requires="p14">
+  <mc:AlternateContent xmlns:mc="http://schemas.openxmlformats.org/markup-compatibility/2006">
+    <mc:Choice xmlns:p14="http://schemas.microsoft.com/office/powerpoint/2010/main" Requires="p14">
       <p:transition spd="med" p14:dur="700">
         <p:fade/>
       </p:transition>
     </mc:Choice>
-    <mc:Fallback xmlns="">
+    <mc:Fallback>
       <p:transition spd="med">
         <p:fade/>
       </p:transition>
@@ -17082,7 +17414,136 @@
   <p:timing>
     <p:tnLst>
       <p:par>
-        <p:cTn id="1" dur="indefinite" restart="never" nodeType="tmRoot"/>
+        <p:cTn id="1" dur="indefinite" restart="never" nodeType="tmRoot">
+          <p:childTnLst>
+            <p:seq concurrent="1" nextAc="seek">
+              <p:cTn id="2" dur="indefinite" nodeType="mainSeq">
+                <p:childTnLst>
+                  <p:par>
+                    <p:cTn id="3" fill="hold">
+                      <p:stCondLst>
+                        <p:cond delay="indefinite"/>
+                      </p:stCondLst>
+                      <p:childTnLst>
+                        <p:par>
+                          <p:cTn id="4" fill="hold">
+                            <p:stCondLst>
+                              <p:cond delay="0"/>
+                            </p:stCondLst>
+                            <p:childTnLst>
+                              <p:par>
+                                <p:cTn id="5" presetID="10" presetClass="entr" presetSubtype="0" fill="hold" nodeType="clickEffect">
+                                  <p:stCondLst>
+                                    <p:cond delay="0"/>
+                                  </p:stCondLst>
+                                  <p:childTnLst>
+                                    <p:set>
+                                      <p:cBhvr>
+                                        <p:cTn id="6" dur="1" fill="hold">
+                                          <p:stCondLst>
+                                            <p:cond delay="0"/>
+                                          </p:stCondLst>
+                                        </p:cTn>
+                                        <p:tgtEl>
+                                          <p:spTgt spid="94"/>
+                                        </p:tgtEl>
+                                        <p:attrNameLst>
+                                          <p:attrName>style.visibility</p:attrName>
+                                        </p:attrNameLst>
+                                      </p:cBhvr>
+                                      <p:to>
+                                        <p:strVal val="visible"/>
+                                      </p:to>
+                                    </p:set>
+                                    <p:animEffect transition="in" filter="fade">
+                                      <p:cBhvr>
+                                        <p:cTn id="7" dur="500"/>
+                                        <p:tgtEl>
+                                          <p:spTgt spid="94"/>
+                                        </p:tgtEl>
+                                      </p:cBhvr>
+                                    </p:animEffect>
+                                  </p:childTnLst>
+                                </p:cTn>
+                              </p:par>
+                            </p:childTnLst>
+                          </p:cTn>
+                        </p:par>
+                      </p:childTnLst>
+                    </p:cTn>
+                  </p:par>
+                  <p:par>
+                    <p:cTn id="8" fill="hold">
+                      <p:stCondLst>
+                        <p:cond delay="indefinite"/>
+                      </p:stCondLst>
+                      <p:childTnLst>
+                        <p:par>
+                          <p:cTn id="9" fill="hold">
+                            <p:stCondLst>
+                              <p:cond delay="0"/>
+                            </p:stCondLst>
+                            <p:childTnLst>
+                              <p:par>
+                                <p:cTn id="10" presetID="10" presetClass="entr" presetSubtype="0" fill="hold" nodeType="clickEffect">
+                                  <p:stCondLst>
+                                    <p:cond delay="0"/>
+                                  </p:stCondLst>
+                                  <p:childTnLst>
+                                    <p:set>
+                                      <p:cBhvr>
+                                        <p:cTn id="11" dur="1" fill="hold">
+                                          <p:stCondLst>
+                                            <p:cond delay="0"/>
+                                          </p:stCondLst>
+                                        </p:cTn>
+                                        <p:tgtEl>
+                                          <p:spTgt spid="7"/>
+                                        </p:tgtEl>
+                                        <p:attrNameLst>
+                                          <p:attrName>style.visibility</p:attrName>
+                                        </p:attrNameLst>
+                                      </p:cBhvr>
+                                      <p:to>
+                                        <p:strVal val="visible"/>
+                                      </p:to>
+                                    </p:set>
+                                    <p:animEffect transition="in" filter="fade">
+                                      <p:cBhvr>
+                                        <p:cTn id="12" dur="500"/>
+                                        <p:tgtEl>
+                                          <p:spTgt spid="7"/>
+                                        </p:tgtEl>
+                                      </p:cBhvr>
+                                    </p:animEffect>
+                                  </p:childTnLst>
+                                </p:cTn>
+                              </p:par>
+                            </p:childTnLst>
+                          </p:cTn>
+                        </p:par>
+                      </p:childTnLst>
+                    </p:cTn>
+                  </p:par>
+                </p:childTnLst>
+              </p:cTn>
+              <p:prevCondLst>
+                <p:cond evt="onPrev" delay="0">
+                  <p:tgtEl>
+                    <p:sldTgt/>
+                  </p:tgtEl>
+                </p:cond>
+              </p:prevCondLst>
+              <p:nextCondLst>
+                <p:cond evt="onNext" delay="0">
+                  <p:tgtEl>
+                    <p:sldTgt/>
+                  </p:tgtEl>
+                </p:cond>
+              </p:nextCondLst>
+            </p:seq>
+          </p:childTnLst>
+        </p:cTn>
       </p:par>
     </p:tnLst>
   </p:timing>
@@ -18869,6 +19330,59 @@
                                         <p:cTn id="57" dur="500"/>
                                         <p:tgtEl>
                                           <p:spTgt spid="17"/>
+                                        </p:tgtEl>
+                                      </p:cBhvr>
+                                    </p:animEffect>
+                                  </p:childTnLst>
+                                </p:cTn>
+                              </p:par>
+                            </p:childTnLst>
+                          </p:cTn>
+                        </p:par>
+                      </p:childTnLst>
+                    </p:cTn>
+                  </p:par>
+                  <p:par>
+                    <p:cTn id="58" fill="hold">
+                      <p:stCondLst>
+                        <p:cond delay="indefinite"/>
+                      </p:stCondLst>
+                      <p:childTnLst>
+                        <p:par>
+                          <p:cTn id="59" fill="hold">
+                            <p:stCondLst>
+                              <p:cond delay="0"/>
+                            </p:stCondLst>
+                            <p:childTnLst>
+                              <p:par>
+                                <p:cTn id="60" presetID="10" presetClass="entr" presetSubtype="0" fill="hold" nodeType="clickEffect">
+                                  <p:stCondLst>
+                                    <p:cond delay="0"/>
+                                  </p:stCondLst>
+                                  <p:childTnLst>
+                                    <p:set>
+                                      <p:cBhvr>
+                                        <p:cTn id="61" dur="1" fill="hold">
+                                          <p:stCondLst>
+                                            <p:cond delay="0"/>
+                                          </p:stCondLst>
+                                        </p:cTn>
+                                        <p:tgtEl>
+                                          <p:spTgt spid="1030"/>
+                                        </p:tgtEl>
+                                        <p:attrNameLst>
+                                          <p:attrName>style.visibility</p:attrName>
+                                        </p:attrNameLst>
+                                      </p:cBhvr>
+                                      <p:to>
+                                        <p:strVal val="visible"/>
+                                      </p:to>
+                                    </p:set>
+                                    <p:animEffect transition="in" filter="fade">
+                                      <p:cBhvr>
+                                        <p:cTn id="62" dur="500"/>
+                                        <p:tgtEl>
+                                          <p:spTgt spid="1030"/>
                                         </p:tgtEl>
                                       </p:cBhvr>
                                     </p:animEffect>
@@ -19290,11 +19804,7 @@
             </a:r>
             <a:r>
               <a:rPr lang="es-ES" dirty="0" smtClean="0"/>
-              <a:t>gil </a:t>
-            </a:r>
-            <a:r>
-              <a:rPr lang="es-ES" dirty="0" smtClean="0"/>
-              <a:t>y </a:t>
+              <a:t>gil y </a:t>
             </a:r>
             <a:r>
               <a:rPr lang="es-ES" dirty="0" err="1" smtClean="0"/>
@@ -19335,7 +19845,6 @@
               <a:rPr lang="es-ES" dirty="0" smtClean="0"/>
               <a:t>Desarrollo por aproximaciones sucesivas</a:t>
             </a:r>
-            <a:endParaRPr lang="es-ES" dirty="0" smtClean="0"/>
           </a:p>
           <a:p>
             <a:r>
@@ -22594,4 +23103,289 @@
     </a:extraClrScheme>
   </a:extraClrSchemeLst>
 </a:theme>
+</file>
+
+<file path=ppt/theme/theme4.xml><?xml version="1.0" encoding="utf-8"?>
+<a:theme xmlns:a="http://schemas.openxmlformats.org/drawingml/2006/main" name="Tema do Office">
+  <a:themeElements>
+    <a:clrScheme name="Office">
+      <a:dk1>
+        <a:sysClr val="windowText" lastClr="000000"/>
+      </a:dk1>
+      <a:lt1>
+        <a:sysClr val="window" lastClr="FFFFFF"/>
+      </a:lt1>
+      <a:dk2>
+        <a:srgbClr val="1F497D"/>
+      </a:dk2>
+      <a:lt2>
+        <a:srgbClr val="EEECE1"/>
+      </a:lt2>
+      <a:accent1>
+        <a:srgbClr val="4F81BD"/>
+      </a:accent1>
+      <a:accent2>
+        <a:srgbClr val="C0504D"/>
+      </a:accent2>
+      <a:accent3>
+        <a:srgbClr val="9BBB59"/>
+      </a:accent3>
+      <a:accent4>
+        <a:srgbClr val="8064A2"/>
+      </a:accent4>
+      <a:accent5>
+        <a:srgbClr val="4BACC6"/>
+      </a:accent5>
+      <a:accent6>
+        <a:srgbClr val="F79646"/>
+      </a:accent6>
+      <a:hlink>
+        <a:srgbClr val="0000FF"/>
+      </a:hlink>
+      <a:folHlink>
+        <a:srgbClr val="800080"/>
+      </a:folHlink>
+    </a:clrScheme>
+    <a:fontScheme name="Office">
+      <a:majorFont>
+        <a:latin typeface="Calibri"/>
+        <a:ea typeface=""/>
+        <a:cs typeface=""/>
+        <a:font script="Jpan" typeface="ＭＳ Ｐゴシック"/>
+        <a:font script="Hang" typeface="맑은 고딕"/>
+        <a:font script="Hans" typeface="宋体"/>
+        <a:font script="Hant" typeface="新細明體"/>
+        <a:font script="Arab" typeface="Times New Roman"/>
+        <a:font script="Hebr" typeface="Times New Roman"/>
+        <a:font script="Thai" typeface="Angsana New"/>
+        <a:font script="Ethi" typeface="Nyala"/>
+        <a:font script="Beng" typeface="Vrinda"/>
+        <a:font script="Gujr" typeface="Shruti"/>
+        <a:font script="Khmr" typeface="MoolBoran"/>
+        <a:font script="Knda" typeface="Tunga"/>
+        <a:font script="Guru" typeface="Raavi"/>
+        <a:font script="Cans" typeface="Euphemia"/>
+        <a:font script="Cher" typeface="Plantagenet Cherokee"/>
+        <a:font script="Yiii" typeface="Microsoft Yi Baiti"/>
+        <a:font script="Tibt" typeface="Microsoft Himalaya"/>
+        <a:font script="Thaa" typeface="MV Boli"/>
+        <a:font script="Deva" typeface="Mangal"/>
+        <a:font script="Telu" typeface="Gautami"/>
+        <a:font script="Taml" typeface="Latha"/>
+        <a:font script="Syrc" typeface="Estrangelo Edessa"/>
+        <a:font script="Orya" typeface="Kalinga"/>
+        <a:font script="Mlym" typeface="Kartika"/>
+        <a:font script="Laoo" typeface="DokChampa"/>
+        <a:font script="Sinh" typeface="Iskoola Pota"/>
+        <a:font script="Mong" typeface="Mongolian Baiti"/>
+        <a:font script="Viet" typeface="Times New Roman"/>
+        <a:font script="Uigh" typeface="Microsoft Uighur"/>
+        <a:font script="Geor" typeface="Sylfaen"/>
+      </a:majorFont>
+      <a:minorFont>
+        <a:latin typeface="Calibri"/>
+        <a:ea typeface=""/>
+        <a:cs typeface=""/>
+        <a:font script="Jpan" typeface="ＭＳ Ｐゴシック"/>
+        <a:font script="Hang" typeface="맑은 고딕"/>
+        <a:font script="Hans" typeface="宋体"/>
+        <a:font script="Hant" typeface="新細明體"/>
+        <a:font script="Arab" typeface="Arial"/>
+        <a:font script="Hebr" typeface="Arial"/>
+        <a:font script="Thai" typeface="Cordia New"/>
+        <a:font script="Ethi" typeface="Nyala"/>
+        <a:font script="Beng" typeface="Vrinda"/>
+        <a:font script="Gujr" typeface="Shruti"/>
+        <a:font script="Khmr" typeface="DaunPenh"/>
+        <a:font script="Knda" typeface="Tunga"/>
+        <a:font script="Guru" typeface="Raavi"/>
+        <a:font script="Cans" typeface="Euphemia"/>
+        <a:font script="Cher" typeface="Plantagenet Cherokee"/>
+        <a:font script="Yiii" typeface="Microsoft Yi Baiti"/>
+        <a:font script="Tibt" typeface="Microsoft Himalaya"/>
+        <a:font script="Thaa" typeface="MV Boli"/>
+        <a:font script="Deva" typeface="Mangal"/>
+        <a:font script="Telu" typeface="Gautami"/>
+        <a:font script="Taml" typeface="Latha"/>
+        <a:font script="Syrc" typeface="Estrangelo Edessa"/>
+        <a:font script="Orya" typeface="Kalinga"/>
+        <a:font script="Mlym" typeface="Kartika"/>
+        <a:font script="Laoo" typeface="DokChampa"/>
+        <a:font script="Sinh" typeface="Iskoola Pota"/>
+        <a:font script="Mong" typeface="Mongolian Baiti"/>
+        <a:font script="Viet" typeface="Arial"/>
+        <a:font script="Uigh" typeface="Microsoft Uighur"/>
+        <a:font script="Geor" typeface="Sylfaen"/>
+      </a:minorFont>
+    </a:fontScheme>
+    <a:fmtScheme name="Office">
+      <a:fillStyleLst>
+        <a:solidFill>
+          <a:schemeClr val="phClr"/>
+        </a:solidFill>
+        <a:gradFill rotWithShape="1">
+          <a:gsLst>
+            <a:gs pos="0">
+              <a:schemeClr val="phClr">
+                <a:tint val="50000"/>
+                <a:satMod val="300000"/>
+              </a:schemeClr>
+            </a:gs>
+            <a:gs pos="35000">
+              <a:schemeClr val="phClr">
+                <a:tint val="37000"/>
+                <a:satMod val="300000"/>
+              </a:schemeClr>
+            </a:gs>
+            <a:gs pos="100000">
+              <a:schemeClr val="phClr">
+                <a:tint val="15000"/>
+                <a:satMod val="350000"/>
+              </a:schemeClr>
+            </a:gs>
+          </a:gsLst>
+          <a:lin ang="16200000" scaled="1"/>
+        </a:gradFill>
+        <a:gradFill rotWithShape="1">
+          <a:gsLst>
+            <a:gs pos="0">
+              <a:schemeClr val="phClr">
+                <a:shade val="51000"/>
+                <a:satMod val="130000"/>
+              </a:schemeClr>
+            </a:gs>
+            <a:gs pos="80000">
+              <a:schemeClr val="phClr">
+                <a:shade val="93000"/>
+                <a:satMod val="130000"/>
+              </a:schemeClr>
+            </a:gs>
+            <a:gs pos="100000">
+              <a:schemeClr val="phClr">
+                <a:shade val="94000"/>
+                <a:satMod val="135000"/>
+              </a:schemeClr>
+            </a:gs>
+          </a:gsLst>
+          <a:lin ang="16200000" scaled="0"/>
+        </a:gradFill>
+      </a:fillStyleLst>
+      <a:lnStyleLst>
+        <a:ln w="9525" cap="flat" cmpd="sng" algn="ctr">
+          <a:solidFill>
+            <a:schemeClr val="phClr">
+              <a:shade val="95000"/>
+              <a:satMod val="105000"/>
+            </a:schemeClr>
+          </a:solidFill>
+          <a:prstDash val="solid"/>
+        </a:ln>
+        <a:ln w="25400" cap="flat" cmpd="sng" algn="ctr">
+          <a:solidFill>
+            <a:schemeClr val="phClr"/>
+          </a:solidFill>
+          <a:prstDash val="solid"/>
+        </a:ln>
+        <a:ln w="38100" cap="flat" cmpd="sng" algn="ctr">
+          <a:solidFill>
+            <a:schemeClr val="phClr"/>
+          </a:solidFill>
+          <a:prstDash val="solid"/>
+        </a:ln>
+      </a:lnStyleLst>
+      <a:effectStyleLst>
+        <a:effectStyle>
+          <a:effectLst>
+            <a:outerShdw blurRad="40000" dist="20000" dir="5400000" rotWithShape="0">
+              <a:srgbClr val="000000">
+                <a:alpha val="38000"/>
+              </a:srgbClr>
+            </a:outerShdw>
+          </a:effectLst>
+        </a:effectStyle>
+        <a:effectStyle>
+          <a:effectLst>
+            <a:outerShdw blurRad="40000" dist="23000" dir="5400000" rotWithShape="0">
+              <a:srgbClr val="000000">
+                <a:alpha val="35000"/>
+              </a:srgbClr>
+            </a:outerShdw>
+          </a:effectLst>
+        </a:effectStyle>
+        <a:effectStyle>
+          <a:effectLst>
+            <a:outerShdw blurRad="40000" dist="23000" dir="5400000" rotWithShape="0">
+              <a:srgbClr val="000000">
+                <a:alpha val="35000"/>
+              </a:srgbClr>
+            </a:outerShdw>
+          </a:effectLst>
+          <a:scene3d>
+            <a:camera prst="orthographicFront">
+              <a:rot lat="0" lon="0" rev="0"/>
+            </a:camera>
+            <a:lightRig rig="threePt" dir="t">
+              <a:rot lat="0" lon="0" rev="1200000"/>
+            </a:lightRig>
+          </a:scene3d>
+          <a:sp3d>
+            <a:bevelT w="63500" h="25400"/>
+          </a:sp3d>
+        </a:effectStyle>
+      </a:effectStyleLst>
+      <a:bgFillStyleLst>
+        <a:solidFill>
+          <a:schemeClr val="phClr"/>
+        </a:solidFill>
+        <a:gradFill rotWithShape="1">
+          <a:gsLst>
+            <a:gs pos="0">
+              <a:schemeClr val="phClr">
+                <a:tint val="40000"/>
+                <a:satMod val="350000"/>
+              </a:schemeClr>
+            </a:gs>
+            <a:gs pos="40000">
+              <a:schemeClr val="phClr">
+                <a:tint val="45000"/>
+                <a:shade val="99000"/>
+                <a:satMod val="350000"/>
+              </a:schemeClr>
+            </a:gs>
+            <a:gs pos="100000">
+              <a:schemeClr val="phClr">
+                <a:shade val="20000"/>
+                <a:satMod val="255000"/>
+              </a:schemeClr>
+            </a:gs>
+          </a:gsLst>
+          <a:path path="circle">
+            <a:fillToRect l="50000" t="-80000" r="50000" b="180000"/>
+          </a:path>
+        </a:gradFill>
+        <a:gradFill rotWithShape="1">
+          <a:gsLst>
+            <a:gs pos="0">
+              <a:schemeClr val="phClr">
+                <a:tint val="80000"/>
+                <a:satMod val="300000"/>
+              </a:schemeClr>
+            </a:gs>
+            <a:gs pos="100000">
+              <a:schemeClr val="phClr">
+                <a:shade val="30000"/>
+                <a:satMod val="200000"/>
+              </a:schemeClr>
+            </a:gs>
+          </a:gsLst>
+          <a:path path="circle">
+            <a:fillToRect l="50000" t="50000" r="50000" b="50000"/>
+          </a:path>
+        </a:gradFill>
+      </a:bgFillStyleLst>
+    </a:fmtScheme>
+  </a:themeElements>
+  <a:objectDefaults/>
+  <a:extraClrSchemeLst/>
+</a:theme>
 </file>